--- a/translations/en-us/intermediate/Variables.pptx
+++ b/translations/en-us/intermediate/Variables.pptx
@@ -3,26 +3,27 @@
 <p:presentation xmlns:a="http://schemas.openxmlformats.org/drawingml/2006/main" xmlns:r="http://schemas.openxmlformats.org/officeDocument/2006/relationships" xmlns:p="http://schemas.openxmlformats.org/presentationml/2006/main" showSpecialPlsOnTitleSld="0" saveSubsetFonts="1">
   <p:sldMasterIdLst>
     <p:sldMasterId id="2147483835" r:id="rId1"/>
+    <p:sldMasterId id="2147483847" r:id="rId2"/>
   </p:sldMasterIdLst>
   <p:notesMasterIdLst>
-    <p:notesMasterId r:id="rId14"/>
+    <p:notesMasterId r:id="rId15"/>
   </p:notesMasterIdLst>
   <p:handoutMasterIdLst>
-    <p:handoutMasterId r:id="rId15"/>
+    <p:handoutMasterId r:id="rId16"/>
   </p:handoutMasterIdLst>
   <p:sldIdLst>
-    <p:sldId id="300" r:id="rId2"/>
-    <p:sldId id="288" r:id="rId3"/>
-    <p:sldId id="290" r:id="rId4"/>
-    <p:sldId id="292" r:id="rId5"/>
-    <p:sldId id="293" r:id="rId6"/>
-    <p:sldId id="294" r:id="rId7"/>
-    <p:sldId id="295" r:id="rId8"/>
-    <p:sldId id="296" r:id="rId9"/>
-    <p:sldId id="297" r:id="rId10"/>
-    <p:sldId id="299" r:id="rId11"/>
-    <p:sldId id="287" r:id="rId12"/>
-    <p:sldId id="274" r:id="rId13"/>
+    <p:sldId id="300" r:id="rId3"/>
+    <p:sldId id="288" r:id="rId4"/>
+    <p:sldId id="290" r:id="rId5"/>
+    <p:sldId id="292" r:id="rId6"/>
+    <p:sldId id="293" r:id="rId7"/>
+    <p:sldId id="294" r:id="rId8"/>
+    <p:sldId id="295" r:id="rId9"/>
+    <p:sldId id="296" r:id="rId10"/>
+    <p:sldId id="297" r:id="rId11"/>
+    <p:sldId id="299" r:id="rId12"/>
+    <p:sldId id="287" r:id="rId13"/>
+    <p:sldId id="274" r:id="rId14"/>
   </p:sldIdLst>
   <p:sldSz cx="9144000" cy="6858000" type="screen4x3"/>
   <p:notesSz cx="6858000" cy="9144000"/>
@@ -222,7 +223,7 @@
           <a:p>
             <a:fld id="{E354B44E-40A3-0E46-B16A-9BF1250A248B}" type="datetimeFigureOut">
               <a:rPr lang="en-US" smtClean="0"/>
-              <a:t>11/13/15</a:t>
+              <a:t>7/7/2016</a:t>
             </a:fld>
             <a:endParaRPr lang="en-US"/>
           </a:p>
@@ -388,7 +389,7 @@
           <a:p>
             <a:fld id="{C86AD16C-2DB4-6642-BAD4-9ED973A087A0}" type="datetimeFigureOut">
               <a:rPr lang="en-US" smtClean="0"/>
-              <a:t>11/13/15</a:t>
+              <a:t>7/7/2016</a:t>
             </a:fld>
             <a:endParaRPr lang="en-US"/>
           </a:p>
@@ -452,38 +453,37 @@
           <a:p>
             <a:pPr lvl="0"/>
             <a:r>
-              <a:rPr lang="en-US" smtClean="0"/>
+              <a:rPr lang="en-US"/>
               <a:t>Click to edit Master text styles</a:t>
             </a:r>
           </a:p>
           <a:p>
             <a:pPr lvl="1"/>
             <a:r>
-              <a:rPr lang="en-US" smtClean="0"/>
+              <a:rPr lang="en-US"/>
               <a:t>Second level</a:t>
             </a:r>
           </a:p>
           <a:p>
             <a:pPr lvl="2"/>
             <a:r>
-              <a:rPr lang="en-US" smtClean="0"/>
+              <a:rPr lang="en-US"/>
               <a:t>Third level</a:t>
             </a:r>
           </a:p>
           <a:p>
             <a:pPr lvl="3"/>
             <a:r>
-              <a:rPr lang="en-US" smtClean="0"/>
+              <a:rPr lang="en-US"/>
               <a:t>Fourth level</a:t>
             </a:r>
           </a:p>
           <a:p>
             <a:pPr lvl="4"/>
             <a:r>
-              <a:rPr lang="en-US" smtClean="0"/>
+              <a:rPr lang="en-US"/>
               <a:t>Fifth level</a:t>
             </a:r>
-            <a:endParaRPr lang="en-US"/>
           </a:p>
         </p:txBody>
       </p:sp>
@@ -920,10 +920,9 @@
           </a:lstStyle>
           <a:p>
             <a:r>
-              <a:rPr lang="en-US" dirty="0" smtClean="0"/>
+              <a:rPr lang="en-US" dirty="0"/>
               <a:t>INTERMEDIATE PROGRAMMING LESSON</a:t>
             </a:r>
-            <a:endParaRPr lang="en-US" dirty="0"/>
           </a:p>
         </p:txBody>
       </p:sp>
@@ -992,10 +991,9 @@
           </a:lstStyle>
           <a:p>
             <a:r>
-              <a:rPr lang="en-US" dirty="0" smtClean="0"/>
+              <a:rPr lang="en-US" dirty="0"/>
               <a:t>Click to edit Master subtitle style</a:t>
             </a:r>
-            <a:endParaRPr lang="en-US" dirty="0"/>
           </a:p>
         </p:txBody>
       </p:sp>
@@ -1014,9 +1012,9 @@
           <a:bodyPr/>
           <a:lstStyle/>
           <a:p>
-            <a:fld id="{6B13CFBD-0392-DF42-9C65-6D1DE0580181}" type="datetime1">
+            <a:fld id="{1BE62708-2A86-4155-BDDA-029D7926A0E2}" type="datetime1">
               <a:rPr lang="en-US" smtClean="0"/>
-              <a:t>11/13/15</a:t>
+              <a:t>7/7/2016</a:t>
             </a:fld>
             <a:endParaRPr lang="en-US"/>
           </a:p>
@@ -1038,10 +1036,9 @@
           <a:lstStyle/>
           <a:p>
             <a:r>
-              <a:rPr lang="sk-SK" smtClean="0"/>
-              <a:t>© 2015 EV3Lessons.com, Last edit 11/13/2015</a:t>
-            </a:r>
-            <a:endParaRPr lang="en-US"/>
+              <a:rPr lang="en-US"/>
+              <a:t>© 2015 EV3Lessons.com, Last edit 7/06/2016</a:t>
+            </a:r>
           </a:p>
         </p:txBody>
       </p:sp>
@@ -1205,14 +1202,13 @@
           <a:lstStyle/>
           <a:p>
             <a:r>
-              <a:rPr lang="en-US" dirty="0" smtClean="0"/>
+              <a:rPr lang="en-US" dirty="0"/>
               <a:t>By </a:t>
             </a:r>
             <a:r>
-              <a:rPr lang="en-US" smtClean="0"/>
+              <a:rPr lang="en-US"/>
               <a:t>Droids Robotics</a:t>
             </a:r>
-            <a:endParaRPr lang="en-US"/>
           </a:p>
         </p:txBody>
       </p:sp>
@@ -1225,7 +1221,7 @@
           <p:nvPr userDrawn="1"/>
         </p:nvPicPr>
         <p:blipFill>
-          <a:blip r:embed="rId2">
+          <a:blip r:embed="rId2" cstate="email">
             <a:extLst>
               <a:ext uri="{28A0092B-C50C-407E-A947-70E740481C1C}">
                 <a14:useLocalDpi xmlns:a14="http://schemas.microsoft.com/office/drawing/2010/main" val="0"/>
@@ -1278,7 +1274,7 @@
           <a:noFill/>
           <a:extLst>
             <a:ext uri="{909E8E84-426E-40dd-AFC4-6F175D3DCCD1}">
-              <a14:hiddenFill xmlns="" xmlns:a14="http://schemas.microsoft.com/office/drawing/2010/main">
+              <a14:hiddenFill xmlns:a14="http://schemas.microsoft.com/office/drawing/2010/main" xmlns="">
                 <a:solidFill>
                   <a:srgbClr val="FFFFFF"/>
                 </a:solidFill>
@@ -1333,7 +1329,7 @@
           <a:lstStyle/>
           <a:p>
             <a:r>
-              <a:rPr lang="en-US" smtClean="0"/>
+              <a:rPr lang="en-US"/>
               <a:t>Click to edit Master title style</a:t>
             </a:r>
             <a:endParaRPr lang="en-US" dirty="0"/>
@@ -1357,35 +1353,35 @@
           <a:p>
             <a:pPr lvl="0"/>
             <a:r>
-              <a:rPr lang="en-US" smtClean="0"/>
+              <a:rPr lang="en-US"/>
               <a:t>Click to edit Master text styles</a:t>
             </a:r>
           </a:p>
           <a:p>
             <a:pPr lvl="1"/>
             <a:r>
-              <a:rPr lang="en-US" smtClean="0"/>
+              <a:rPr lang="en-US"/>
               <a:t>Second level</a:t>
             </a:r>
           </a:p>
           <a:p>
             <a:pPr lvl="2"/>
             <a:r>
-              <a:rPr lang="en-US" smtClean="0"/>
+              <a:rPr lang="en-US"/>
               <a:t>Third level</a:t>
             </a:r>
           </a:p>
           <a:p>
             <a:pPr lvl="3"/>
             <a:r>
-              <a:rPr lang="en-US" smtClean="0"/>
+              <a:rPr lang="en-US"/>
               <a:t>Fourth level</a:t>
             </a:r>
           </a:p>
           <a:p>
             <a:pPr lvl="4"/>
             <a:r>
-              <a:rPr lang="en-US" smtClean="0"/>
+              <a:rPr lang="en-US"/>
               <a:t>Fifth level</a:t>
             </a:r>
             <a:endParaRPr lang="en-US" dirty="0"/>
@@ -1407,9 +1403,9 @@
           <a:bodyPr/>
           <a:lstStyle/>
           <a:p>
-            <a:fld id="{BF0F175E-9EAC-E14B-B7AC-8C8F25EC1DAA}" type="datetime1">
+            <a:fld id="{A86BFB37-1743-45E1-813B-0F31EA7B52A2}" type="datetime1">
               <a:rPr lang="en-US" smtClean="0"/>
-              <a:t>11/13/15</a:t>
+              <a:t>7/7/2016</a:t>
             </a:fld>
             <a:endParaRPr lang="en-US"/>
           </a:p>
@@ -1431,10 +1427,9 @@
           <a:lstStyle/>
           <a:p>
             <a:r>
-              <a:rPr lang="sk-SK" smtClean="0"/>
-              <a:t>© 2015 EV3Lessons.com, Last edit 11/13/2015</a:t>
-            </a:r>
-            <a:endParaRPr lang="en-US"/>
+              <a:rPr lang="en-US"/>
+              <a:t>© 2015 EV3Lessons.com, Last edit 7/06/2016</a:t>
+            </a:r>
           </a:p>
         </p:txBody>
       </p:sp>
@@ -1588,7 +1583,7 @@
           <a:lstStyle/>
           <a:p>
             <a:r>
-              <a:rPr lang="en-US" smtClean="0"/>
+              <a:rPr lang="en-US"/>
               <a:t>Click to edit Master title style</a:t>
             </a:r>
             <a:endParaRPr lang="en-US" dirty="0"/>
@@ -1617,35 +1612,35 @@
           <a:p>
             <a:pPr lvl="0"/>
             <a:r>
-              <a:rPr lang="en-US" smtClean="0"/>
+              <a:rPr lang="en-US"/>
               <a:t>Click to edit Master text styles</a:t>
             </a:r>
           </a:p>
           <a:p>
             <a:pPr lvl="1"/>
             <a:r>
-              <a:rPr lang="en-US" smtClean="0"/>
+              <a:rPr lang="en-US"/>
               <a:t>Second level</a:t>
             </a:r>
           </a:p>
           <a:p>
             <a:pPr lvl="2"/>
             <a:r>
-              <a:rPr lang="en-US" smtClean="0"/>
+              <a:rPr lang="en-US"/>
               <a:t>Third level</a:t>
             </a:r>
           </a:p>
           <a:p>
             <a:pPr lvl="3"/>
             <a:r>
-              <a:rPr lang="en-US" smtClean="0"/>
+              <a:rPr lang="en-US"/>
               <a:t>Fourth level</a:t>
             </a:r>
           </a:p>
           <a:p>
             <a:pPr lvl="4"/>
             <a:r>
-              <a:rPr lang="en-US" smtClean="0"/>
+              <a:rPr lang="en-US"/>
               <a:t>Fifth level</a:t>
             </a:r>
             <a:endParaRPr lang="en-US" dirty="0"/>
@@ -1667,9 +1662,9 @@
           <a:bodyPr/>
           <a:lstStyle/>
           <a:p>
-            <a:fld id="{ABE2FCFC-C57A-2442-884C-F5C58B3A2465}" type="datetime1">
+            <a:fld id="{1BBB856E-918D-45A6-BA6E-083F2ADDC3D8}" type="datetime1">
               <a:rPr lang="en-US" smtClean="0"/>
-              <a:t>11/13/15</a:t>
+              <a:t>7/7/2016</a:t>
             </a:fld>
             <a:endParaRPr lang="en-US"/>
           </a:p>
@@ -1691,10 +1686,9 @@
           <a:lstStyle/>
           <a:p>
             <a:r>
-              <a:rPr lang="sk-SK" smtClean="0"/>
-              <a:t>© 2015 EV3Lessons.com, Last edit 11/13/2015</a:t>
-            </a:r>
-            <a:endParaRPr lang="en-US"/>
+              <a:rPr lang="en-US"/>
+              <a:t>© 2015 EV3Lessons.com, Last edit 7/06/2016</a:t>
+            </a:r>
           </a:p>
         </p:txBody>
       </p:sp>
@@ -1725,6 +1719,2385 @@
     <p:extLst>
       <p:ext uri="{BB962C8B-B14F-4D97-AF65-F5344CB8AC3E}">
         <p14:creationId xmlns:p14="http://schemas.microsoft.com/office/powerpoint/2010/main" val="729129037"/>
+      </p:ext>
+    </p:extLst>
+  </p:cSld>
+  <p:clrMapOvr>
+    <a:masterClrMapping/>
+  </p:clrMapOvr>
+</p:sldLayout>
+</file>
+
+<file path=ppt/slideLayouts/slideLayout12.xml><?xml version="1.0" encoding="utf-8"?>
+<p:sldLayout xmlns:a="http://schemas.openxmlformats.org/drawingml/2006/main" xmlns:r="http://schemas.openxmlformats.org/officeDocument/2006/relationships" xmlns:p="http://schemas.openxmlformats.org/presentationml/2006/main" showMasterSp="0" type="title" preserve="1">
+  <p:cSld name="Title Slide">
+    <p:spTree>
+      <p:nvGrpSpPr>
+        <p:cNvPr id="1" name=""/>
+        <p:cNvGrpSpPr/>
+        <p:nvPr/>
+      </p:nvGrpSpPr>
+      <p:grpSpPr>
+        <a:xfrm>
+          <a:off x="0" y="0"/>
+          <a:ext cx="0" cy="0"/>
+          <a:chOff x="0" y="0"/>
+          <a:chExt cx="0" cy="0"/>
+        </a:xfrm>
+      </p:grpSpPr>
+      <p:sp>
+        <p:nvSpPr>
+          <p:cNvPr id="7" name="Rectangle 6"/>
+          <p:cNvSpPr/>
+          <p:nvPr/>
+        </p:nvSpPr>
+        <p:spPr>
+          <a:xfrm>
+            <a:off x="2382" y="6400800"/>
+            <a:ext cx="9141619" cy="457200"/>
+          </a:xfrm>
+          <a:prstGeom prst="rect">
+            <a:avLst/>
+          </a:prstGeom>
+          <a:solidFill>
+            <a:srgbClr val="0070C0"/>
+          </a:solidFill>
+          <a:ln>
+            <a:noFill/>
+          </a:ln>
+        </p:spPr>
+        <p:style>
+          <a:lnRef idx="2">
+            <a:schemeClr val="accent1">
+              <a:shade val="50000"/>
+            </a:schemeClr>
+          </a:lnRef>
+          <a:fillRef idx="1">
+            <a:schemeClr val="accent1"/>
+          </a:fillRef>
+          <a:effectRef idx="0">
+            <a:schemeClr val="accent1"/>
+          </a:effectRef>
+          <a:fontRef idx="minor">
+            <a:schemeClr val="lt1"/>
+          </a:fontRef>
+        </p:style>
+      </p:sp>
+      <p:sp>
+        <p:nvSpPr>
+          <p:cNvPr id="2" name="Title 1"/>
+          <p:cNvSpPr>
+            <a:spLocks noGrp="1"/>
+          </p:cNvSpPr>
+          <p:nvPr>
+            <p:ph type="ctrTitle" hasCustomPrompt="1"/>
+          </p:nvPr>
+        </p:nvSpPr>
+        <p:spPr>
+          <a:xfrm>
+            <a:off x="196279" y="154094"/>
+            <a:ext cx="3853207" cy="1870649"/>
+          </a:xfrm>
+          <a:ln>
+            <a:noFill/>
+          </a:ln>
+        </p:spPr>
+        <p:txBody>
+          <a:bodyPr anchor="ctr">
+            <a:normAutofit/>
+          </a:bodyPr>
+          <a:lstStyle>
+            <a:lvl1pPr algn="l">
+              <a:lnSpc>
+                <a:spcPct val="85000"/>
+              </a:lnSpc>
+              <a:defRPr sz="4000" spc="-50" baseline="0">
+                <a:solidFill>
+                  <a:schemeClr val="tx1">
+                    <a:lumMod val="85000"/>
+                    <a:lumOff val="15000"/>
+                  </a:schemeClr>
+                </a:solidFill>
+              </a:defRPr>
+            </a:lvl1pPr>
+          </a:lstStyle>
+          <a:p>
+            <a:r>
+              <a:rPr lang="en-US" dirty="0"/>
+              <a:t>INTERMEDIATE PROGRAMMING LESSON</a:t>
+            </a:r>
+          </a:p>
+        </p:txBody>
+      </p:sp>
+      <p:sp>
+        <p:nvSpPr>
+          <p:cNvPr id="3" name="Subtitle 2"/>
+          <p:cNvSpPr>
+            <a:spLocks noGrp="1"/>
+          </p:cNvSpPr>
+          <p:nvPr>
+            <p:ph type="subTitle" idx="1"/>
+          </p:nvPr>
+        </p:nvSpPr>
+        <p:spPr>
+          <a:xfrm>
+            <a:off x="1548051" y="3452894"/>
+            <a:ext cx="6004883" cy="401411"/>
+          </a:xfrm>
+        </p:spPr>
+        <p:txBody>
+          <a:bodyPr lIns="91440" rIns="91440">
+            <a:normAutofit/>
+          </a:bodyPr>
+          <a:lstStyle>
+            <a:lvl1pPr marL="0" indent="0" algn="ctr">
+              <a:buNone/>
+              <a:defRPr sz="2400" cap="all" spc="200" baseline="0">
+                <a:solidFill>
+                  <a:schemeClr val="tx2"/>
+                </a:solidFill>
+                <a:latin typeface="+mj-lt"/>
+              </a:defRPr>
+            </a:lvl1pPr>
+            <a:lvl2pPr marL="457200" indent="0" algn="ctr">
+              <a:buNone/>
+              <a:defRPr sz="2400"/>
+            </a:lvl2pPr>
+            <a:lvl3pPr marL="914400" indent="0" algn="ctr">
+              <a:buNone/>
+              <a:defRPr sz="2400"/>
+            </a:lvl3pPr>
+            <a:lvl4pPr marL="1371600" indent="0" algn="ctr">
+              <a:buNone/>
+              <a:defRPr sz="2000"/>
+            </a:lvl4pPr>
+            <a:lvl5pPr marL="1828800" indent="0" algn="ctr">
+              <a:buNone/>
+              <a:defRPr sz="2000"/>
+            </a:lvl5pPr>
+            <a:lvl6pPr marL="2286000" indent="0" algn="ctr">
+              <a:buNone/>
+              <a:defRPr sz="2000"/>
+            </a:lvl6pPr>
+            <a:lvl7pPr marL="2743200" indent="0" algn="ctr">
+              <a:buNone/>
+              <a:defRPr sz="2000"/>
+            </a:lvl7pPr>
+            <a:lvl8pPr marL="3200400" indent="0" algn="ctr">
+              <a:buNone/>
+              <a:defRPr sz="2000"/>
+            </a:lvl8pPr>
+            <a:lvl9pPr marL="3657600" indent="0" algn="ctr">
+              <a:buNone/>
+              <a:defRPr sz="2000"/>
+            </a:lvl9pPr>
+          </a:lstStyle>
+          <a:p>
+            <a:r>
+              <a:rPr lang="en-US"/>
+              <a:t>Click to edit Master subtitle style</a:t>
+            </a:r>
+            <a:endParaRPr lang="en-US" dirty="0"/>
+          </a:p>
+        </p:txBody>
+      </p:sp>
+      <p:sp>
+        <p:nvSpPr>
+          <p:cNvPr id="4" name="Date Placeholder 3"/>
+          <p:cNvSpPr>
+            <a:spLocks noGrp="1"/>
+          </p:cNvSpPr>
+          <p:nvPr>
+            <p:ph type="dt" sz="half" idx="10"/>
+          </p:nvPr>
+        </p:nvSpPr>
+        <p:spPr/>
+        <p:txBody>
+          <a:bodyPr/>
+          <a:lstStyle/>
+          <a:p>
+            <a:fld id="{75E358E2-630D-4490-AFF6-A338E784AFB6}" type="datetime1">
+              <a:rPr lang="en-US" smtClean="0"/>
+              <a:t>7/7/2016</a:t>
+            </a:fld>
+            <a:endParaRPr lang="en-US"/>
+          </a:p>
+        </p:txBody>
+      </p:sp>
+      <p:sp>
+        <p:nvSpPr>
+          <p:cNvPr id="5" name="Footer Placeholder 4"/>
+          <p:cNvSpPr>
+            <a:spLocks noGrp="1"/>
+          </p:cNvSpPr>
+          <p:nvPr>
+            <p:ph type="ftr" sz="quarter" idx="11"/>
+          </p:nvPr>
+        </p:nvSpPr>
+        <p:spPr/>
+        <p:txBody>
+          <a:bodyPr/>
+          <a:lstStyle/>
+          <a:p>
+            <a:r>
+              <a:rPr lang="en-US"/>
+              <a:t>© 2015 EV3Lessons.com, Last edit 7/06/2016</a:t>
+            </a:r>
+          </a:p>
+        </p:txBody>
+      </p:sp>
+      <p:sp>
+        <p:nvSpPr>
+          <p:cNvPr id="6" name="Slide Number Placeholder 5"/>
+          <p:cNvSpPr>
+            <a:spLocks noGrp="1"/>
+          </p:cNvSpPr>
+          <p:nvPr>
+            <p:ph type="sldNum" sz="quarter" idx="12"/>
+          </p:nvPr>
+        </p:nvSpPr>
+        <p:spPr/>
+        <p:txBody>
+          <a:bodyPr/>
+          <a:lstStyle/>
+          <a:p>
+            <a:fld id="{7F5CE407-6216-4202-80E4-A30DC2F709B2}" type="slidenum">
+              <a:rPr lang="en-US" smtClean="0"/>
+              <a:t>‹#›</a:t>
+            </a:fld>
+            <a:endParaRPr lang="en-US"/>
+          </a:p>
+        </p:txBody>
+      </p:sp>
+      <p:cxnSp>
+        <p:nvCxnSpPr>
+          <p:cNvPr id="9" name="Straight Connector 8"/>
+          <p:cNvCxnSpPr/>
+          <p:nvPr/>
+        </p:nvCxnSpPr>
+        <p:spPr>
+          <a:xfrm>
+            <a:off x="905744" y="3854305"/>
+            <a:ext cx="7406640" cy="0"/>
+          </a:xfrm>
+          <a:prstGeom prst="line">
+            <a:avLst/>
+          </a:prstGeom>
+          <a:ln w="6350">
+            <a:solidFill>
+              <a:schemeClr val="tx1">
+                <a:lumMod val="50000"/>
+                <a:lumOff val="50000"/>
+              </a:schemeClr>
+            </a:solidFill>
+          </a:ln>
+        </p:spPr>
+        <p:style>
+          <a:lnRef idx="1">
+            <a:schemeClr val="accent1"/>
+          </a:lnRef>
+          <a:fillRef idx="0">
+            <a:schemeClr val="accent1"/>
+          </a:fillRef>
+          <a:effectRef idx="0">
+            <a:schemeClr val="accent1"/>
+          </a:effectRef>
+          <a:fontRef idx="minor">
+            <a:schemeClr val="tx1"/>
+          </a:fontRef>
+        </p:style>
+      </p:cxnSp>
+      <p:sp>
+        <p:nvSpPr>
+          <p:cNvPr id="10" name="Rectangle 9"/>
+          <p:cNvSpPr/>
+          <p:nvPr/>
+        </p:nvSpPr>
+        <p:spPr>
+          <a:xfrm>
+            <a:off x="0" y="6334315"/>
+            <a:ext cx="4487333" cy="92382"/>
+          </a:xfrm>
+          <a:prstGeom prst="rect">
+            <a:avLst/>
+          </a:prstGeom>
+          <a:solidFill>
+            <a:srgbClr val="00B050"/>
+          </a:solidFill>
+          <a:ln>
+            <a:noFill/>
+          </a:ln>
+        </p:spPr>
+        <p:style>
+          <a:lnRef idx="2">
+            <a:schemeClr val="accent1">
+              <a:shade val="50000"/>
+            </a:schemeClr>
+          </a:lnRef>
+          <a:fillRef idx="1">
+            <a:schemeClr val="accent1"/>
+          </a:fillRef>
+          <a:effectRef idx="0">
+            <a:schemeClr val="accent1"/>
+          </a:effectRef>
+          <a:fontRef idx="minor">
+            <a:schemeClr val="lt1"/>
+          </a:fontRef>
+        </p:style>
+      </p:sp>
+      <p:sp>
+        <p:nvSpPr>
+          <p:cNvPr id="11" name="Rectangle 10"/>
+          <p:cNvSpPr/>
+          <p:nvPr/>
+        </p:nvSpPr>
+        <p:spPr>
+          <a:xfrm>
+            <a:off x="4487333" y="6334315"/>
+            <a:ext cx="4656667" cy="92382"/>
+          </a:xfrm>
+          <a:prstGeom prst="rect">
+            <a:avLst/>
+          </a:prstGeom>
+          <a:solidFill>
+            <a:srgbClr val="7030A0"/>
+          </a:solidFill>
+          <a:ln>
+            <a:noFill/>
+          </a:ln>
+        </p:spPr>
+        <p:style>
+          <a:lnRef idx="2">
+            <a:schemeClr val="accent1">
+              <a:shade val="50000"/>
+            </a:schemeClr>
+          </a:lnRef>
+          <a:fillRef idx="1">
+            <a:schemeClr val="accent1"/>
+          </a:fillRef>
+          <a:effectRef idx="0">
+            <a:schemeClr val="accent1"/>
+          </a:effectRef>
+          <a:fontRef idx="minor">
+            <a:schemeClr val="lt1"/>
+          </a:fontRef>
+        </p:style>
+      </p:sp>
+      <p:sp>
+        <p:nvSpPr>
+          <p:cNvPr id="8" name="TextBox 7"/>
+          <p:cNvSpPr txBox="1"/>
+          <p:nvPr/>
+        </p:nvSpPr>
+        <p:spPr>
+          <a:xfrm>
+            <a:off x="2363695" y="3959525"/>
+            <a:ext cx="4373593" cy="369332"/>
+          </a:xfrm>
+          <a:prstGeom prst="rect">
+            <a:avLst/>
+          </a:prstGeom>
+          <a:noFill/>
+        </p:spPr>
+        <p:txBody>
+          <a:bodyPr wrap="square" rtlCol="0">
+            <a:spAutoFit/>
+          </a:bodyPr>
+          <a:lstStyle/>
+          <a:p>
+            <a:pPr algn="ctr"/>
+            <a:r>
+              <a:rPr lang="en-US" dirty="0">
+                <a:latin typeface="+mj-lt"/>
+              </a:rPr>
+              <a:t>By</a:t>
+            </a:r>
+            <a:r>
+              <a:rPr lang="en-US" baseline="0" dirty="0">
+                <a:latin typeface="+mj-lt"/>
+              </a:rPr>
+              <a:t> Sanjay and Arvind Seshan</a:t>
+            </a:r>
+            <a:endParaRPr lang="en-US" dirty="0">
+              <a:latin typeface="+mj-lt"/>
+            </a:endParaRPr>
+          </a:p>
+        </p:txBody>
+      </p:sp>
+      <p:pic>
+        <p:nvPicPr>
+          <p:cNvPr id="1026" name="Picture 2" descr="EV3Lessons.com"/>
+          <p:cNvPicPr>
+            <a:picLocks noChangeAspect="1" noChangeArrowheads="1"/>
+          </p:cNvPicPr>
+          <p:nvPr/>
+        </p:nvPicPr>
+        <p:blipFill>
+          <a:blip r:embed="rId2" cstate="email">
+            <a:extLst>
+              <a:ext uri="{28A0092B-C50C-407E-A947-70E740481C1C}">
+                <a14:useLocalDpi xmlns:a14="http://schemas.microsoft.com/office/drawing/2010/main" val="0"/>
+              </a:ext>
+            </a:extLst>
+          </a:blip>
+          <a:srcRect/>
+          <a:stretch>
+            <a:fillRect/>
+          </a:stretch>
+        </p:blipFill>
+        <p:spPr bwMode="auto">
+          <a:xfrm>
+            <a:off x="3955687" y="139554"/>
+            <a:ext cx="5075507" cy="1885189"/>
+          </a:xfrm>
+          <a:prstGeom prst="rect">
+            <a:avLst/>
+          </a:prstGeom>
+          <a:noFill/>
+          <a:extLst>
+            <a:ext uri="{909E8E84-426E-40DD-AFC4-6F175D3DCCD1}">
+              <a14:hiddenFill xmlns:a14="http://schemas.microsoft.com/office/drawing/2010/main">
+                <a:solidFill>
+                  <a:srgbClr val="FFFFFF"/>
+                </a:solidFill>
+              </a14:hiddenFill>
+            </a:ext>
+          </a:extLst>
+        </p:spPr>
+      </p:pic>
+      <p:sp>
+        <p:nvSpPr>
+          <p:cNvPr id="13" name="Rectangle 12"/>
+          <p:cNvSpPr/>
+          <p:nvPr userDrawn="1"/>
+        </p:nvSpPr>
+        <p:spPr>
+          <a:xfrm>
+            <a:off x="0" y="6334315"/>
+            <a:ext cx="4487333" cy="92382"/>
+          </a:xfrm>
+          <a:prstGeom prst="rect">
+            <a:avLst/>
+          </a:prstGeom>
+          <a:solidFill>
+            <a:srgbClr val="00B050"/>
+          </a:solidFill>
+          <a:ln>
+            <a:noFill/>
+          </a:ln>
+        </p:spPr>
+        <p:style>
+          <a:lnRef idx="2">
+            <a:schemeClr val="accent1">
+              <a:shade val="50000"/>
+            </a:schemeClr>
+          </a:lnRef>
+          <a:fillRef idx="1">
+            <a:schemeClr val="accent1"/>
+          </a:fillRef>
+          <a:effectRef idx="0">
+            <a:schemeClr val="accent1"/>
+          </a:effectRef>
+          <a:fontRef idx="minor">
+            <a:schemeClr val="lt1"/>
+          </a:fontRef>
+        </p:style>
+      </p:sp>
+      <p:sp>
+        <p:nvSpPr>
+          <p:cNvPr id="14" name="Rectangle 13"/>
+          <p:cNvSpPr/>
+          <p:nvPr userDrawn="1"/>
+        </p:nvSpPr>
+        <p:spPr>
+          <a:xfrm>
+            <a:off x="4487333" y="6334315"/>
+            <a:ext cx="4656667" cy="92382"/>
+          </a:xfrm>
+          <a:prstGeom prst="rect">
+            <a:avLst/>
+          </a:prstGeom>
+          <a:solidFill>
+            <a:srgbClr val="7030A0"/>
+          </a:solidFill>
+          <a:ln>
+            <a:noFill/>
+          </a:ln>
+        </p:spPr>
+        <p:style>
+          <a:lnRef idx="2">
+            <a:schemeClr val="accent1">
+              <a:shade val="50000"/>
+            </a:schemeClr>
+          </a:lnRef>
+          <a:fillRef idx="1">
+            <a:schemeClr val="accent1"/>
+          </a:fillRef>
+          <a:effectRef idx="0">
+            <a:schemeClr val="accent1"/>
+          </a:effectRef>
+          <a:fontRef idx="minor">
+            <a:schemeClr val="lt1"/>
+          </a:fontRef>
+        </p:style>
+      </p:sp>
+    </p:spTree>
+    <p:extLst>
+      <p:ext uri="{BB962C8B-B14F-4D97-AF65-F5344CB8AC3E}">
+        <p14:creationId xmlns:p14="http://schemas.microsoft.com/office/powerpoint/2010/main" val="360260320"/>
+      </p:ext>
+    </p:extLst>
+  </p:cSld>
+  <p:clrMapOvr>
+    <a:masterClrMapping/>
+  </p:clrMapOvr>
+</p:sldLayout>
+</file>
+
+<file path=ppt/slideLayouts/slideLayout13.xml><?xml version="1.0" encoding="utf-8"?>
+<p:sldLayout xmlns:a="http://schemas.openxmlformats.org/drawingml/2006/main" xmlns:r="http://schemas.openxmlformats.org/officeDocument/2006/relationships" xmlns:p="http://schemas.openxmlformats.org/presentationml/2006/main" type="obj" preserve="1">
+  <p:cSld name="Title and Content">
+    <p:spTree>
+      <p:nvGrpSpPr>
+        <p:cNvPr id="1" name=""/>
+        <p:cNvGrpSpPr/>
+        <p:nvPr/>
+      </p:nvGrpSpPr>
+      <p:grpSpPr>
+        <a:xfrm>
+          <a:off x="0" y="0"/>
+          <a:ext cx="0" cy="0"/>
+          <a:chOff x="0" y="0"/>
+          <a:chExt cx="0" cy="0"/>
+        </a:xfrm>
+      </p:grpSpPr>
+      <p:sp>
+        <p:nvSpPr>
+          <p:cNvPr id="2" name="Title 1"/>
+          <p:cNvSpPr>
+            <a:spLocks noGrp="1"/>
+          </p:cNvSpPr>
+          <p:nvPr>
+            <p:ph type="title"/>
+          </p:nvPr>
+        </p:nvSpPr>
+        <p:spPr/>
+        <p:txBody>
+          <a:bodyPr/>
+          <a:lstStyle/>
+          <a:p>
+            <a:r>
+              <a:rPr lang="en-US"/>
+              <a:t>Click to edit Master title style</a:t>
+            </a:r>
+            <a:endParaRPr lang="en-US" dirty="0"/>
+          </a:p>
+        </p:txBody>
+      </p:sp>
+      <p:sp>
+        <p:nvSpPr>
+          <p:cNvPr id="3" name="Content Placeholder 2"/>
+          <p:cNvSpPr>
+            <a:spLocks noGrp="1"/>
+          </p:cNvSpPr>
+          <p:nvPr>
+            <p:ph idx="1"/>
+          </p:nvPr>
+        </p:nvSpPr>
+        <p:spPr/>
+        <p:txBody>
+          <a:bodyPr/>
+          <a:lstStyle/>
+          <a:p>
+            <a:pPr lvl="0"/>
+            <a:r>
+              <a:rPr lang="en-US"/>
+              <a:t>Edit Master text styles</a:t>
+            </a:r>
+          </a:p>
+          <a:p>
+            <a:pPr lvl="1"/>
+            <a:r>
+              <a:rPr lang="en-US"/>
+              <a:t>Second level</a:t>
+            </a:r>
+          </a:p>
+          <a:p>
+            <a:pPr lvl="2"/>
+            <a:r>
+              <a:rPr lang="en-US"/>
+              <a:t>Third level</a:t>
+            </a:r>
+          </a:p>
+          <a:p>
+            <a:pPr lvl="3"/>
+            <a:r>
+              <a:rPr lang="en-US"/>
+              <a:t>Fourth level</a:t>
+            </a:r>
+          </a:p>
+          <a:p>
+            <a:pPr lvl="4"/>
+            <a:r>
+              <a:rPr lang="en-US"/>
+              <a:t>Fifth level</a:t>
+            </a:r>
+            <a:endParaRPr lang="en-US" dirty="0"/>
+          </a:p>
+        </p:txBody>
+      </p:sp>
+      <p:sp>
+        <p:nvSpPr>
+          <p:cNvPr id="4" name="Date Placeholder 3"/>
+          <p:cNvSpPr>
+            <a:spLocks noGrp="1"/>
+          </p:cNvSpPr>
+          <p:nvPr>
+            <p:ph type="dt" sz="half" idx="10"/>
+          </p:nvPr>
+        </p:nvSpPr>
+        <p:spPr/>
+        <p:txBody>
+          <a:bodyPr/>
+          <a:lstStyle/>
+          <a:p>
+            <a:fld id="{F8A4E8F5-B69D-4F37-AA8D-A01DF6E72580}" type="datetime1">
+              <a:rPr lang="en-US" smtClean="0"/>
+              <a:t>7/7/2016</a:t>
+            </a:fld>
+            <a:endParaRPr lang="en-US"/>
+          </a:p>
+        </p:txBody>
+      </p:sp>
+      <p:sp>
+        <p:nvSpPr>
+          <p:cNvPr id="5" name="Footer Placeholder 4"/>
+          <p:cNvSpPr>
+            <a:spLocks noGrp="1"/>
+          </p:cNvSpPr>
+          <p:nvPr>
+            <p:ph type="ftr" sz="quarter" idx="11"/>
+          </p:nvPr>
+        </p:nvSpPr>
+        <p:spPr/>
+        <p:txBody>
+          <a:bodyPr/>
+          <a:lstStyle/>
+          <a:p>
+            <a:r>
+              <a:rPr lang="en-US"/>
+              <a:t>© 2015 EV3Lessons.com, Last edit 7/06/2016</a:t>
+            </a:r>
+          </a:p>
+        </p:txBody>
+      </p:sp>
+      <p:sp>
+        <p:nvSpPr>
+          <p:cNvPr id="6" name="Slide Number Placeholder 5"/>
+          <p:cNvSpPr>
+            <a:spLocks noGrp="1"/>
+          </p:cNvSpPr>
+          <p:nvPr>
+            <p:ph type="sldNum" sz="quarter" idx="12"/>
+          </p:nvPr>
+        </p:nvSpPr>
+        <p:spPr/>
+        <p:txBody>
+          <a:bodyPr/>
+          <a:lstStyle/>
+          <a:p>
+            <a:fld id="{4382A7F7-08BF-4252-8141-63FB96055BBB}" type="slidenum">
+              <a:rPr lang="en-US" smtClean="0"/>
+              <a:t>‹#›</a:t>
+            </a:fld>
+            <a:endParaRPr lang="en-US"/>
+          </a:p>
+        </p:txBody>
+      </p:sp>
+    </p:spTree>
+    <p:extLst>
+      <p:ext uri="{BB962C8B-B14F-4D97-AF65-F5344CB8AC3E}">
+        <p14:creationId xmlns:p14="http://schemas.microsoft.com/office/powerpoint/2010/main" val="1198772953"/>
+      </p:ext>
+    </p:extLst>
+  </p:cSld>
+  <p:clrMapOvr>
+    <a:masterClrMapping/>
+  </p:clrMapOvr>
+</p:sldLayout>
+</file>
+
+<file path=ppt/slideLayouts/slideLayout14.xml><?xml version="1.0" encoding="utf-8"?>
+<p:sldLayout xmlns:a="http://schemas.openxmlformats.org/drawingml/2006/main" xmlns:r="http://schemas.openxmlformats.org/officeDocument/2006/relationships" xmlns:p="http://schemas.openxmlformats.org/presentationml/2006/main" showMasterSp="0" type="secHead" preserve="1">
+  <p:cSld name="Section Header">
+    <p:bg>
+      <p:bgPr>
+        <a:solidFill>
+          <a:schemeClr val="bg1"/>
+        </a:solidFill>
+        <a:effectLst/>
+      </p:bgPr>
+    </p:bg>
+    <p:spTree>
+      <p:nvGrpSpPr>
+        <p:cNvPr id="1" name=""/>
+        <p:cNvGrpSpPr/>
+        <p:nvPr/>
+      </p:nvGrpSpPr>
+      <p:grpSpPr>
+        <a:xfrm>
+          <a:off x="0" y="0"/>
+          <a:ext cx="0" cy="0"/>
+          <a:chOff x="0" y="0"/>
+          <a:chExt cx="0" cy="0"/>
+        </a:xfrm>
+      </p:grpSpPr>
+      <p:sp>
+        <p:nvSpPr>
+          <p:cNvPr id="7" name="Rectangle 6"/>
+          <p:cNvSpPr/>
+          <p:nvPr/>
+        </p:nvSpPr>
+        <p:spPr>
+          <a:xfrm>
+            <a:off x="2382" y="6400800"/>
+            <a:ext cx="9141619" cy="457200"/>
+          </a:xfrm>
+          <a:prstGeom prst="rect">
+            <a:avLst/>
+          </a:prstGeom>
+          <a:solidFill>
+            <a:schemeClr val="accent2"/>
+          </a:solidFill>
+          <a:ln>
+            <a:noFill/>
+          </a:ln>
+        </p:spPr>
+        <p:style>
+          <a:lnRef idx="2">
+            <a:schemeClr val="accent1">
+              <a:shade val="50000"/>
+            </a:schemeClr>
+          </a:lnRef>
+          <a:fillRef idx="1">
+            <a:schemeClr val="accent1"/>
+          </a:fillRef>
+          <a:effectRef idx="0">
+            <a:schemeClr val="accent1"/>
+          </a:effectRef>
+          <a:fontRef idx="minor">
+            <a:schemeClr val="lt1"/>
+          </a:fontRef>
+        </p:style>
+      </p:sp>
+      <p:sp>
+        <p:nvSpPr>
+          <p:cNvPr id="8" name="Rectangle 7"/>
+          <p:cNvSpPr/>
+          <p:nvPr/>
+        </p:nvSpPr>
+        <p:spPr>
+          <a:xfrm>
+            <a:off x="12" y="6334316"/>
+            <a:ext cx="9141619" cy="64008"/>
+          </a:xfrm>
+          <a:prstGeom prst="rect">
+            <a:avLst/>
+          </a:prstGeom>
+          <a:solidFill>
+            <a:schemeClr val="accent1"/>
+          </a:solidFill>
+          <a:ln>
+            <a:noFill/>
+          </a:ln>
+        </p:spPr>
+        <p:style>
+          <a:lnRef idx="2">
+            <a:schemeClr val="accent1">
+              <a:shade val="50000"/>
+            </a:schemeClr>
+          </a:lnRef>
+          <a:fillRef idx="1">
+            <a:schemeClr val="accent1"/>
+          </a:fillRef>
+          <a:effectRef idx="0">
+            <a:schemeClr val="accent1"/>
+          </a:effectRef>
+          <a:fontRef idx="minor">
+            <a:schemeClr val="lt1"/>
+          </a:fontRef>
+        </p:style>
+      </p:sp>
+      <p:sp>
+        <p:nvSpPr>
+          <p:cNvPr id="2" name="Title 1"/>
+          <p:cNvSpPr>
+            <a:spLocks noGrp="1"/>
+          </p:cNvSpPr>
+          <p:nvPr>
+            <p:ph type="title"/>
+          </p:nvPr>
+        </p:nvSpPr>
+        <p:spPr>
+          <a:xfrm>
+            <a:off x="822960" y="758952"/>
+            <a:ext cx="7543800" cy="3566160"/>
+          </a:xfrm>
+        </p:spPr>
+        <p:txBody>
+          <a:bodyPr anchor="b" anchorCtr="0">
+            <a:normAutofit/>
+          </a:bodyPr>
+          <a:lstStyle>
+            <a:lvl1pPr>
+              <a:lnSpc>
+                <a:spcPct val="85000"/>
+              </a:lnSpc>
+              <a:defRPr sz="8000" b="0">
+                <a:solidFill>
+                  <a:schemeClr val="tx1">
+                    <a:lumMod val="85000"/>
+                    <a:lumOff val="15000"/>
+                  </a:schemeClr>
+                </a:solidFill>
+              </a:defRPr>
+            </a:lvl1pPr>
+          </a:lstStyle>
+          <a:p>
+            <a:r>
+              <a:rPr lang="en-US"/>
+              <a:t>Click to edit Master title style</a:t>
+            </a:r>
+            <a:endParaRPr lang="en-US" dirty="0"/>
+          </a:p>
+        </p:txBody>
+      </p:sp>
+      <p:sp>
+        <p:nvSpPr>
+          <p:cNvPr id="3" name="Text Placeholder 2"/>
+          <p:cNvSpPr>
+            <a:spLocks noGrp="1"/>
+          </p:cNvSpPr>
+          <p:nvPr>
+            <p:ph type="body" idx="1"/>
+          </p:nvPr>
+        </p:nvSpPr>
+        <p:spPr>
+          <a:xfrm>
+            <a:off x="822960" y="4453128"/>
+            <a:ext cx="7543800" cy="1143000"/>
+          </a:xfrm>
+        </p:spPr>
+        <p:txBody>
+          <a:bodyPr lIns="91440" rIns="91440" anchor="t" anchorCtr="0">
+            <a:normAutofit/>
+          </a:bodyPr>
+          <a:lstStyle>
+            <a:lvl1pPr marL="0" indent="0">
+              <a:buNone/>
+              <a:defRPr sz="2400" cap="all" spc="200" baseline="0">
+                <a:solidFill>
+                  <a:schemeClr val="tx2"/>
+                </a:solidFill>
+                <a:latin typeface="+mj-lt"/>
+              </a:defRPr>
+            </a:lvl1pPr>
+            <a:lvl2pPr marL="457200" indent="0">
+              <a:buNone/>
+              <a:defRPr sz="1800">
+                <a:solidFill>
+                  <a:schemeClr val="tx1">
+                    <a:tint val="75000"/>
+                  </a:schemeClr>
+                </a:solidFill>
+              </a:defRPr>
+            </a:lvl2pPr>
+            <a:lvl3pPr marL="914400" indent="0">
+              <a:buNone/>
+              <a:defRPr sz="1600">
+                <a:solidFill>
+                  <a:schemeClr val="tx1">
+                    <a:tint val="75000"/>
+                  </a:schemeClr>
+                </a:solidFill>
+              </a:defRPr>
+            </a:lvl3pPr>
+            <a:lvl4pPr marL="1371600" indent="0">
+              <a:buNone/>
+              <a:defRPr sz="1400">
+                <a:solidFill>
+                  <a:schemeClr val="tx1">
+                    <a:tint val="75000"/>
+                  </a:schemeClr>
+                </a:solidFill>
+              </a:defRPr>
+            </a:lvl4pPr>
+            <a:lvl5pPr marL="1828800" indent="0">
+              <a:buNone/>
+              <a:defRPr sz="1400">
+                <a:solidFill>
+                  <a:schemeClr val="tx1">
+                    <a:tint val="75000"/>
+                  </a:schemeClr>
+                </a:solidFill>
+              </a:defRPr>
+            </a:lvl5pPr>
+            <a:lvl6pPr marL="2286000" indent="0">
+              <a:buNone/>
+              <a:defRPr sz="1400">
+                <a:solidFill>
+                  <a:schemeClr val="tx1">
+                    <a:tint val="75000"/>
+                  </a:schemeClr>
+                </a:solidFill>
+              </a:defRPr>
+            </a:lvl6pPr>
+            <a:lvl7pPr marL="2743200" indent="0">
+              <a:buNone/>
+              <a:defRPr sz="1400">
+                <a:solidFill>
+                  <a:schemeClr val="tx1">
+                    <a:tint val="75000"/>
+                  </a:schemeClr>
+                </a:solidFill>
+              </a:defRPr>
+            </a:lvl7pPr>
+            <a:lvl8pPr marL="3200400" indent="0">
+              <a:buNone/>
+              <a:defRPr sz="1400">
+                <a:solidFill>
+                  <a:schemeClr val="tx1">
+                    <a:tint val="75000"/>
+                  </a:schemeClr>
+                </a:solidFill>
+              </a:defRPr>
+            </a:lvl8pPr>
+            <a:lvl9pPr marL="3657600" indent="0">
+              <a:buNone/>
+              <a:defRPr sz="1400">
+                <a:solidFill>
+                  <a:schemeClr val="tx1">
+                    <a:tint val="75000"/>
+                  </a:schemeClr>
+                </a:solidFill>
+              </a:defRPr>
+            </a:lvl9pPr>
+          </a:lstStyle>
+          <a:p>
+            <a:pPr lvl="0"/>
+            <a:r>
+              <a:rPr lang="en-US"/>
+              <a:t>Edit Master text styles</a:t>
+            </a:r>
+          </a:p>
+        </p:txBody>
+      </p:sp>
+      <p:sp>
+        <p:nvSpPr>
+          <p:cNvPr id="4" name="Date Placeholder 3"/>
+          <p:cNvSpPr>
+            <a:spLocks noGrp="1"/>
+          </p:cNvSpPr>
+          <p:nvPr>
+            <p:ph type="dt" sz="half" idx="10"/>
+          </p:nvPr>
+        </p:nvSpPr>
+        <p:spPr/>
+        <p:txBody>
+          <a:bodyPr/>
+          <a:lstStyle/>
+          <a:p>
+            <a:fld id="{920650EC-8E2D-4E5C-9AB5-F1BBE4C2E30D}" type="datetime1">
+              <a:rPr lang="en-US" smtClean="0"/>
+              <a:t>7/7/2016</a:t>
+            </a:fld>
+            <a:endParaRPr lang="en-US"/>
+          </a:p>
+        </p:txBody>
+      </p:sp>
+      <p:sp>
+        <p:nvSpPr>
+          <p:cNvPr id="5" name="Footer Placeholder 4"/>
+          <p:cNvSpPr>
+            <a:spLocks noGrp="1"/>
+          </p:cNvSpPr>
+          <p:nvPr>
+            <p:ph type="ftr" sz="quarter" idx="11"/>
+          </p:nvPr>
+        </p:nvSpPr>
+        <p:spPr/>
+        <p:txBody>
+          <a:bodyPr/>
+          <a:lstStyle/>
+          <a:p>
+            <a:r>
+              <a:rPr lang="en-US"/>
+              <a:t>© 2015 EV3Lessons.com, Last edit 7/06/2016</a:t>
+            </a:r>
+          </a:p>
+        </p:txBody>
+      </p:sp>
+      <p:sp>
+        <p:nvSpPr>
+          <p:cNvPr id="6" name="Slide Number Placeholder 5"/>
+          <p:cNvSpPr>
+            <a:spLocks noGrp="1"/>
+          </p:cNvSpPr>
+          <p:nvPr>
+            <p:ph type="sldNum" sz="quarter" idx="12"/>
+          </p:nvPr>
+        </p:nvSpPr>
+        <p:spPr/>
+        <p:txBody>
+          <a:bodyPr/>
+          <a:lstStyle/>
+          <a:p>
+            <a:fld id="{162F1D00-BD13-4404-86B0-79703945A0A7}" type="slidenum">
+              <a:rPr lang="en-US" smtClean="0"/>
+              <a:t>‹#›</a:t>
+            </a:fld>
+            <a:endParaRPr lang="en-US"/>
+          </a:p>
+        </p:txBody>
+      </p:sp>
+      <p:cxnSp>
+        <p:nvCxnSpPr>
+          <p:cNvPr id="9" name="Straight Connector 8"/>
+          <p:cNvCxnSpPr/>
+          <p:nvPr/>
+        </p:nvCxnSpPr>
+        <p:spPr>
+          <a:xfrm>
+            <a:off x="905744" y="4343400"/>
+            <a:ext cx="7406640" cy="0"/>
+          </a:xfrm>
+          <a:prstGeom prst="line">
+            <a:avLst/>
+          </a:prstGeom>
+          <a:ln w="6350">
+            <a:solidFill>
+              <a:schemeClr val="tx1">
+                <a:lumMod val="50000"/>
+                <a:lumOff val="50000"/>
+              </a:schemeClr>
+            </a:solidFill>
+          </a:ln>
+        </p:spPr>
+        <p:style>
+          <a:lnRef idx="1">
+            <a:schemeClr val="accent1"/>
+          </a:lnRef>
+          <a:fillRef idx="0">
+            <a:schemeClr val="accent1"/>
+          </a:fillRef>
+          <a:effectRef idx="0">
+            <a:schemeClr val="accent1"/>
+          </a:effectRef>
+          <a:fontRef idx="minor">
+            <a:schemeClr val="tx1"/>
+          </a:fontRef>
+        </p:style>
+      </p:cxnSp>
+    </p:spTree>
+    <p:extLst>
+      <p:ext uri="{BB962C8B-B14F-4D97-AF65-F5344CB8AC3E}">
+        <p14:creationId xmlns:p14="http://schemas.microsoft.com/office/powerpoint/2010/main" val="555399845"/>
+      </p:ext>
+    </p:extLst>
+  </p:cSld>
+  <p:clrMapOvr>
+    <a:masterClrMapping/>
+  </p:clrMapOvr>
+</p:sldLayout>
+</file>
+
+<file path=ppt/slideLayouts/slideLayout15.xml><?xml version="1.0" encoding="utf-8"?>
+<p:sldLayout xmlns:a="http://schemas.openxmlformats.org/drawingml/2006/main" xmlns:r="http://schemas.openxmlformats.org/officeDocument/2006/relationships" xmlns:p="http://schemas.openxmlformats.org/presentationml/2006/main" type="twoObj" preserve="1">
+  <p:cSld name="Two Content">
+    <p:spTree>
+      <p:nvGrpSpPr>
+        <p:cNvPr id="1" name=""/>
+        <p:cNvGrpSpPr/>
+        <p:nvPr/>
+      </p:nvGrpSpPr>
+      <p:grpSpPr>
+        <a:xfrm>
+          <a:off x="0" y="0"/>
+          <a:ext cx="0" cy="0"/>
+          <a:chOff x="0" y="0"/>
+          <a:chExt cx="0" cy="0"/>
+        </a:xfrm>
+      </p:grpSpPr>
+      <p:sp>
+        <p:nvSpPr>
+          <p:cNvPr id="8" name="Title 7"/>
+          <p:cNvSpPr>
+            <a:spLocks noGrp="1"/>
+          </p:cNvSpPr>
+          <p:nvPr>
+            <p:ph type="title"/>
+          </p:nvPr>
+        </p:nvSpPr>
+        <p:spPr>
+          <a:xfrm>
+            <a:off x="822960" y="286604"/>
+            <a:ext cx="7543800" cy="1450757"/>
+          </a:xfrm>
+        </p:spPr>
+        <p:txBody>
+          <a:bodyPr/>
+          <a:lstStyle/>
+          <a:p>
+            <a:r>
+              <a:rPr lang="en-US"/>
+              <a:t>Click to edit Master title style</a:t>
+            </a:r>
+            <a:endParaRPr lang="en-US" dirty="0"/>
+          </a:p>
+        </p:txBody>
+      </p:sp>
+      <p:sp>
+        <p:nvSpPr>
+          <p:cNvPr id="3" name="Content Placeholder 2"/>
+          <p:cNvSpPr>
+            <a:spLocks noGrp="1"/>
+          </p:cNvSpPr>
+          <p:nvPr>
+            <p:ph sz="half" idx="1"/>
+          </p:nvPr>
+        </p:nvSpPr>
+        <p:spPr>
+          <a:xfrm>
+            <a:off x="822960" y="1845734"/>
+            <a:ext cx="3703320" cy="4023360"/>
+          </a:xfrm>
+        </p:spPr>
+        <p:txBody>
+          <a:bodyPr/>
+          <a:lstStyle/>
+          <a:p>
+            <a:pPr lvl="0"/>
+            <a:r>
+              <a:rPr lang="en-US"/>
+              <a:t>Edit Master text styles</a:t>
+            </a:r>
+          </a:p>
+          <a:p>
+            <a:pPr lvl="1"/>
+            <a:r>
+              <a:rPr lang="en-US"/>
+              <a:t>Second level</a:t>
+            </a:r>
+          </a:p>
+          <a:p>
+            <a:pPr lvl="2"/>
+            <a:r>
+              <a:rPr lang="en-US"/>
+              <a:t>Third level</a:t>
+            </a:r>
+          </a:p>
+          <a:p>
+            <a:pPr lvl="3"/>
+            <a:r>
+              <a:rPr lang="en-US"/>
+              <a:t>Fourth level</a:t>
+            </a:r>
+          </a:p>
+          <a:p>
+            <a:pPr lvl="4"/>
+            <a:r>
+              <a:rPr lang="en-US"/>
+              <a:t>Fifth level</a:t>
+            </a:r>
+            <a:endParaRPr lang="en-US" dirty="0"/>
+          </a:p>
+        </p:txBody>
+      </p:sp>
+      <p:sp>
+        <p:nvSpPr>
+          <p:cNvPr id="4" name="Content Placeholder 3"/>
+          <p:cNvSpPr>
+            <a:spLocks noGrp="1"/>
+          </p:cNvSpPr>
+          <p:nvPr>
+            <p:ph sz="half" idx="2"/>
+          </p:nvPr>
+        </p:nvSpPr>
+        <p:spPr>
+          <a:xfrm>
+            <a:off x="4663440" y="1845736"/>
+            <a:ext cx="3703320" cy="4023359"/>
+          </a:xfrm>
+        </p:spPr>
+        <p:txBody>
+          <a:bodyPr/>
+          <a:lstStyle/>
+          <a:p>
+            <a:pPr lvl="0"/>
+            <a:r>
+              <a:rPr lang="en-US"/>
+              <a:t>Edit Master text styles</a:t>
+            </a:r>
+          </a:p>
+          <a:p>
+            <a:pPr lvl="1"/>
+            <a:r>
+              <a:rPr lang="en-US"/>
+              <a:t>Second level</a:t>
+            </a:r>
+          </a:p>
+          <a:p>
+            <a:pPr lvl="2"/>
+            <a:r>
+              <a:rPr lang="en-US"/>
+              <a:t>Third level</a:t>
+            </a:r>
+          </a:p>
+          <a:p>
+            <a:pPr lvl="3"/>
+            <a:r>
+              <a:rPr lang="en-US"/>
+              <a:t>Fourth level</a:t>
+            </a:r>
+          </a:p>
+          <a:p>
+            <a:pPr lvl="4"/>
+            <a:r>
+              <a:rPr lang="en-US"/>
+              <a:t>Fifth level</a:t>
+            </a:r>
+            <a:endParaRPr lang="en-US" dirty="0"/>
+          </a:p>
+        </p:txBody>
+      </p:sp>
+      <p:sp>
+        <p:nvSpPr>
+          <p:cNvPr id="5" name="Date Placeholder 4"/>
+          <p:cNvSpPr>
+            <a:spLocks noGrp="1"/>
+          </p:cNvSpPr>
+          <p:nvPr>
+            <p:ph type="dt" sz="half" idx="10"/>
+          </p:nvPr>
+        </p:nvSpPr>
+        <p:spPr/>
+        <p:txBody>
+          <a:bodyPr/>
+          <a:lstStyle/>
+          <a:p>
+            <a:fld id="{F097E4E0-020C-42C0-B55B-32B3D8B542BA}" type="datetime1">
+              <a:rPr lang="en-US" smtClean="0"/>
+              <a:t>7/7/2016</a:t>
+            </a:fld>
+            <a:endParaRPr lang="en-US"/>
+          </a:p>
+        </p:txBody>
+      </p:sp>
+      <p:sp>
+        <p:nvSpPr>
+          <p:cNvPr id="6" name="Footer Placeholder 5"/>
+          <p:cNvSpPr>
+            <a:spLocks noGrp="1"/>
+          </p:cNvSpPr>
+          <p:nvPr>
+            <p:ph type="ftr" sz="quarter" idx="11"/>
+          </p:nvPr>
+        </p:nvSpPr>
+        <p:spPr/>
+        <p:txBody>
+          <a:bodyPr/>
+          <a:lstStyle/>
+          <a:p>
+            <a:r>
+              <a:rPr lang="en-US"/>
+              <a:t>© 2015 EV3Lessons.com, Last edit 7/06/2016</a:t>
+            </a:r>
+            <a:endParaRPr lang="en-US" dirty="0"/>
+          </a:p>
+        </p:txBody>
+      </p:sp>
+      <p:sp>
+        <p:nvSpPr>
+          <p:cNvPr id="7" name="Slide Number Placeholder 6"/>
+          <p:cNvSpPr>
+            <a:spLocks noGrp="1"/>
+          </p:cNvSpPr>
+          <p:nvPr>
+            <p:ph type="sldNum" sz="quarter" idx="12"/>
+          </p:nvPr>
+        </p:nvSpPr>
+        <p:spPr/>
+        <p:txBody>
+          <a:bodyPr/>
+          <a:lstStyle/>
+          <a:p>
+            <a:fld id="{4382A7F7-08BF-4252-8141-63FB96055BBB}" type="slidenum">
+              <a:rPr lang="en-US" smtClean="0"/>
+              <a:t>‹#›</a:t>
+            </a:fld>
+            <a:endParaRPr lang="en-US"/>
+          </a:p>
+        </p:txBody>
+      </p:sp>
+    </p:spTree>
+    <p:extLst>
+      <p:ext uri="{BB962C8B-B14F-4D97-AF65-F5344CB8AC3E}">
+        <p14:creationId xmlns:p14="http://schemas.microsoft.com/office/powerpoint/2010/main" val="1541309143"/>
+      </p:ext>
+    </p:extLst>
+  </p:cSld>
+  <p:clrMapOvr>
+    <a:masterClrMapping/>
+  </p:clrMapOvr>
+</p:sldLayout>
+</file>
+
+<file path=ppt/slideLayouts/slideLayout16.xml><?xml version="1.0" encoding="utf-8"?>
+<p:sldLayout xmlns:a="http://schemas.openxmlformats.org/drawingml/2006/main" xmlns:r="http://schemas.openxmlformats.org/officeDocument/2006/relationships" xmlns:p="http://schemas.openxmlformats.org/presentationml/2006/main" type="twoTxTwoObj" preserve="1">
+  <p:cSld name="Comparison">
+    <p:spTree>
+      <p:nvGrpSpPr>
+        <p:cNvPr id="1" name=""/>
+        <p:cNvGrpSpPr/>
+        <p:nvPr/>
+      </p:nvGrpSpPr>
+      <p:grpSpPr>
+        <a:xfrm>
+          <a:off x="0" y="0"/>
+          <a:ext cx="0" cy="0"/>
+          <a:chOff x="0" y="0"/>
+          <a:chExt cx="0" cy="0"/>
+        </a:xfrm>
+      </p:grpSpPr>
+      <p:sp>
+        <p:nvSpPr>
+          <p:cNvPr id="10" name="Title 9"/>
+          <p:cNvSpPr>
+            <a:spLocks noGrp="1"/>
+          </p:cNvSpPr>
+          <p:nvPr>
+            <p:ph type="title"/>
+          </p:nvPr>
+        </p:nvSpPr>
+        <p:spPr>
+          <a:xfrm>
+            <a:off x="822960" y="286604"/>
+            <a:ext cx="7543800" cy="1450757"/>
+          </a:xfrm>
+        </p:spPr>
+        <p:txBody>
+          <a:bodyPr/>
+          <a:lstStyle/>
+          <a:p>
+            <a:r>
+              <a:rPr lang="en-US"/>
+              <a:t>Click to edit Master title style</a:t>
+            </a:r>
+            <a:endParaRPr lang="en-US" dirty="0"/>
+          </a:p>
+        </p:txBody>
+      </p:sp>
+      <p:sp>
+        <p:nvSpPr>
+          <p:cNvPr id="3" name="Text Placeholder 2"/>
+          <p:cNvSpPr>
+            <a:spLocks noGrp="1"/>
+          </p:cNvSpPr>
+          <p:nvPr>
+            <p:ph type="body" idx="1"/>
+          </p:nvPr>
+        </p:nvSpPr>
+        <p:spPr>
+          <a:xfrm>
+            <a:off x="822960" y="1846052"/>
+            <a:ext cx="3703320" cy="736282"/>
+          </a:xfrm>
+        </p:spPr>
+        <p:txBody>
+          <a:bodyPr lIns="91440" rIns="91440" anchor="ctr">
+            <a:normAutofit/>
+          </a:bodyPr>
+          <a:lstStyle>
+            <a:lvl1pPr marL="0" indent="0">
+              <a:buNone/>
+              <a:defRPr sz="2000" b="0" cap="all" baseline="0">
+                <a:solidFill>
+                  <a:schemeClr val="tx2"/>
+                </a:solidFill>
+              </a:defRPr>
+            </a:lvl1pPr>
+            <a:lvl2pPr marL="457200" indent="0">
+              <a:buNone/>
+              <a:defRPr sz="2000" b="1"/>
+            </a:lvl2pPr>
+            <a:lvl3pPr marL="914400" indent="0">
+              <a:buNone/>
+              <a:defRPr sz="1800" b="1"/>
+            </a:lvl3pPr>
+            <a:lvl4pPr marL="1371600" indent="0">
+              <a:buNone/>
+              <a:defRPr sz="1600" b="1"/>
+            </a:lvl4pPr>
+            <a:lvl5pPr marL="1828800" indent="0">
+              <a:buNone/>
+              <a:defRPr sz="1600" b="1"/>
+            </a:lvl5pPr>
+            <a:lvl6pPr marL="2286000" indent="0">
+              <a:buNone/>
+              <a:defRPr sz="1600" b="1"/>
+            </a:lvl6pPr>
+            <a:lvl7pPr marL="2743200" indent="0">
+              <a:buNone/>
+              <a:defRPr sz="1600" b="1"/>
+            </a:lvl7pPr>
+            <a:lvl8pPr marL="3200400" indent="0">
+              <a:buNone/>
+              <a:defRPr sz="1600" b="1"/>
+            </a:lvl8pPr>
+            <a:lvl9pPr marL="3657600" indent="0">
+              <a:buNone/>
+              <a:defRPr sz="1600" b="1"/>
+            </a:lvl9pPr>
+          </a:lstStyle>
+          <a:p>
+            <a:pPr lvl="0"/>
+            <a:r>
+              <a:rPr lang="en-US"/>
+              <a:t>Edit Master text styles</a:t>
+            </a:r>
+          </a:p>
+        </p:txBody>
+      </p:sp>
+      <p:sp>
+        <p:nvSpPr>
+          <p:cNvPr id="4" name="Content Placeholder 3"/>
+          <p:cNvSpPr>
+            <a:spLocks noGrp="1"/>
+          </p:cNvSpPr>
+          <p:nvPr>
+            <p:ph sz="half" idx="2"/>
+          </p:nvPr>
+        </p:nvSpPr>
+        <p:spPr>
+          <a:xfrm>
+            <a:off x="822960" y="2582334"/>
+            <a:ext cx="3703320" cy="3286760"/>
+          </a:xfrm>
+        </p:spPr>
+        <p:txBody>
+          <a:bodyPr/>
+          <a:lstStyle/>
+          <a:p>
+            <a:pPr lvl="0"/>
+            <a:r>
+              <a:rPr lang="en-US"/>
+              <a:t>Edit Master text styles</a:t>
+            </a:r>
+          </a:p>
+          <a:p>
+            <a:pPr lvl="1"/>
+            <a:r>
+              <a:rPr lang="en-US"/>
+              <a:t>Second level</a:t>
+            </a:r>
+          </a:p>
+          <a:p>
+            <a:pPr lvl="2"/>
+            <a:r>
+              <a:rPr lang="en-US"/>
+              <a:t>Third level</a:t>
+            </a:r>
+          </a:p>
+          <a:p>
+            <a:pPr lvl="3"/>
+            <a:r>
+              <a:rPr lang="en-US"/>
+              <a:t>Fourth level</a:t>
+            </a:r>
+          </a:p>
+          <a:p>
+            <a:pPr lvl="4"/>
+            <a:r>
+              <a:rPr lang="en-US"/>
+              <a:t>Fifth level</a:t>
+            </a:r>
+            <a:endParaRPr lang="en-US" dirty="0"/>
+          </a:p>
+        </p:txBody>
+      </p:sp>
+      <p:sp>
+        <p:nvSpPr>
+          <p:cNvPr id="5" name="Text Placeholder 4"/>
+          <p:cNvSpPr>
+            <a:spLocks noGrp="1"/>
+          </p:cNvSpPr>
+          <p:nvPr>
+            <p:ph type="body" sz="quarter" idx="3"/>
+          </p:nvPr>
+        </p:nvSpPr>
+        <p:spPr>
+          <a:xfrm>
+            <a:off x="4663440" y="1846052"/>
+            <a:ext cx="3703320" cy="736282"/>
+          </a:xfrm>
+        </p:spPr>
+        <p:txBody>
+          <a:bodyPr lIns="91440" rIns="91440" anchor="ctr">
+            <a:normAutofit/>
+          </a:bodyPr>
+          <a:lstStyle>
+            <a:lvl1pPr marL="0" indent="0">
+              <a:buNone/>
+              <a:defRPr sz="2000" b="0" cap="all" baseline="0">
+                <a:solidFill>
+                  <a:schemeClr val="tx2"/>
+                </a:solidFill>
+              </a:defRPr>
+            </a:lvl1pPr>
+            <a:lvl2pPr marL="457200" indent="0">
+              <a:buNone/>
+              <a:defRPr sz="2000" b="1"/>
+            </a:lvl2pPr>
+            <a:lvl3pPr marL="914400" indent="0">
+              <a:buNone/>
+              <a:defRPr sz="1800" b="1"/>
+            </a:lvl3pPr>
+            <a:lvl4pPr marL="1371600" indent="0">
+              <a:buNone/>
+              <a:defRPr sz="1600" b="1"/>
+            </a:lvl4pPr>
+            <a:lvl5pPr marL="1828800" indent="0">
+              <a:buNone/>
+              <a:defRPr sz="1600" b="1"/>
+            </a:lvl5pPr>
+            <a:lvl6pPr marL="2286000" indent="0">
+              <a:buNone/>
+              <a:defRPr sz="1600" b="1"/>
+            </a:lvl6pPr>
+            <a:lvl7pPr marL="2743200" indent="0">
+              <a:buNone/>
+              <a:defRPr sz="1600" b="1"/>
+            </a:lvl7pPr>
+            <a:lvl8pPr marL="3200400" indent="0">
+              <a:buNone/>
+              <a:defRPr sz="1600" b="1"/>
+            </a:lvl8pPr>
+            <a:lvl9pPr marL="3657600" indent="0">
+              <a:buNone/>
+              <a:defRPr sz="1600" b="1"/>
+            </a:lvl9pPr>
+          </a:lstStyle>
+          <a:p>
+            <a:pPr lvl="0"/>
+            <a:r>
+              <a:rPr lang="en-US"/>
+              <a:t>Edit Master text styles</a:t>
+            </a:r>
+          </a:p>
+        </p:txBody>
+      </p:sp>
+      <p:sp>
+        <p:nvSpPr>
+          <p:cNvPr id="6" name="Content Placeholder 5"/>
+          <p:cNvSpPr>
+            <a:spLocks noGrp="1"/>
+          </p:cNvSpPr>
+          <p:nvPr>
+            <p:ph sz="quarter" idx="4"/>
+          </p:nvPr>
+        </p:nvSpPr>
+        <p:spPr>
+          <a:xfrm>
+            <a:off x="4663440" y="2582334"/>
+            <a:ext cx="3703320" cy="3286760"/>
+          </a:xfrm>
+        </p:spPr>
+        <p:txBody>
+          <a:bodyPr/>
+          <a:lstStyle/>
+          <a:p>
+            <a:pPr lvl="0"/>
+            <a:r>
+              <a:rPr lang="en-US"/>
+              <a:t>Edit Master text styles</a:t>
+            </a:r>
+          </a:p>
+          <a:p>
+            <a:pPr lvl="1"/>
+            <a:r>
+              <a:rPr lang="en-US"/>
+              <a:t>Second level</a:t>
+            </a:r>
+          </a:p>
+          <a:p>
+            <a:pPr lvl="2"/>
+            <a:r>
+              <a:rPr lang="en-US"/>
+              <a:t>Third level</a:t>
+            </a:r>
+          </a:p>
+          <a:p>
+            <a:pPr lvl="3"/>
+            <a:r>
+              <a:rPr lang="en-US"/>
+              <a:t>Fourth level</a:t>
+            </a:r>
+          </a:p>
+          <a:p>
+            <a:pPr lvl="4"/>
+            <a:r>
+              <a:rPr lang="en-US"/>
+              <a:t>Fifth level</a:t>
+            </a:r>
+            <a:endParaRPr lang="en-US" dirty="0"/>
+          </a:p>
+        </p:txBody>
+      </p:sp>
+      <p:sp>
+        <p:nvSpPr>
+          <p:cNvPr id="7" name="Date Placeholder 6"/>
+          <p:cNvSpPr>
+            <a:spLocks noGrp="1"/>
+          </p:cNvSpPr>
+          <p:nvPr>
+            <p:ph type="dt" sz="half" idx="10"/>
+          </p:nvPr>
+        </p:nvSpPr>
+        <p:spPr/>
+        <p:txBody>
+          <a:bodyPr/>
+          <a:lstStyle/>
+          <a:p>
+            <a:fld id="{495FACAD-749A-4C16-A63D-02B0E4AE068C}" type="datetime1">
+              <a:rPr lang="en-US" smtClean="0"/>
+              <a:t>7/7/2016</a:t>
+            </a:fld>
+            <a:endParaRPr lang="en-US"/>
+          </a:p>
+        </p:txBody>
+      </p:sp>
+      <p:sp>
+        <p:nvSpPr>
+          <p:cNvPr id="8" name="Footer Placeholder 7"/>
+          <p:cNvSpPr>
+            <a:spLocks noGrp="1"/>
+          </p:cNvSpPr>
+          <p:nvPr>
+            <p:ph type="ftr" sz="quarter" idx="11"/>
+          </p:nvPr>
+        </p:nvSpPr>
+        <p:spPr/>
+        <p:txBody>
+          <a:bodyPr/>
+          <a:lstStyle/>
+          <a:p>
+            <a:r>
+              <a:rPr lang="en-US"/>
+              <a:t>© 2015 EV3Lessons.com, Last edit 7/06/2016</a:t>
+            </a:r>
+          </a:p>
+        </p:txBody>
+      </p:sp>
+      <p:sp>
+        <p:nvSpPr>
+          <p:cNvPr id="9" name="Slide Number Placeholder 8"/>
+          <p:cNvSpPr>
+            <a:spLocks noGrp="1"/>
+          </p:cNvSpPr>
+          <p:nvPr>
+            <p:ph type="sldNum" sz="quarter" idx="12"/>
+          </p:nvPr>
+        </p:nvSpPr>
+        <p:spPr/>
+        <p:txBody>
+          <a:bodyPr/>
+          <a:lstStyle/>
+          <a:p>
+            <a:fld id="{4382A7F7-08BF-4252-8141-63FB96055BBB}" type="slidenum">
+              <a:rPr lang="en-US" smtClean="0"/>
+              <a:t>‹#›</a:t>
+            </a:fld>
+            <a:endParaRPr lang="en-US"/>
+          </a:p>
+        </p:txBody>
+      </p:sp>
+    </p:spTree>
+    <p:extLst>
+      <p:ext uri="{BB962C8B-B14F-4D97-AF65-F5344CB8AC3E}">
+        <p14:creationId xmlns:p14="http://schemas.microsoft.com/office/powerpoint/2010/main" val="2132594346"/>
+      </p:ext>
+    </p:extLst>
+  </p:cSld>
+  <p:clrMapOvr>
+    <a:masterClrMapping/>
+  </p:clrMapOvr>
+</p:sldLayout>
+</file>
+
+<file path=ppt/slideLayouts/slideLayout17.xml><?xml version="1.0" encoding="utf-8"?>
+<p:sldLayout xmlns:a="http://schemas.openxmlformats.org/drawingml/2006/main" xmlns:r="http://schemas.openxmlformats.org/officeDocument/2006/relationships" xmlns:p="http://schemas.openxmlformats.org/presentationml/2006/main" type="titleOnly" preserve="1">
+  <p:cSld name="Title Only">
+    <p:spTree>
+      <p:nvGrpSpPr>
+        <p:cNvPr id="1" name=""/>
+        <p:cNvGrpSpPr/>
+        <p:nvPr/>
+      </p:nvGrpSpPr>
+      <p:grpSpPr>
+        <a:xfrm>
+          <a:off x="0" y="0"/>
+          <a:ext cx="0" cy="0"/>
+          <a:chOff x="0" y="0"/>
+          <a:chExt cx="0" cy="0"/>
+        </a:xfrm>
+      </p:grpSpPr>
+      <p:sp>
+        <p:nvSpPr>
+          <p:cNvPr id="2" name="Title 1"/>
+          <p:cNvSpPr>
+            <a:spLocks noGrp="1"/>
+          </p:cNvSpPr>
+          <p:nvPr>
+            <p:ph type="title"/>
+          </p:nvPr>
+        </p:nvSpPr>
+        <p:spPr/>
+        <p:txBody>
+          <a:bodyPr/>
+          <a:lstStyle/>
+          <a:p>
+            <a:r>
+              <a:rPr lang="en-US"/>
+              <a:t>Click to edit Master title style</a:t>
+            </a:r>
+            <a:endParaRPr lang="en-US" dirty="0"/>
+          </a:p>
+        </p:txBody>
+      </p:sp>
+      <p:sp>
+        <p:nvSpPr>
+          <p:cNvPr id="3" name="Date Placeholder 2"/>
+          <p:cNvSpPr>
+            <a:spLocks noGrp="1"/>
+          </p:cNvSpPr>
+          <p:nvPr>
+            <p:ph type="dt" sz="half" idx="10"/>
+          </p:nvPr>
+        </p:nvSpPr>
+        <p:spPr/>
+        <p:txBody>
+          <a:bodyPr/>
+          <a:lstStyle/>
+          <a:p>
+            <a:fld id="{ED198FA7-E0B4-453D-846F-AD7AC3AB5919}" type="datetime1">
+              <a:rPr lang="en-US" smtClean="0"/>
+              <a:t>7/7/2016</a:t>
+            </a:fld>
+            <a:endParaRPr lang="en-US"/>
+          </a:p>
+        </p:txBody>
+      </p:sp>
+      <p:sp>
+        <p:nvSpPr>
+          <p:cNvPr id="4" name="Footer Placeholder 3"/>
+          <p:cNvSpPr>
+            <a:spLocks noGrp="1"/>
+          </p:cNvSpPr>
+          <p:nvPr>
+            <p:ph type="ftr" sz="quarter" idx="11"/>
+          </p:nvPr>
+        </p:nvSpPr>
+        <p:spPr/>
+        <p:txBody>
+          <a:bodyPr/>
+          <a:lstStyle/>
+          <a:p>
+            <a:r>
+              <a:rPr lang="en-US"/>
+              <a:t>© 2015 EV3Lessons.com, Last edit 7/06/2016</a:t>
+            </a:r>
+          </a:p>
+        </p:txBody>
+      </p:sp>
+      <p:sp>
+        <p:nvSpPr>
+          <p:cNvPr id="5" name="Slide Number Placeholder 4"/>
+          <p:cNvSpPr>
+            <a:spLocks noGrp="1"/>
+          </p:cNvSpPr>
+          <p:nvPr>
+            <p:ph type="sldNum" sz="quarter" idx="12"/>
+          </p:nvPr>
+        </p:nvSpPr>
+        <p:spPr/>
+        <p:txBody>
+          <a:bodyPr/>
+          <a:lstStyle/>
+          <a:p>
+            <a:fld id="{4382A7F7-08BF-4252-8141-63FB96055BBB}" type="slidenum">
+              <a:rPr lang="en-US" smtClean="0"/>
+              <a:t>‹#›</a:t>
+            </a:fld>
+            <a:endParaRPr lang="en-US"/>
+          </a:p>
+        </p:txBody>
+      </p:sp>
+    </p:spTree>
+    <p:extLst>
+      <p:ext uri="{BB962C8B-B14F-4D97-AF65-F5344CB8AC3E}">
+        <p14:creationId xmlns:p14="http://schemas.microsoft.com/office/powerpoint/2010/main" val="2925616453"/>
+      </p:ext>
+    </p:extLst>
+  </p:cSld>
+  <p:clrMapOvr>
+    <a:masterClrMapping/>
+  </p:clrMapOvr>
+</p:sldLayout>
+</file>
+
+<file path=ppt/slideLayouts/slideLayout18.xml><?xml version="1.0" encoding="utf-8"?>
+<p:sldLayout xmlns:a="http://schemas.openxmlformats.org/drawingml/2006/main" xmlns:r="http://schemas.openxmlformats.org/officeDocument/2006/relationships" xmlns:p="http://schemas.openxmlformats.org/presentationml/2006/main" showMasterSp="0" type="blank" preserve="1">
+  <p:cSld name="Blank">
+    <p:spTree>
+      <p:nvGrpSpPr>
+        <p:cNvPr id="1" name=""/>
+        <p:cNvGrpSpPr/>
+        <p:nvPr/>
+      </p:nvGrpSpPr>
+      <p:grpSpPr>
+        <a:xfrm>
+          <a:off x="0" y="0"/>
+          <a:ext cx="0" cy="0"/>
+          <a:chOff x="0" y="0"/>
+          <a:chExt cx="0" cy="0"/>
+        </a:xfrm>
+      </p:grpSpPr>
+      <p:sp>
+        <p:nvSpPr>
+          <p:cNvPr id="5" name="Rectangle 4"/>
+          <p:cNvSpPr/>
+          <p:nvPr/>
+        </p:nvSpPr>
+        <p:spPr>
+          <a:xfrm>
+            <a:off x="2382" y="6400800"/>
+            <a:ext cx="9141619" cy="457200"/>
+          </a:xfrm>
+          <a:prstGeom prst="rect">
+            <a:avLst/>
+          </a:prstGeom>
+          <a:solidFill>
+            <a:schemeClr val="accent2"/>
+          </a:solidFill>
+          <a:ln>
+            <a:noFill/>
+          </a:ln>
+        </p:spPr>
+        <p:style>
+          <a:lnRef idx="2">
+            <a:schemeClr val="accent1">
+              <a:shade val="50000"/>
+            </a:schemeClr>
+          </a:lnRef>
+          <a:fillRef idx="1">
+            <a:schemeClr val="accent1"/>
+          </a:fillRef>
+          <a:effectRef idx="0">
+            <a:schemeClr val="accent1"/>
+          </a:effectRef>
+          <a:fontRef idx="minor">
+            <a:schemeClr val="lt1"/>
+          </a:fontRef>
+        </p:style>
+      </p:sp>
+      <p:sp>
+        <p:nvSpPr>
+          <p:cNvPr id="6" name="Rectangle 5"/>
+          <p:cNvSpPr/>
+          <p:nvPr/>
+        </p:nvSpPr>
+        <p:spPr>
+          <a:xfrm>
+            <a:off x="12" y="6334316"/>
+            <a:ext cx="9141619" cy="64008"/>
+          </a:xfrm>
+          <a:prstGeom prst="rect">
+            <a:avLst/>
+          </a:prstGeom>
+          <a:solidFill>
+            <a:schemeClr val="accent1"/>
+          </a:solidFill>
+          <a:ln>
+            <a:noFill/>
+          </a:ln>
+        </p:spPr>
+        <p:style>
+          <a:lnRef idx="2">
+            <a:schemeClr val="accent1">
+              <a:shade val="50000"/>
+            </a:schemeClr>
+          </a:lnRef>
+          <a:fillRef idx="1">
+            <a:schemeClr val="accent1"/>
+          </a:fillRef>
+          <a:effectRef idx="0">
+            <a:schemeClr val="accent1"/>
+          </a:effectRef>
+          <a:fontRef idx="minor">
+            <a:schemeClr val="lt1"/>
+          </a:fontRef>
+        </p:style>
+      </p:sp>
+      <p:sp>
+        <p:nvSpPr>
+          <p:cNvPr id="7" name="Date Placeholder 6"/>
+          <p:cNvSpPr>
+            <a:spLocks noGrp="1"/>
+          </p:cNvSpPr>
+          <p:nvPr>
+            <p:ph type="dt" sz="half" idx="10"/>
+          </p:nvPr>
+        </p:nvSpPr>
+        <p:spPr/>
+        <p:txBody>
+          <a:bodyPr/>
+          <a:lstStyle/>
+          <a:p>
+            <a:fld id="{34581C0E-1620-40F7-9668-FD0AFAB934F2}" type="datetime1">
+              <a:rPr lang="en-US" smtClean="0"/>
+              <a:t>7/7/2016</a:t>
+            </a:fld>
+            <a:endParaRPr lang="en-US"/>
+          </a:p>
+        </p:txBody>
+      </p:sp>
+      <p:sp>
+        <p:nvSpPr>
+          <p:cNvPr id="8" name="Footer Placeholder 7"/>
+          <p:cNvSpPr>
+            <a:spLocks noGrp="1"/>
+          </p:cNvSpPr>
+          <p:nvPr>
+            <p:ph type="ftr" sz="quarter" idx="11"/>
+          </p:nvPr>
+        </p:nvSpPr>
+        <p:spPr/>
+        <p:txBody>
+          <a:bodyPr/>
+          <a:lstStyle>
+            <a:lvl1pPr>
+              <a:defRPr>
+                <a:solidFill>
+                  <a:srgbClr val="FFFFFF"/>
+                </a:solidFill>
+              </a:defRPr>
+            </a:lvl1pPr>
+          </a:lstStyle>
+          <a:p>
+            <a:r>
+              <a:rPr lang="en-US"/>
+              <a:t>© 2015 EV3Lessons.com, Last edit 7/06/2016</a:t>
+            </a:r>
+          </a:p>
+        </p:txBody>
+      </p:sp>
+      <p:sp>
+        <p:nvSpPr>
+          <p:cNvPr id="9" name="Slide Number Placeholder 8"/>
+          <p:cNvSpPr>
+            <a:spLocks noGrp="1"/>
+          </p:cNvSpPr>
+          <p:nvPr>
+            <p:ph type="sldNum" sz="quarter" idx="12"/>
+          </p:nvPr>
+        </p:nvSpPr>
+        <p:spPr/>
+        <p:txBody>
+          <a:bodyPr/>
+          <a:lstStyle/>
+          <a:p>
+            <a:fld id="{4382A7F7-08BF-4252-8141-63FB96055BBB}" type="slidenum">
+              <a:rPr lang="en-US" smtClean="0"/>
+              <a:t>‹#›</a:t>
+            </a:fld>
+            <a:endParaRPr lang="en-US"/>
+          </a:p>
+        </p:txBody>
+      </p:sp>
+    </p:spTree>
+    <p:extLst>
+      <p:ext uri="{BB962C8B-B14F-4D97-AF65-F5344CB8AC3E}">
+        <p14:creationId xmlns:p14="http://schemas.microsoft.com/office/powerpoint/2010/main" val="3137249851"/>
+      </p:ext>
+    </p:extLst>
+  </p:cSld>
+  <p:clrMapOvr>
+    <a:masterClrMapping/>
+  </p:clrMapOvr>
+</p:sldLayout>
+</file>
+
+<file path=ppt/slideLayouts/slideLayout19.xml><?xml version="1.0" encoding="utf-8"?>
+<p:sldLayout xmlns:a="http://schemas.openxmlformats.org/drawingml/2006/main" xmlns:r="http://schemas.openxmlformats.org/officeDocument/2006/relationships" xmlns:p="http://schemas.openxmlformats.org/presentationml/2006/main" showMasterSp="0" type="objTx" preserve="1">
+  <p:cSld name="Content with Caption">
+    <p:spTree>
+      <p:nvGrpSpPr>
+        <p:cNvPr id="1" name=""/>
+        <p:cNvGrpSpPr/>
+        <p:nvPr/>
+      </p:nvGrpSpPr>
+      <p:grpSpPr>
+        <a:xfrm>
+          <a:off x="0" y="0"/>
+          <a:ext cx="0" cy="0"/>
+          <a:chOff x="0" y="0"/>
+          <a:chExt cx="0" cy="0"/>
+        </a:xfrm>
+      </p:grpSpPr>
+      <p:sp>
+        <p:nvSpPr>
+          <p:cNvPr id="8" name="Rectangle 7"/>
+          <p:cNvSpPr/>
+          <p:nvPr/>
+        </p:nvSpPr>
+        <p:spPr>
+          <a:xfrm>
+            <a:off x="13" y="0"/>
+            <a:ext cx="3038093" cy="6858000"/>
+          </a:xfrm>
+          <a:prstGeom prst="rect">
+            <a:avLst/>
+          </a:prstGeom>
+          <a:solidFill>
+            <a:schemeClr val="accent2"/>
+          </a:solidFill>
+          <a:ln>
+            <a:noFill/>
+          </a:ln>
+        </p:spPr>
+        <p:style>
+          <a:lnRef idx="2">
+            <a:schemeClr val="accent1">
+              <a:shade val="50000"/>
+            </a:schemeClr>
+          </a:lnRef>
+          <a:fillRef idx="1">
+            <a:schemeClr val="accent1"/>
+          </a:fillRef>
+          <a:effectRef idx="0">
+            <a:schemeClr val="accent1"/>
+          </a:effectRef>
+          <a:fontRef idx="minor">
+            <a:schemeClr val="lt1"/>
+          </a:fontRef>
+        </p:style>
+      </p:sp>
+      <p:sp>
+        <p:nvSpPr>
+          <p:cNvPr id="9" name="Rectangle 8"/>
+          <p:cNvSpPr/>
+          <p:nvPr/>
+        </p:nvSpPr>
+        <p:spPr>
+          <a:xfrm>
+            <a:off x="3030053" y="0"/>
+            <a:ext cx="48006" cy="6858000"/>
+          </a:xfrm>
+          <a:prstGeom prst="rect">
+            <a:avLst/>
+          </a:prstGeom>
+          <a:solidFill>
+            <a:schemeClr val="accent1"/>
+          </a:solidFill>
+          <a:ln>
+            <a:noFill/>
+          </a:ln>
+        </p:spPr>
+        <p:style>
+          <a:lnRef idx="2">
+            <a:schemeClr val="accent1">
+              <a:shade val="50000"/>
+            </a:schemeClr>
+          </a:lnRef>
+          <a:fillRef idx="1">
+            <a:schemeClr val="accent1"/>
+          </a:fillRef>
+          <a:effectRef idx="0">
+            <a:schemeClr val="accent1"/>
+          </a:effectRef>
+          <a:fontRef idx="minor">
+            <a:schemeClr val="lt1"/>
+          </a:fontRef>
+        </p:style>
+      </p:sp>
+      <p:sp>
+        <p:nvSpPr>
+          <p:cNvPr id="2" name="Title 1"/>
+          <p:cNvSpPr>
+            <a:spLocks noGrp="1"/>
+          </p:cNvSpPr>
+          <p:nvPr>
+            <p:ph type="title"/>
+          </p:nvPr>
+        </p:nvSpPr>
+        <p:spPr>
+          <a:xfrm>
+            <a:off x="342900" y="594359"/>
+            <a:ext cx="2400300" cy="2286000"/>
+          </a:xfrm>
+        </p:spPr>
+        <p:txBody>
+          <a:bodyPr anchor="b">
+            <a:normAutofit/>
+          </a:bodyPr>
+          <a:lstStyle>
+            <a:lvl1pPr>
+              <a:defRPr sz="3600" b="0">
+                <a:solidFill>
+                  <a:srgbClr val="FFFFFF"/>
+                </a:solidFill>
+              </a:defRPr>
+            </a:lvl1pPr>
+          </a:lstStyle>
+          <a:p>
+            <a:r>
+              <a:rPr lang="en-US"/>
+              <a:t>Click to edit Master title style</a:t>
+            </a:r>
+            <a:endParaRPr lang="en-US" dirty="0"/>
+          </a:p>
+        </p:txBody>
+      </p:sp>
+      <p:sp>
+        <p:nvSpPr>
+          <p:cNvPr id="3" name="Content Placeholder 2"/>
+          <p:cNvSpPr>
+            <a:spLocks noGrp="1"/>
+          </p:cNvSpPr>
+          <p:nvPr>
+            <p:ph idx="1"/>
+          </p:nvPr>
+        </p:nvSpPr>
+        <p:spPr>
+          <a:xfrm>
+            <a:off x="3460237" y="731520"/>
+            <a:ext cx="5009393" cy="5257800"/>
+          </a:xfrm>
+        </p:spPr>
+        <p:txBody>
+          <a:bodyPr/>
+          <a:lstStyle/>
+          <a:p>
+            <a:pPr lvl="0"/>
+            <a:r>
+              <a:rPr lang="en-US"/>
+              <a:t>Edit Master text styles</a:t>
+            </a:r>
+          </a:p>
+          <a:p>
+            <a:pPr lvl="1"/>
+            <a:r>
+              <a:rPr lang="en-US"/>
+              <a:t>Second level</a:t>
+            </a:r>
+          </a:p>
+          <a:p>
+            <a:pPr lvl="2"/>
+            <a:r>
+              <a:rPr lang="en-US"/>
+              <a:t>Third level</a:t>
+            </a:r>
+          </a:p>
+          <a:p>
+            <a:pPr lvl="3"/>
+            <a:r>
+              <a:rPr lang="en-US"/>
+              <a:t>Fourth level</a:t>
+            </a:r>
+          </a:p>
+          <a:p>
+            <a:pPr lvl="4"/>
+            <a:r>
+              <a:rPr lang="en-US"/>
+              <a:t>Fifth level</a:t>
+            </a:r>
+            <a:endParaRPr lang="en-US" dirty="0"/>
+          </a:p>
+        </p:txBody>
+      </p:sp>
+      <p:sp>
+        <p:nvSpPr>
+          <p:cNvPr id="4" name="Text Placeholder 3"/>
+          <p:cNvSpPr>
+            <a:spLocks noGrp="1"/>
+          </p:cNvSpPr>
+          <p:nvPr>
+            <p:ph type="body" sz="half" idx="2"/>
+          </p:nvPr>
+        </p:nvSpPr>
+        <p:spPr>
+          <a:xfrm>
+            <a:off x="342900" y="2926080"/>
+            <a:ext cx="2400300" cy="3379124"/>
+          </a:xfrm>
+        </p:spPr>
+        <p:txBody>
+          <a:bodyPr lIns="91440" rIns="91440">
+            <a:normAutofit/>
+          </a:bodyPr>
+          <a:lstStyle>
+            <a:lvl1pPr marL="0" indent="0">
+              <a:buNone/>
+              <a:defRPr sz="1500">
+                <a:solidFill>
+                  <a:srgbClr val="FFFFFF"/>
+                </a:solidFill>
+              </a:defRPr>
+            </a:lvl1pPr>
+            <a:lvl2pPr marL="457200" indent="0">
+              <a:buNone/>
+              <a:defRPr sz="1200"/>
+            </a:lvl2pPr>
+            <a:lvl3pPr marL="914400" indent="0">
+              <a:buNone/>
+              <a:defRPr sz="1000"/>
+            </a:lvl3pPr>
+            <a:lvl4pPr marL="1371600" indent="0">
+              <a:buNone/>
+              <a:defRPr sz="900"/>
+            </a:lvl4pPr>
+            <a:lvl5pPr marL="1828800" indent="0">
+              <a:buNone/>
+              <a:defRPr sz="900"/>
+            </a:lvl5pPr>
+            <a:lvl6pPr marL="2286000" indent="0">
+              <a:buNone/>
+              <a:defRPr sz="900"/>
+            </a:lvl6pPr>
+            <a:lvl7pPr marL="2743200" indent="0">
+              <a:buNone/>
+              <a:defRPr sz="900"/>
+            </a:lvl7pPr>
+            <a:lvl8pPr marL="3200400" indent="0">
+              <a:buNone/>
+              <a:defRPr sz="900"/>
+            </a:lvl8pPr>
+            <a:lvl9pPr marL="3657600" indent="0">
+              <a:buNone/>
+              <a:defRPr sz="900"/>
+            </a:lvl9pPr>
+          </a:lstStyle>
+          <a:p>
+            <a:pPr lvl="0"/>
+            <a:r>
+              <a:rPr lang="en-US"/>
+              <a:t>Edit Master text styles</a:t>
+            </a:r>
+          </a:p>
+        </p:txBody>
+      </p:sp>
+      <p:sp>
+        <p:nvSpPr>
+          <p:cNvPr id="5" name="Date Placeholder 4"/>
+          <p:cNvSpPr>
+            <a:spLocks noGrp="1"/>
+          </p:cNvSpPr>
+          <p:nvPr>
+            <p:ph type="dt" sz="half" idx="10"/>
+          </p:nvPr>
+        </p:nvSpPr>
+        <p:spPr>
+          <a:xfrm>
+            <a:off x="349134" y="6459786"/>
+            <a:ext cx="1963883" cy="365125"/>
+          </a:xfrm>
+        </p:spPr>
+        <p:txBody>
+          <a:bodyPr/>
+          <a:lstStyle>
+            <a:lvl1pPr algn="l">
+              <a:defRPr/>
+            </a:lvl1pPr>
+          </a:lstStyle>
+          <a:p>
+            <a:fld id="{78839B90-7345-4DC3-B2CC-4D7B65442688}" type="datetime1">
+              <a:rPr lang="en-US" smtClean="0"/>
+              <a:t>7/7/2016</a:t>
+            </a:fld>
+            <a:endParaRPr lang="en-US"/>
+          </a:p>
+        </p:txBody>
+      </p:sp>
+      <p:sp>
+        <p:nvSpPr>
+          <p:cNvPr id="6" name="Footer Placeholder 5"/>
+          <p:cNvSpPr>
+            <a:spLocks noGrp="1"/>
+          </p:cNvSpPr>
+          <p:nvPr>
+            <p:ph type="ftr" sz="quarter" idx="11"/>
+          </p:nvPr>
+        </p:nvSpPr>
+        <p:spPr>
+          <a:xfrm>
+            <a:off x="3600450" y="6459786"/>
+            <a:ext cx="3486150" cy="365125"/>
+          </a:xfrm>
+        </p:spPr>
+        <p:txBody>
+          <a:bodyPr/>
+          <a:lstStyle>
+            <a:lvl1pPr algn="l">
+              <a:defRPr>
+                <a:solidFill>
+                  <a:schemeClr val="tx2"/>
+                </a:solidFill>
+              </a:defRPr>
+            </a:lvl1pPr>
+          </a:lstStyle>
+          <a:p>
+            <a:r>
+              <a:rPr lang="en-US"/>
+              <a:t>© 2015 EV3Lessons.com, Last edit 7/06/2016</a:t>
+            </a:r>
+          </a:p>
+        </p:txBody>
+      </p:sp>
+      <p:sp>
+        <p:nvSpPr>
+          <p:cNvPr id="7" name="Slide Number Placeholder 6"/>
+          <p:cNvSpPr>
+            <a:spLocks noGrp="1"/>
+          </p:cNvSpPr>
+          <p:nvPr>
+            <p:ph type="sldNum" sz="quarter" idx="12"/>
+          </p:nvPr>
+        </p:nvSpPr>
+        <p:spPr/>
+        <p:txBody>
+          <a:bodyPr/>
+          <a:lstStyle>
+            <a:lvl1pPr>
+              <a:defRPr>
+                <a:solidFill>
+                  <a:schemeClr val="tx2"/>
+                </a:solidFill>
+              </a:defRPr>
+            </a:lvl1pPr>
+          </a:lstStyle>
+          <a:p>
+            <a:fld id="{7F5CE407-6216-4202-80E4-A30DC2F709B2}" type="slidenum">
+              <a:rPr lang="en-US" smtClean="0"/>
+              <a:t>‹#›</a:t>
+            </a:fld>
+            <a:endParaRPr lang="en-US"/>
+          </a:p>
+        </p:txBody>
+      </p:sp>
+    </p:spTree>
+    <p:extLst>
+      <p:ext uri="{BB962C8B-B14F-4D97-AF65-F5344CB8AC3E}">
+        <p14:creationId xmlns:p14="http://schemas.microsoft.com/office/powerpoint/2010/main" val="3852984562"/>
       </p:ext>
     </p:extLst>
   </p:cSld>
@@ -1767,7 +4140,7 @@
           <a:lstStyle/>
           <a:p>
             <a:r>
-              <a:rPr lang="en-US" smtClean="0"/>
+              <a:rPr lang="en-US"/>
               <a:t>Click to edit Master title style</a:t>
             </a:r>
             <a:endParaRPr lang="en-US" dirty="0"/>
@@ -1791,35 +4164,35 @@
           <a:p>
             <a:pPr lvl="0"/>
             <a:r>
-              <a:rPr lang="en-US" smtClean="0"/>
+              <a:rPr lang="en-US"/>
               <a:t>Click to edit Master text styles</a:t>
             </a:r>
           </a:p>
           <a:p>
             <a:pPr lvl="1"/>
             <a:r>
-              <a:rPr lang="en-US" smtClean="0"/>
+              <a:rPr lang="en-US"/>
               <a:t>Second level</a:t>
             </a:r>
           </a:p>
           <a:p>
             <a:pPr lvl="2"/>
             <a:r>
-              <a:rPr lang="en-US" smtClean="0"/>
+              <a:rPr lang="en-US"/>
               <a:t>Third level</a:t>
             </a:r>
           </a:p>
           <a:p>
             <a:pPr lvl="3"/>
             <a:r>
-              <a:rPr lang="en-US" smtClean="0"/>
+              <a:rPr lang="en-US"/>
               <a:t>Fourth level</a:t>
             </a:r>
           </a:p>
           <a:p>
             <a:pPr lvl="4"/>
             <a:r>
-              <a:rPr lang="en-US" smtClean="0"/>
+              <a:rPr lang="en-US"/>
               <a:t>Fifth level</a:t>
             </a:r>
             <a:endParaRPr lang="en-US" dirty="0"/>
@@ -1841,9 +4214,9 @@
           <a:bodyPr/>
           <a:lstStyle/>
           <a:p>
-            <a:fld id="{6964D4EB-A2A3-5D46-A2E3-B082D53C11C5}" type="datetime1">
+            <a:fld id="{108F86FF-760C-4025-81E3-3FE3BF771D15}" type="datetime1">
               <a:rPr lang="en-US" smtClean="0"/>
-              <a:t>11/13/15</a:t>
+              <a:t>7/7/2016</a:t>
             </a:fld>
             <a:endParaRPr lang="en-US"/>
           </a:p>
@@ -1865,10 +4238,9 @@
           <a:lstStyle/>
           <a:p>
             <a:r>
-              <a:rPr lang="sk-SK" smtClean="0"/>
-              <a:t>© 2015 EV3Lessons.com, Last edit 11/13/2015</a:t>
-            </a:r>
-            <a:endParaRPr lang="en-US"/>
+              <a:rPr lang="en-US"/>
+              <a:t>© 2015 EV3Lessons.com, Last edit 7/06/2016</a:t>
+            </a:r>
           </a:p>
         </p:txBody>
       </p:sp>
@@ -1899,6 +4271,802 @@
     <p:extLst>
       <p:ext uri="{BB962C8B-B14F-4D97-AF65-F5344CB8AC3E}">
         <p14:creationId xmlns:p14="http://schemas.microsoft.com/office/powerpoint/2010/main" val="343510311"/>
+      </p:ext>
+    </p:extLst>
+  </p:cSld>
+  <p:clrMapOvr>
+    <a:masterClrMapping/>
+  </p:clrMapOvr>
+</p:sldLayout>
+</file>
+
+<file path=ppt/slideLayouts/slideLayout20.xml><?xml version="1.0" encoding="utf-8"?>
+<p:sldLayout xmlns:a="http://schemas.openxmlformats.org/drawingml/2006/main" xmlns:r="http://schemas.openxmlformats.org/officeDocument/2006/relationships" xmlns:p="http://schemas.openxmlformats.org/presentationml/2006/main" showMasterSp="0" type="picTx" preserve="1">
+  <p:cSld name="Picture with Caption">
+    <p:spTree>
+      <p:nvGrpSpPr>
+        <p:cNvPr id="1" name=""/>
+        <p:cNvGrpSpPr/>
+        <p:nvPr/>
+      </p:nvGrpSpPr>
+      <p:grpSpPr>
+        <a:xfrm>
+          <a:off x="0" y="0"/>
+          <a:ext cx="0" cy="0"/>
+          <a:chOff x="0" y="0"/>
+          <a:chExt cx="0" cy="0"/>
+        </a:xfrm>
+      </p:grpSpPr>
+      <p:sp>
+        <p:nvSpPr>
+          <p:cNvPr id="8" name="Rectangle 7"/>
+          <p:cNvSpPr/>
+          <p:nvPr/>
+        </p:nvSpPr>
+        <p:spPr>
+          <a:xfrm>
+            <a:off x="0" y="4953000"/>
+            <a:ext cx="9141619" cy="1905000"/>
+          </a:xfrm>
+          <a:prstGeom prst="rect">
+            <a:avLst/>
+          </a:prstGeom>
+          <a:solidFill>
+            <a:schemeClr val="accent2"/>
+          </a:solidFill>
+          <a:ln>
+            <a:noFill/>
+          </a:ln>
+        </p:spPr>
+        <p:style>
+          <a:lnRef idx="2">
+            <a:schemeClr val="accent1">
+              <a:shade val="50000"/>
+            </a:schemeClr>
+          </a:lnRef>
+          <a:fillRef idx="1">
+            <a:schemeClr val="accent1"/>
+          </a:fillRef>
+          <a:effectRef idx="0">
+            <a:schemeClr val="accent1"/>
+          </a:effectRef>
+          <a:fontRef idx="minor">
+            <a:schemeClr val="lt1"/>
+          </a:fontRef>
+        </p:style>
+      </p:sp>
+      <p:sp>
+        <p:nvSpPr>
+          <p:cNvPr id="9" name="Rectangle 8"/>
+          <p:cNvSpPr/>
+          <p:nvPr/>
+        </p:nvSpPr>
+        <p:spPr>
+          <a:xfrm>
+            <a:off x="12" y="4915076"/>
+            <a:ext cx="9141619" cy="64008"/>
+          </a:xfrm>
+          <a:prstGeom prst="rect">
+            <a:avLst/>
+          </a:prstGeom>
+          <a:solidFill>
+            <a:schemeClr val="accent1"/>
+          </a:solidFill>
+          <a:ln>
+            <a:noFill/>
+          </a:ln>
+        </p:spPr>
+        <p:style>
+          <a:lnRef idx="2">
+            <a:schemeClr val="accent1">
+              <a:shade val="50000"/>
+            </a:schemeClr>
+          </a:lnRef>
+          <a:fillRef idx="1">
+            <a:schemeClr val="accent1"/>
+          </a:fillRef>
+          <a:effectRef idx="0">
+            <a:schemeClr val="accent1"/>
+          </a:effectRef>
+          <a:fontRef idx="minor">
+            <a:schemeClr val="lt1"/>
+          </a:fontRef>
+        </p:style>
+      </p:sp>
+      <p:sp>
+        <p:nvSpPr>
+          <p:cNvPr id="2" name="Title 1"/>
+          <p:cNvSpPr>
+            <a:spLocks noGrp="1"/>
+          </p:cNvSpPr>
+          <p:nvPr>
+            <p:ph type="title"/>
+          </p:nvPr>
+        </p:nvSpPr>
+        <p:spPr>
+          <a:xfrm>
+            <a:off x="822960" y="5074920"/>
+            <a:ext cx="7589520" cy="822960"/>
+          </a:xfrm>
+        </p:spPr>
+        <p:txBody>
+          <a:bodyPr tIns="0" bIns="0" anchor="b">
+            <a:noAutofit/>
+          </a:bodyPr>
+          <a:lstStyle>
+            <a:lvl1pPr>
+              <a:defRPr sz="3600" b="0">
+                <a:solidFill>
+                  <a:srgbClr val="FFFFFF"/>
+                </a:solidFill>
+              </a:defRPr>
+            </a:lvl1pPr>
+          </a:lstStyle>
+          <a:p>
+            <a:r>
+              <a:rPr lang="en-US"/>
+              <a:t>Click to edit Master title style</a:t>
+            </a:r>
+            <a:endParaRPr lang="en-US" dirty="0"/>
+          </a:p>
+        </p:txBody>
+      </p:sp>
+      <p:sp>
+        <p:nvSpPr>
+          <p:cNvPr id="3" name="Picture Placeholder 2"/>
+          <p:cNvSpPr>
+            <a:spLocks noGrp="1" noChangeAspect="1"/>
+          </p:cNvSpPr>
+          <p:nvPr>
+            <p:ph type="pic" idx="1"/>
+          </p:nvPr>
+        </p:nvSpPr>
+        <p:spPr>
+          <a:xfrm>
+            <a:off x="12" y="0"/>
+            <a:ext cx="9143989" cy="4915076"/>
+          </a:xfrm>
+          <a:blipFill>
+            <a:blip r:embed="rId2"/>
+            <a:stretch>
+              <a:fillRect/>
+            </a:stretch>
+          </a:blipFill>
+        </p:spPr>
+        <p:txBody>
+          <a:bodyPr lIns="457200" tIns="457200" anchor="t"/>
+          <a:lstStyle>
+            <a:lvl1pPr marL="0" indent="0">
+              <a:buNone/>
+              <a:defRPr sz="3200">
+                <a:solidFill>
+                  <a:schemeClr val="bg1"/>
+                </a:solidFill>
+              </a:defRPr>
+            </a:lvl1pPr>
+            <a:lvl2pPr marL="457200" indent="0">
+              <a:buNone/>
+              <a:defRPr sz="2800"/>
+            </a:lvl2pPr>
+            <a:lvl3pPr marL="914400" indent="0">
+              <a:buNone/>
+              <a:defRPr sz="2400"/>
+            </a:lvl3pPr>
+            <a:lvl4pPr marL="1371600" indent="0">
+              <a:buNone/>
+              <a:defRPr sz="2000"/>
+            </a:lvl4pPr>
+            <a:lvl5pPr marL="1828800" indent="0">
+              <a:buNone/>
+              <a:defRPr sz="2000"/>
+            </a:lvl5pPr>
+            <a:lvl6pPr marL="2286000" indent="0">
+              <a:buNone/>
+              <a:defRPr sz="2000"/>
+            </a:lvl6pPr>
+            <a:lvl7pPr marL="2743200" indent="0">
+              <a:buNone/>
+              <a:defRPr sz="2000"/>
+            </a:lvl7pPr>
+            <a:lvl8pPr marL="3200400" indent="0">
+              <a:buNone/>
+              <a:defRPr sz="2000"/>
+            </a:lvl8pPr>
+            <a:lvl9pPr marL="3657600" indent="0">
+              <a:buNone/>
+              <a:defRPr sz="2000"/>
+            </a:lvl9pPr>
+          </a:lstStyle>
+          <a:p>
+            <a:r>
+              <a:rPr lang="en-US"/>
+              <a:t>Click icon to add picture</a:t>
+            </a:r>
+            <a:endParaRPr lang="en-US" dirty="0"/>
+          </a:p>
+        </p:txBody>
+      </p:sp>
+      <p:sp>
+        <p:nvSpPr>
+          <p:cNvPr id="4" name="Text Placeholder 3"/>
+          <p:cNvSpPr>
+            <a:spLocks noGrp="1"/>
+          </p:cNvSpPr>
+          <p:nvPr>
+            <p:ph type="body" sz="half" idx="2"/>
+          </p:nvPr>
+        </p:nvSpPr>
+        <p:spPr>
+          <a:xfrm>
+            <a:off x="822959" y="5907024"/>
+            <a:ext cx="7589520" cy="594360"/>
+          </a:xfrm>
+        </p:spPr>
+        <p:txBody>
+          <a:bodyPr lIns="91440" tIns="0" rIns="91440" bIns="0">
+            <a:normAutofit/>
+          </a:bodyPr>
+          <a:lstStyle>
+            <a:lvl1pPr marL="0" indent="0">
+              <a:spcBef>
+                <a:spcPts val="0"/>
+              </a:spcBef>
+              <a:spcAft>
+                <a:spcPts val="600"/>
+              </a:spcAft>
+              <a:buNone/>
+              <a:defRPr sz="1500">
+                <a:solidFill>
+                  <a:srgbClr val="FFFFFF"/>
+                </a:solidFill>
+              </a:defRPr>
+            </a:lvl1pPr>
+            <a:lvl2pPr marL="457200" indent="0">
+              <a:buNone/>
+              <a:defRPr sz="1200"/>
+            </a:lvl2pPr>
+            <a:lvl3pPr marL="914400" indent="0">
+              <a:buNone/>
+              <a:defRPr sz="1000"/>
+            </a:lvl3pPr>
+            <a:lvl4pPr marL="1371600" indent="0">
+              <a:buNone/>
+              <a:defRPr sz="900"/>
+            </a:lvl4pPr>
+            <a:lvl5pPr marL="1828800" indent="0">
+              <a:buNone/>
+              <a:defRPr sz="900"/>
+            </a:lvl5pPr>
+            <a:lvl6pPr marL="2286000" indent="0">
+              <a:buNone/>
+              <a:defRPr sz="900"/>
+            </a:lvl6pPr>
+            <a:lvl7pPr marL="2743200" indent="0">
+              <a:buNone/>
+              <a:defRPr sz="900"/>
+            </a:lvl7pPr>
+            <a:lvl8pPr marL="3200400" indent="0">
+              <a:buNone/>
+              <a:defRPr sz="900"/>
+            </a:lvl8pPr>
+            <a:lvl9pPr marL="3657600" indent="0">
+              <a:buNone/>
+              <a:defRPr sz="900"/>
+            </a:lvl9pPr>
+          </a:lstStyle>
+          <a:p>
+            <a:pPr lvl="0"/>
+            <a:r>
+              <a:rPr lang="en-US"/>
+              <a:t>Edit Master text styles</a:t>
+            </a:r>
+          </a:p>
+        </p:txBody>
+      </p:sp>
+      <p:sp>
+        <p:nvSpPr>
+          <p:cNvPr id="5" name="Date Placeholder 4"/>
+          <p:cNvSpPr>
+            <a:spLocks noGrp="1"/>
+          </p:cNvSpPr>
+          <p:nvPr>
+            <p:ph type="dt" sz="half" idx="10"/>
+          </p:nvPr>
+        </p:nvSpPr>
+        <p:spPr/>
+        <p:txBody>
+          <a:bodyPr/>
+          <a:lstStyle/>
+          <a:p>
+            <a:fld id="{B0D194E6-C567-4CC2-9288-38345C40E2DF}" type="datetime1">
+              <a:rPr lang="en-US" smtClean="0"/>
+              <a:t>7/7/2016</a:t>
+            </a:fld>
+            <a:endParaRPr lang="en-US"/>
+          </a:p>
+        </p:txBody>
+      </p:sp>
+      <p:sp>
+        <p:nvSpPr>
+          <p:cNvPr id="6" name="Footer Placeholder 5"/>
+          <p:cNvSpPr>
+            <a:spLocks noGrp="1"/>
+          </p:cNvSpPr>
+          <p:nvPr>
+            <p:ph type="ftr" sz="quarter" idx="11"/>
+          </p:nvPr>
+        </p:nvSpPr>
+        <p:spPr/>
+        <p:txBody>
+          <a:bodyPr/>
+          <a:lstStyle/>
+          <a:p>
+            <a:r>
+              <a:rPr lang="en-US"/>
+              <a:t>© 2015 EV3Lessons.com, Last edit 7/06/2016</a:t>
+            </a:r>
+          </a:p>
+        </p:txBody>
+      </p:sp>
+      <p:sp>
+        <p:nvSpPr>
+          <p:cNvPr id="7" name="Slide Number Placeholder 6"/>
+          <p:cNvSpPr>
+            <a:spLocks noGrp="1"/>
+          </p:cNvSpPr>
+          <p:nvPr>
+            <p:ph type="sldNum" sz="quarter" idx="12"/>
+          </p:nvPr>
+        </p:nvSpPr>
+        <p:spPr/>
+        <p:txBody>
+          <a:bodyPr/>
+          <a:lstStyle/>
+          <a:p>
+            <a:fld id="{4382A7F7-08BF-4252-8141-63FB96055BBB}" type="slidenum">
+              <a:rPr lang="en-US" smtClean="0"/>
+              <a:t>‹#›</a:t>
+            </a:fld>
+            <a:endParaRPr lang="en-US"/>
+          </a:p>
+        </p:txBody>
+      </p:sp>
+    </p:spTree>
+    <p:extLst>
+      <p:ext uri="{BB962C8B-B14F-4D97-AF65-F5344CB8AC3E}">
+        <p14:creationId xmlns:p14="http://schemas.microsoft.com/office/powerpoint/2010/main" val="2400130800"/>
+      </p:ext>
+    </p:extLst>
+  </p:cSld>
+  <p:clrMapOvr>
+    <a:masterClrMapping/>
+  </p:clrMapOvr>
+</p:sldLayout>
+</file>
+
+<file path=ppt/slideLayouts/slideLayout21.xml><?xml version="1.0" encoding="utf-8"?>
+<p:sldLayout xmlns:a="http://schemas.openxmlformats.org/drawingml/2006/main" xmlns:r="http://schemas.openxmlformats.org/officeDocument/2006/relationships" xmlns:p="http://schemas.openxmlformats.org/presentationml/2006/main" type="vertTx" preserve="1">
+  <p:cSld name="Title and Vertical Text">
+    <p:spTree>
+      <p:nvGrpSpPr>
+        <p:cNvPr id="1" name=""/>
+        <p:cNvGrpSpPr/>
+        <p:nvPr/>
+      </p:nvGrpSpPr>
+      <p:grpSpPr>
+        <a:xfrm>
+          <a:off x="0" y="0"/>
+          <a:ext cx="0" cy="0"/>
+          <a:chOff x="0" y="0"/>
+          <a:chExt cx="0" cy="0"/>
+        </a:xfrm>
+      </p:grpSpPr>
+      <p:sp>
+        <p:nvSpPr>
+          <p:cNvPr id="2" name="Title 1"/>
+          <p:cNvSpPr>
+            <a:spLocks noGrp="1"/>
+          </p:cNvSpPr>
+          <p:nvPr>
+            <p:ph type="title"/>
+          </p:nvPr>
+        </p:nvSpPr>
+        <p:spPr/>
+        <p:txBody>
+          <a:bodyPr/>
+          <a:lstStyle/>
+          <a:p>
+            <a:r>
+              <a:rPr lang="en-US"/>
+              <a:t>Click to edit Master title style</a:t>
+            </a:r>
+            <a:endParaRPr lang="en-US" dirty="0"/>
+          </a:p>
+        </p:txBody>
+      </p:sp>
+      <p:sp>
+        <p:nvSpPr>
+          <p:cNvPr id="3" name="Vertical Text Placeholder 2"/>
+          <p:cNvSpPr>
+            <a:spLocks noGrp="1"/>
+          </p:cNvSpPr>
+          <p:nvPr>
+            <p:ph type="body" orient="vert" idx="1"/>
+          </p:nvPr>
+        </p:nvSpPr>
+        <p:spPr/>
+        <p:txBody>
+          <a:bodyPr vert="eaVert" lIns="45720" tIns="0" rIns="45720" bIns="0"/>
+          <a:lstStyle/>
+          <a:p>
+            <a:pPr lvl="0"/>
+            <a:r>
+              <a:rPr lang="en-US"/>
+              <a:t>Edit Master text styles</a:t>
+            </a:r>
+          </a:p>
+          <a:p>
+            <a:pPr lvl="1"/>
+            <a:r>
+              <a:rPr lang="en-US"/>
+              <a:t>Second level</a:t>
+            </a:r>
+          </a:p>
+          <a:p>
+            <a:pPr lvl="2"/>
+            <a:r>
+              <a:rPr lang="en-US"/>
+              <a:t>Third level</a:t>
+            </a:r>
+          </a:p>
+          <a:p>
+            <a:pPr lvl="3"/>
+            <a:r>
+              <a:rPr lang="en-US"/>
+              <a:t>Fourth level</a:t>
+            </a:r>
+          </a:p>
+          <a:p>
+            <a:pPr lvl="4"/>
+            <a:r>
+              <a:rPr lang="en-US"/>
+              <a:t>Fifth level</a:t>
+            </a:r>
+            <a:endParaRPr lang="en-US" dirty="0"/>
+          </a:p>
+        </p:txBody>
+      </p:sp>
+      <p:sp>
+        <p:nvSpPr>
+          <p:cNvPr id="4" name="Date Placeholder 3"/>
+          <p:cNvSpPr>
+            <a:spLocks noGrp="1"/>
+          </p:cNvSpPr>
+          <p:nvPr>
+            <p:ph type="dt" sz="half" idx="10"/>
+          </p:nvPr>
+        </p:nvSpPr>
+        <p:spPr/>
+        <p:txBody>
+          <a:bodyPr/>
+          <a:lstStyle/>
+          <a:p>
+            <a:fld id="{519B48D9-2FBA-4689-BEDC-11B5A6C603A5}" type="datetime1">
+              <a:rPr lang="en-US" smtClean="0"/>
+              <a:t>7/7/2016</a:t>
+            </a:fld>
+            <a:endParaRPr lang="en-US"/>
+          </a:p>
+        </p:txBody>
+      </p:sp>
+      <p:sp>
+        <p:nvSpPr>
+          <p:cNvPr id="5" name="Footer Placeholder 4"/>
+          <p:cNvSpPr>
+            <a:spLocks noGrp="1"/>
+          </p:cNvSpPr>
+          <p:nvPr>
+            <p:ph type="ftr" sz="quarter" idx="11"/>
+          </p:nvPr>
+        </p:nvSpPr>
+        <p:spPr/>
+        <p:txBody>
+          <a:bodyPr/>
+          <a:lstStyle/>
+          <a:p>
+            <a:r>
+              <a:rPr lang="en-US"/>
+              <a:t>© 2015 EV3Lessons.com, Last edit 7/06/2016</a:t>
+            </a:r>
+          </a:p>
+        </p:txBody>
+      </p:sp>
+      <p:sp>
+        <p:nvSpPr>
+          <p:cNvPr id="6" name="Slide Number Placeholder 5"/>
+          <p:cNvSpPr>
+            <a:spLocks noGrp="1"/>
+          </p:cNvSpPr>
+          <p:nvPr>
+            <p:ph type="sldNum" sz="quarter" idx="12"/>
+          </p:nvPr>
+        </p:nvSpPr>
+        <p:spPr/>
+        <p:txBody>
+          <a:bodyPr/>
+          <a:lstStyle/>
+          <a:p>
+            <a:fld id="{4382A7F7-08BF-4252-8141-63FB96055BBB}" type="slidenum">
+              <a:rPr lang="en-US" smtClean="0"/>
+              <a:t>‹#›</a:t>
+            </a:fld>
+            <a:endParaRPr lang="en-US"/>
+          </a:p>
+        </p:txBody>
+      </p:sp>
+    </p:spTree>
+    <p:extLst>
+      <p:ext uri="{BB962C8B-B14F-4D97-AF65-F5344CB8AC3E}">
+        <p14:creationId xmlns:p14="http://schemas.microsoft.com/office/powerpoint/2010/main" val="1877420112"/>
+      </p:ext>
+    </p:extLst>
+  </p:cSld>
+  <p:clrMapOvr>
+    <a:masterClrMapping/>
+  </p:clrMapOvr>
+</p:sldLayout>
+</file>
+
+<file path=ppt/slideLayouts/slideLayout22.xml><?xml version="1.0" encoding="utf-8"?>
+<p:sldLayout xmlns:a="http://schemas.openxmlformats.org/drawingml/2006/main" xmlns:r="http://schemas.openxmlformats.org/officeDocument/2006/relationships" xmlns:p="http://schemas.openxmlformats.org/presentationml/2006/main" showMasterSp="0" type="vertTitleAndTx" preserve="1">
+  <p:cSld name="Vertical Title and Text">
+    <p:spTree>
+      <p:nvGrpSpPr>
+        <p:cNvPr id="1" name=""/>
+        <p:cNvGrpSpPr/>
+        <p:nvPr/>
+      </p:nvGrpSpPr>
+      <p:grpSpPr>
+        <a:xfrm>
+          <a:off x="0" y="0"/>
+          <a:ext cx="0" cy="0"/>
+          <a:chOff x="0" y="0"/>
+          <a:chExt cx="0" cy="0"/>
+        </a:xfrm>
+      </p:grpSpPr>
+      <p:sp>
+        <p:nvSpPr>
+          <p:cNvPr id="7" name="Rectangle 6"/>
+          <p:cNvSpPr/>
+          <p:nvPr/>
+        </p:nvSpPr>
+        <p:spPr>
+          <a:xfrm>
+            <a:off x="2382" y="6400800"/>
+            <a:ext cx="9141619" cy="457200"/>
+          </a:xfrm>
+          <a:prstGeom prst="rect">
+            <a:avLst/>
+          </a:prstGeom>
+          <a:solidFill>
+            <a:schemeClr val="accent2"/>
+          </a:solidFill>
+          <a:ln>
+            <a:noFill/>
+          </a:ln>
+        </p:spPr>
+        <p:style>
+          <a:lnRef idx="2">
+            <a:schemeClr val="accent1">
+              <a:shade val="50000"/>
+            </a:schemeClr>
+          </a:lnRef>
+          <a:fillRef idx="1">
+            <a:schemeClr val="accent1"/>
+          </a:fillRef>
+          <a:effectRef idx="0">
+            <a:schemeClr val="accent1"/>
+          </a:effectRef>
+          <a:fontRef idx="minor">
+            <a:schemeClr val="lt1"/>
+          </a:fontRef>
+        </p:style>
+      </p:sp>
+      <p:sp>
+        <p:nvSpPr>
+          <p:cNvPr id="8" name="Rectangle 7"/>
+          <p:cNvSpPr/>
+          <p:nvPr/>
+        </p:nvSpPr>
+        <p:spPr>
+          <a:xfrm>
+            <a:off x="12" y="6334316"/>
+            <a:ext cx="9141619" cy="64008"/>
+          </a:xfrm>
+          <a:prstGeom prst="rect">
+            <a:avLst/>
+          </a:prstGeom>
+          <a:solidFill>
+            <a:schemeClr val="accent1"/>
+          </a:solidFill>
+          <a:ln>
+            <a:noFill/>
+          </a:ln>
+        </p:spPr>
+        <p:style>
+          <a:lnRef idx="2">
+            <a:schemeClr val="accent1">
+              <a:shade val="50000"/>
+            </a:schemeClr>
+          </a:lnRef>
+          <a:fillRef idx="1">
+            <a:schemeClr val="accent1"/>
+          </a:fillRef>
+          <a:effectRef idx="0">
+            <a:schemeClr val="accent1"/>
+          </a:effectRef>
+          <a:fontRef idx="minor">
+            <a:schemeClr val="lt1"/>
+          </a:fontRef>
+        </p:style>
+      </p:sp>
+      <p:sp>
+        <p:nvSpPr>
+          <p:cNvPr id="2" name="Vertical Title 1"/>
+          <p:cNvSpPr>
+            <a:spLocks noGrp="1"/>
+          </p:cNvSpPr>
+          <p:nvPr>
+            <p:ph type="title" orient="vert"/>
+          </p:nvPr>
+        </p:nvSpPr>
+        <p:spPr>
+          <a:xfrm>
+            <a:off x="6543675" y="414779"/>
+            <a:ext cx="1971675" cy="5757421"/>
+          </a:xfrm>
+        </p:spPr>
+        <p:txBody>
+          <a:bodyPr vert="eaVert"/>
+          <a:lstStyle/>
+          <a:p>
+            <a:r>
+              <a:rPr lang="en-US"/>
+              <a:t>Click to edit Master title style</a:t>
+            </a:r>
+            <a:endParaRPr lang="en-US" dirty="0"/>
+          </a:p>
+        </p:txBody>
+      </p:sp>
+      <p:sp>
+        <p:nvSpPr>
+          <p:cNvPr id="3" name="Vertical Text Placeholder 2"/>
+          <p:cNvSpPr>
+            <a:spLocks noGrp="1"/>
+          </p:cNvSpPr>
+          <p:nvPr>
+            <p:ph type="body" orient="vert" idx="1"/>
+          </p:nvPr>
+        </p:nvSpPr>
+        <p:spPr>
+          <a:xfrm>
+            <a:off x="628650" y="414779"/>
+            <a:ext cx="5800725" cy="5757420"/>
+          </a:xfrm>
+        </p:spPr>
+        <p:txBody>
+          <a:bodyPr vert="eaVert" lIns="45720" tIns="0" rIns="45720" bIns="0"/>
+          <a:lstStyle/>
+          <a:p>
+            <a:pPr lvl="0"/>
+            <a:r>
+              <a:rPr lang="en-US"/>
+              <a:t>Edit Master text styles</a:t>
+            </a:r>
+          </a:p>
+          <a:p>
+            <a:pPr lvl="1"/>
+            <a:r>
+              <a:rPr lang="en-US"/>
+              <a:t>Second level</a:t>
+            </a:r>
+          </a:p>
+          <a:p>
+            <a:pPr lvl="2"/>
+            <a:r>
+              <a:rPr lang="en-US"/>
+              <a:t>Third level</a:t>
+            </a:r>
+          </a:p>
+          <a:p>
+            <a:pPr lvl="3"/>
+            <a:r>
+              <a:rPr lang="en-US"/>
+              <a:t>Fourth level</a:t>
+            </a:r>
+          </a:p>
+          <a:p>
+            <a:pPr lvl="4"/>
+            <a:r>
+              <a:rPr lang="en-US"/>
+              <a:t>Fifth level</a:t>
+            </a:r>
+            <a:endParaRPr lang="en-US" dirty="0"/>
+          </a:p>
+        </p:txBody>
+      </p:sp>
+      <p:sp>
+        <p:nvSpPr>
+          <p:cNvPr id="4" name="Date Placeholder 3"/>
+          <p:cNvSpPr>
+            <a:spLocks noGrp="1"/>
+          </p:cNvSpPr>
+          <p:nvPr>
+            <p:ph type="dt" sz="half" idx="10"/>
+          </p:nvPr>
+        </p:nvSpPr>
+        <p:spPr/>
+        <p:txBody>
+          <a:bodyPr/>
+          <a:lstStyle/>
+          <a:p>
+            <a:fld id="{D60533F8-064E-430D-91C7-9D62252EBB2F}" type="datetime1">
+              <a:rPr lang="en-US" smtClean="0"/>
+              <a:t>7/7/2016</a:t>
+            </a:fld>
+            <a:endParaRPr lang="en-US"/>
+          </a:p>
+        </p:txBody>
+      </p:sp>
+      <p:sp>
+        <p:nvSpPr>
+          <p:cNvPr id="5" name="Footer Placeholder 4"/>
+          <p:cNvSpPr>
+            <a:spLocks noGrp="1"/>
+          </p:cNvSpPr>
+          <p:nvPr>
+            <p:ph type="ftr" sz="quarter" idx="11"/>
+          </p:nvPr>
+        </p:nvSpPr>
+        <p:spPr/>
+        <p:txBody>
+          <a:bodyPr/>
+          <a:lstStyle/>
+          <a:p>
+            <a:r>
+              <a:rPr lang="en-US"/>
+              <a:t>© 2015 EV3Lessons.com, Last edit 7/06/2016</a:t>
+            </a:r>
+          </a:p>
+        </p:txBody>
+      </p:sp>
+      <p:sp>
+        <p:nvSpPr>
+          <p:cNvPr id="6" name="Slide Number Placeholder 5"/>
+          <p:cNvSpPr>
+            <a:spLocks noGrp="1"/>
+          </p:cNvSpPr>
+          <p:nvPr>
+            <p:ph type="sldNum" sz="quarter" idx="12"/>
+          </p:nvPr>
+        </p:nvSpPr>
+        <p:spPr/>
+        <p:txBody>
+          <a:bodyPr/>
+          <a:lstStyle/>
+          <a:p>
+            <a:fld id="{4382A7F7-08BF-4252-8141-63FB96055BBB}" type="slidenum">
+              <a:rPr lang="en-US" smtClean="0"/>
+              <a:t>‹#›</a:t>
+            </a:fld>
+            <a:endParaRPr lang="en-US"/>
+          </a:p>
+        </p:txBody>
+      </p:sp>
+    </p:spTree>
+    <p:extLst>
+      <p:ext uri="{BB962C8B-B14F-4D97-AF65-F5344CB8AC3E}">
+        <p14:creationId xmlns:p14="http://schemas.microsoft.com/office/powerpoint/2010/main" val="240735797"/>
       </p:ext>
     </p:extLst>
   </p:cSld>
@@ -2046,7 +5214,7 @@
           </a:lstStyle>
           <a:p>
             <a:r>
-              <a:rPr lang="en-US" smtClean="0"/>
+              <a:rPr lang="en-US"/>
               <a:t>Click to edit Master title style</a:t>
             </a:r>
             <a:endParaRPr lang="en-US" dirty="0"/>
@@ -2167,7 +5335,7 @@
           <a:p>
             <a:pPr lvl="0"/>
             <a:r>
-              <a:rPr lang="en-US" smtClean="0"/>
+              <a:rPr lang="en-US"/>
               <a:t>Click to edit Master text styles</a:t>
             </a:r>
           </a:p>
@@ -2188,9 +5356,9 @@
           <a:bodyPr/>
           <a:lstStyle/>
           <a:p>
-            <a:fld id="{719062A6-538C-914A-A4D7-9D77EAAE33AB}" type="datetime1">
+            <a:fld id="{ADEC8848-E2E0-45D4-BDFE-05A719DE03F5}" type="datetime1">
               <a:rPr lang="en-US" smtClean="0"/>
-              <a:t>11/13/15</a:t>
+              <a:t>7/7/2016</a:t>
             </a:fld>
             <a:endParaRPr lang="en-US"/>
           </a:p>
@@ -2212,10 +5380,9 @@
           <a:lstStyle/>
           <a:p>
             <a:r>
-              <a:rPr lang="sk-SK" smtClean="0"/>
-              <a:t>© 2015 EV3Lessons.com, Last edit 11/13/2015</a:t>
-            </a:r>
-            <a:endParaRPr lang="en-US"/>
+              <a:rPr lang="en-US"/>
+              <a:t>© 2015 EV3Lessons.com, Last edit 7/06/2016</a:t>
+            </a:r>
           </a:p>
         </p:txBody>
       </p:sp>
@@ -2331,7 +5498,7 @@
           <a:lstStyle/>
           <a:p>
             <a:r>
-              <a:rPr lang="en-US" smtClean="0"/>
+              <a:rPr lang="en-US"/>
               <a:t>Click to edit Master title style</a:t>
             </a:r>
             <a:endParaRPr lang="en-US" dirty="0"/>
@@ -2360,35 +5527,35 @@
           <a:p>
             <a:pPr lvl="0"/>
             <a:r>
-              <a:rPr lang="en-US" smtClean="0"/>
+              <a:rPr lang="en-US"/>
               <a:t>Click to edit Master text styles</a:t>
             </a:r>
           </a:p>
           <a:p>
             <a:pPr lvl="1"/>
             <a:r>
-              <a:rPr lang="en-US" smtClean="0"/>
+              <a:rPr lang="en-US"/>
               <a:t>Second level</a:t>
             </a:r>
           </a:p>
           <a:p>
             <a:pPr lvl="2"/>
             <a:r>
-              <a:rPr lang="en-US" smtClean="0"/>
+              <a:rPr lang="en-US"/>
               <a:t>Third level</a:t>
             </a:r>
           </a:p>
           <a:p>
             <a:pPr lvl="3"/>
             <a:r>
-              <a:rPr lang="en-US" smtClean="0"/>
+              <a:rPr lang="en-US"/>
               <a:t>Fourth level</a:t>
             </a:r>
           </a:p>
           <a:p>
             <a:pPr lvl="4"/>
             <a:r>
-              <a:rPr lang="en-US" smtClean="0"/>
+              <a:rPr lang="en-US"/>
               <a:t>Fifth level</a:t>
             </a:r>
             <a:endParaRPr lang="en-US" dirty="0"/>
@@ -2417,35 +5584,35 @@
           <a:p>
             <a:pPr lvl="0"/>
             <a:r>
-              <a:rPr lang="en-US" smtClean="0"/>
+              <a:rPr lang="en-US"/>
               <a:t>Click to edit Master text styles</a:t>
             </a:r>
           </a:p>
           <a:p>
             <a:pPr lvl="1"/>
             <a:r>
-              <a:rPr lang="en-US" smtClean="0"/>
+              <a:rPr lang="en-US"/>
               <a:t>Second level</a:t>
             </a:r>
           </a:p>
           <a:p>
             <a:pPr lvl="2"/>
             <a:r>
-              <a:rPr lang="en-US" smtClean="0"/>
+              <a:rPr lang="en-US"/>
               <a:t>Third level</a:t>
             </a:r>
           </a:p>
           <a:p>
             <a:pPr lvl="3"/>
             <a:r>
-              <a:rPr lang="en-US" smtClean="0"/>
+              <a:rPr lang="en-US"/>
               <a:t>Fourth level</a:t>
             </a:r>
           </a:p>
           <a:p>
             <a:pPr lvl="4"/>
             <a:r>
-              <a:rPr lang="en-US" smtClean="0"/>
+              <a:rPr lang="en-US"/>
               <a:t>Fifth level</a:t>
             </a:r>
             <a:endParaRPr lang="en-US" dirty="0"/>
@@ -2467,9 +5634,9 @@
           <a:bodyPr/>
           <a:lstStyle/>
           <a:p>
-            <a:fld id="{FBA86DE5-4727-3C44-A125-458AC819E1C1}" type="datetime1">
+            <a:fld id="{220B05B8-E255-4E34-8AEF-52E0081CE81B}" type="datetime1">
               <a:rPr lang="en-US" smtClean="0"/>
-              <a:t>11/13/15</a:t>
+              <a:t>7/7/2016</a:t>
             </a:fld>
             <a:endParaRPr lang="en-US"/>
           </a:p>
@@ -2490,6 +5657,10 @@
           <a:bodyPr/>
           <a:lstStyle/>
           <a:p>
+            <a:r>
+              <a:rPr lang="en-US"/>
+              <a:t>© 2015 EV3Lessons.com, Last edit 7/06/2016</a:t>
+            </a:r>
             <a:endParaRPr lang="en-US" dirty="0"/>
           </a:p>
         </p:txBody>
@@ -2568,7 +5739,7 @@
           <a:lstStyle/>
           <a:p>
             <a:r>
-              <a:rPr lang="en-US" smtClean="0"/>
+              <a:rPr lang="en-US"/>
               <a:t>Click to edit Master title style</a:t>
             </a:r>
             <a:endParaRPr lang="en-US" dirty="0"/>
@@ -2640,7 +5811,7 @@
           <a:p>
             <a:pPr lvl="0"/>
             <a:r>
-              <a:rPr lang="en-US" smtClean="0"/>
+              <a:rPr lang="en-US"/>
               <a:t>Click to edit Master text styles</a:t>
             </a:r>
           </a:p>
@@ -2668,35 +5839,35 @@
           <a:p>
             <a:pPr lvl="0"/>
             <a:r>
-              <a:rPr lang="en-US" smtClean="0"/>
+              <a:rPr lang="en-US"/>
               <a:t>Click to edit Master text styles</a:t>
             </a:r>
           </a:p>
           <a:p>
             <a:pPr lvl="1"/>
             <a:r>
-              <a:rPr lang="en-US" smtClean="0"/>
+              <a:rPr lang="en-US"/>
               <a:t>Second level</a:t>
             </a:r>
           </a:p>
           <a:p>
             <a:pPr lvl="2"/>
             <a:r>
-              <a:rPr lang="en-US" smtClean="0"/>
+              <a:rPr lang="en-US"/>
               <a:t>Third level</a:t>
             </a:r>
           </a:p>
           <a:p>
             <a:pPr lvl="3"/>
             <a:r>
-              <a:rPr lang="en-US" smtClean="0"/>
+              <a:rPr lang="en-US"/>
               <a:t>Fourth level</a:t>
             </a:r>
           </a:p>
           <a:p>
             <a:pPr lvl="4"/>
             <a:r>
-              <a:rPr lang="en-US" smtClean="0"/>
+              <a:rPr lang="en-US"/>
               <a:t>Fifth level</a:t>
             </a:r>
             <a:endParaRPr lang="en-US" dirty="0"/>
@@ -2768,7 +5939,7 @@
           <a:p>
             <a:pPr lvl="0"/>
             <a:r>
-              <a:rPr lang="en-US" smtClean="0"/>
+              <a:rPr lang="en-US"/>
               <a:t>Click to edit Master text styles</a:t>
             </a:r>
           </a:p>
@@ -2796,35 +5967,35 @@
           <a:p>
             <a:pPr lvl="0"/>
             <a:r>
-              <a:rPr lang="en-US" smtClean="0"/>
+              <a:rPr lang="en-US"/>
               <a:t>Click to edit Master text styles</a:t>
             </a:r>
           </a:p>
           <a:p>
             <a:pPr lvl="1"/>
             <a:r>
-              <a:rPr lang="en-US" smtClean="0"/>
+              <a:rPr lang="en-US"/>
               <a:t>Second level</a:t>
             </a:r>
           </a:p>
           <a:p>
             <a:pPr lvl="2"/>
             <a:r>
-              <a:rPr lang="en-US" smtClean="0"/>
+              <a:rPr lang="en-US"/>
               <a:t>Third level</a:t>
             </a:r>
           </a:p>
           <a:p>
             <a:pPr lvl="3"/>
             <a:r>
-              <a:rPr lang="en-US" smtClean="0"/>
+              <a:rPr lang="en-US"/>
               <a:t>Fourth level</a:t>
             </a:r>
           </a:p>
           <a:p>
             <a:pPr lvl="4"/>
             <a:r>
-              <a:rPr lang="en-US" smtClean="0"/>
+              <a:rPr lang="en-US"/>
               <a:t>Fifth level</a:t>
             </a:r>
             <a:endParaRPr lang="en-US" dirty="0"/>
@@ -2846,9 +6017,9 @@
           <a:bodyPr/>
           <a:lstStyle/>
           <a:p>
-            <a:fld id="{18F252B0-687D-184F-B682-0021640A5D63}" type="datetime1">
+            <a:fld id="{03003423-8130-4580-9EE0-45293D61E979}" type="datetime1">
               <a:rPr lang="en-US" smtClean="0"/>
-              <a:t>11/13/15</a:t>
+              <a:t>7/7/2016</a:t>
             </a:fld>
             <a:endParaRPr lang="en-US"/>
           </a:p>
@@ -2870,10 +6041,9 @@
           <a:lstStyle/>
           <a:p>
             <a:r>
-              <a:rPr lang="sk-SK" smtClean="0"/>
-              <a:t>© 2015 EV3Lessons.com, Last edit 11/13/2015</a:t>
-            </a:r>
-            <a:endParaRPr lang="en-US"/>
+              <a:rPr lang="en-US"/>
+              <a:t>© 2015 EV3Lessons.com, Last edit 7/06/2016</a:t>
+            </a:r>
           </a:p>
         </p:txBody>
       </p:sp>
@@ -2946,7 +6116,7 @@
           <a:lstStyle/>
           <a:p>
             <a:r>
-              <a:rPr lang="en-US" smtClean="0"/>
+              <a:rPr lang="en-US"/>
               <a:t>Click to edit Master title style</a:t>
             </a:r>
             <a:endParaRPr lang="en-US" dirty="0"/>
@@ -2968,9 +6138,9 @@
           <a:bodyPr/>
           <a:lstStyle/>
           <a:p>
-            <a:fld id="{3457AD7A-12C8-EA48-9011-B2F46261DD98}" type="datetime1">
+            <a:fld id="{BBCF2426-3456-4AA8-9F9E-3B6A1B4624B1}" type="datetime1">
               <a:rPr lang="en-US" smtClean="0"/>
-              <a:t>11/13/15</a:t>
+              <a:t>7/7/2016</a:t>
             </a:fld>
             <a:endParaRPr lang="en-US"/>
           </a:p>
@@ -2992,10 +6162,9 @@
           <a:lstStyle/>
           <a:p>
             <a:r>
-              <a:rPr lang="sk-SK" smtClean="0"/>
-              <a:t>© 2015 EV3Lessons.com, Last edit 11/13/2015</a:t>
-            </a:r>
-            <a:endParaRPr lang="en-US"/>
+              <a:rPr lang="en-US"/>
+              <a:t>© 2015 EV3Lessons.com, Last edit 7/06/2016</a:t>
+            </a:r>
           </a:p>
         </p:txBody>
       </p:sp>
@@ -3143,9 +6312,9 @@
           <a:bodyPr/>
           <a:lstStyle/>
           <a:p>
-            <a:fld id="{77D3C5C7-2346-9A49-8660-921460E2744B}" type="datetime1">
+            <a:fld id="{A6BE05C9-0B84-4D0D-90DD-ADFFC030334A}" type="datetime1">
               <a:rPr lang="en-US" smtClean="0"/>
-              <a:t>11/13/15</a:t>
+              <a:t>7/7/2016</a:t>
             </a:fld>
             <a:endParaRPr lang="en-US"/>
           </a:p>
@@ -3175,10 +6344,9 @@
           </a:lstStyle>
           <a:p>
             <a:r>
-              <a:rPr lang="sk-SK" smtClean="0"/>
-              <a:t>© 2015 EV3Lessons.com, Last edit 11/13/2015</a:t>
-            </a:r>
-            <a:endParaRPr lang="en-US"/>
+              <a:rPr lang="en-US"/>
+              <a:t>© 2015 EV3Lessons.com, Last edit 7/06/2016</a:t>
+            </a:r>
           </a:p>
         </p:txBody>
       </p:sp>
@@ -3342,7 +6510,7 @@
           </a:lstStyle>
           <a:p>
             <a:r>
-              <a:rPr lang="en-US" smtClean="0"/>
+              <a:rPr lang="en-US"/>
               <a:t>Click to edit Master title style</a:t>
             </a:r>
             <a:endParaRPr lang="en-US" dirty="0"/>
@@ -3371,35 +6539,35 @@
           <a:p>
             <a:pPr lvl="0"/>
             <a:r>
-              <a:rPr lang="en-US" smtClean="0"/>
+              <a:rPr lang="en-US"/>
               <a:t>Click to edit Master text styles</a:t>
             </a:r>
           </a:p>
           <a:p>
             <a:pPr lvl="1"/>
             <a:r>
-              <a:rPr lang="en-US" smtClean="0"/>
+              <a:rPr lang="en-US"/>
               <a:t>Second level</a:t>
             </a:r>
           </a:p>
           <a:p>
             <a:pPr lvl="2"/>
             <a:r>
-              <a:rPr lang="en-US" smtClean="0"/>
+              <a:rPr lang="en-US"/>
               <a:t>Third level</a:t>
             </a:r>
           </a:p>
           <a:p>
             <a:pPr lvl="3"/>
             <a:r>
-              <a:rPr lang="en-US" smtClean="0"/>
+              <a:rPr lang="en-US"/>
               <a:t>Fourth level</a:t>
             </a:r>
           </a:p>
           <a:p>
             <a:pPr lvl="4"/>
             <a:r>
-              <a:rPr lang="en-US" smtClean="0"/>
+              <a:rPr lang="en-US"/>
               <a:t>Fifth level</a:t>
             </a:r>
             <a:endParaRPr lang="en-US" dirty="0"/>
@@ -3471,7 +6639,7 @@
           <a:p>
             <a:pPr lvl="0"/>
             <a:r>
-              <a:rPr lang="en-US" smtClean="0"/>
+              <a:rPr lang="en-US"/>
               <a:t>Click to edit Master text styles</a:t>
             </a:r>
           </a:p>
@@ -3501,9 +6669,9 @@
             </a:lvl1pPr>
           </a:lstStyle>
           <a:p>
-            <a:fld id="{E5A27797-1683-ED47-A74A-6DEBEDA39DC8}" type="datetime1">
+            <a:fld id="{AFC16D11-3E2D-4A94-B872-9A66EAD039A0}" type="datetime1">
               <a:rPr lang="en-US" smtClean="0"/>
-              <a:t>11/13/15</a:t>
+              <a:t>7/7/2016</a:t>
             </a:fld>
             <a:endParaRPr lang="en-US"/>
           </a:p>
@@ -3538,10 +6706,9 @@
           </a:lstStyle>
           <a:p>
             <a:r>
-              <a:rPr lang="sk-SK" smtClean="0"/>
-              <a:t>© 2015 EV3Lessons.com, Last edit 11/13/2015</a:t>
-            </a:r>
-            <a:endParaRPr lang="en-US"/>
+              <a:rPr lang="en-US"/>
+              <a:t>© 2015 EV3Lessons.com, Last edit 7/06/2016</a:t>
+            </a:r>
           </a:p>
         </p:txBody>
       </p:sp>
@@ -3713,7 +6880,7 @@
           </a:lstStyle>
           <a:p>
             <a:r>
-              <a:rPr lang="en-US" smtClean="0"/>
+              <a:rPr lang="en-US"/>
               <a:t>Click to edit Master title style</a:t>
             </a:r>
             <a:endParaRPr lang="en-US" dirty="0"/>
@@ -3788,7 +6955,7 @@
           </a:lstStyle>
           <a:p>
             <a:r>
-              <a:rPr lang="en-US" smtClean="0"/>
+              <a:rPr lang="en-US"/>
               <a:t>Drag picture to placeholder or click icon to add</a:t>
             </a:r>
             <a:endParaRPr lang="en-US" dirty="0"/>
@@ -3866,7 +7033,7 @@
           <a:p>
             <a:pPr lvl="0"/>
             <a:r>
-              <a:rPr lang="en-US" smtClean="0"/>
+              <a:rPr lang="en-US"/>
               <a:t>Click to edit Master text styles</a:t>
             </a:r>
           </a:p>
@@ -3887,9 +7054,9 @@
           <a:bodyPr/>
           <a:lstStyle/>
           <a:p>
-            <a:fld id="{9F9CFCDA-76FF-C942-8304-6FF0EF7EF019}" type="datetime1">
+            <a:fld id="{C5FD56A7-1793-4EE9-89A2-56412202B94F}" type="datetime1">
               <a:rPr lang="en-US" smtClean="0"/>
-              <a:t>11/13/15</a:t>
+              <a:t>7/7/2016</a:t>
             </a:fld>
             <a:endParaRPr lang="en-US"/>
           </a:p>
@@ -3911,10 +7078,9 @@
           <a:lstStyle/>
           <a:p>
             <a:r>
-              <a:rPr lang="sk-SK" smtClean="0"/>
-              <a:t>© 2015 EV3Lessons.com, Last edit 11/13/2015</a:t>
-            </a:r>
-            <a:endParaRPr lang="en-US"/>
+              <a:rPr lang="en-US"/>
+              <a:t>© 2015 EV3Lessons.com, Last edit 7/06/2016</a:t>
+            </a:r>
           </a:p>
         </p:txBody>
       </p:sp>
@@ -4080,7 +7246,7 @@
           <a:lstStyle/>
           <a:p>
             <a:r>
-              <a:rPr lang="en-US" smtClean="0"/>
+              <a:rPr lang="en-US"/>
               <a:t>Click to edit Master title style</a:t>
             </a:r>
             <a:endParaRPr lang="en-US" dirty="0"/>
@@ -4114,35 +7280,35 @@
           <a:p>
             <a:pPr lvl="0"/>
             <a:r>
-              <a:rPr lang="en-US" smtClean="0"/>
+              <a:rPr lang="en-US"/>
               <a:t>Click to edit Master text styles</a:t>
             </a:r>
           </a:p>
           <a:p>
             <a:pPr lvl="1"/>
             <a:r>
-              <a:rPr lang="en-US" smtClean="0"/>
+              <a:rPr lang="en-US"/>
               <a:t>Second level</a:t>
             </a:r>
           </a:p>
           <a:p>
             <a:pPr lvl="2"/>
             <a:r>
-              <a:rPr lang="en-US" smtClean="0"/>
+              <a:rPr lang="en-US"/>
               <a:t>Third level</a:t>
             </a:r>
           </a:p>
           <a:p>
             <a:pPr lvl="3"/>
             <a:r>
-              <a:rPr lang="en-US" smtClean="0"/>
+              <a:rPr lang="en-US"/>
               <a:t>Fourth level</a:t>
             </a:r>
           </a:p>
           <a:p>
             <a:pPr lvl="4"/>
             <a:r>
-              <a:rPr lang="en-US" smtClean="0"/>
+              <a:rPr lang="en-US"/>
               <a:t>Fifth level</a:t>
             </a:r>
             <a:endParaRPr lang="en-US" dirty="0"/>
@@ -4180,9 +7346,9 @@
             </a:lvl1pPr>
           </a:lstStyle>
           <a:p>
-            <a:fld id="{0604F77D-FCB8-A946-86A9-D14BD65D0D3D}" type="datetime1">
+            <a:fld id="{D502D15A-A923-4405-822D-3AC4F3AE88BE}" type="datetime1">
               <a:rPr lang="en-US" smtClean="0"/>
-              <a:t>11/13/15</a:t>
+              <a:t>7/7/2016</a:t>
             </a:fld>
             <a:endParaRPr lang="en-US" dirty="0"/>
           </a:p>
@@ -4220,8 +7386,8 @@
           </a:lstStyle>
           <a:p>
             <a:r>
-              <a:rPr lang="sk-SK" smtClean="0"/>
-              <a:t>© 2015 EV3Lessons.com, Last edit 11/13/2015</a:t>
+              <a:rPr lang="en-US"/>
+              <a:t>© 2015 EV3Lessons.com, Last edit 7/06/2016</a:t>
             </a:r>
             <a:endParaRPr lang="en-US" dirty="0"/>
           </a:p>
@@ -4732,6 +7898,822 @@
 </p:sldMaster>
 </file>
 
+<file path=ppt/slideMasters/slideMaster2.xml><?xml version="1.0" encoding="utf-8"?>
+<p:sldMaster xmlns:a="http://schemas.openxmlformats.org/drawingml/2006/main" xmlns:r="http://schemas.openxmlformats.org/officeDocument/2006/relationships" xmlns:p="http://schemas.openxmlformats.org/presentationml/2006/main" preserve="1">
+  <p:cSld>
+    <p:bg>
+      <p:bgRef idx="1001">
+        <a:schemeClr val="bg1"/>
+      </p:bgRef>
+    </p:bg>
+    <p:spTree>
+      <p:nvGrpSpPr>
+        <p:cNvPr id="1" name=""/>
+        <p:cNvGrpSpPr/>
+        <p:nvPr/>
+      </p:nvGrpSpPr>
+      <p:grpSpPr>
+        <a:xfrm>
+          <a:off x="0" y="0"/>
+          <a:ext cx="0" cy="0"/>
+          <a:chOff x="0" y="0"/>
+          <a:chExt cx="0" cy="0"/>
+        </a:xfrm>
+      </p:grpSpPr>
+      <p:sp>
+        <p:nvSpPr>
+          <p:cNvPr id="7" name="Rectangle 6"/>
+          <p:cNvSpPr/>
+          <p:nvPr/>
+        </p:nvSpPr>
+        <p:spPr>
+          <a:xfrm>
+            <a:off x="0" y="6400800"/>
+            <a:ext cx="9144001" cy="457200"/>
+          </a:xfrm>
+          <a:prstGeom prst="rect">
+            <a:avLst/>
+          </a:prstGeom>
+          <a:solidFill>
+            <a:srgbClr val="0070C0"/>
+          </a:solidFill>
+          <a:ln>
+            <a:solidFill>
+              <a:srgbClr val="0070C0"/>
+            </a:solidFill>
+          </a:ln>
+        </p:spPr>
+        <p:style>
+          <a:lnRef idx="2">
+            <a:schemeClr val="accent1">
+              <a:shade val="50000"/>
+            </a:schemeClr>
+          </a:lnRef>
+          <a:fillRef idx="1">
+            <a:schemeClr val="accent1"/>
+          </a:fillRef>
+          <a:effectRef idx="0">
+            <a:schemeClr val="accent1"/>
+          </a:effectRef>
+          <a:fontRef idx="minor">
+            <a:schemeClr val="lt1"/>
+          </a:fontRef>
+        </p:style>
+      </p:sp>
+      <p:sp>
+        <p:nvSpPr>
+          <p:cNvPr id="9" name="Rectangle 8"/>
+          <p:cNvSpPr/>
+          <p:nvPr/>
+        </p:nvSpPr>
+        <p:spPr>
+          <a:xfrm>
+            <a:off x="0" y="6334315"/>
+            <a:ext cx="4487333" cy="92382"/>
+          </a:xfrm>
+          <a:prstGeom prst="rect">
+            <a:avLst/>
+          </a:prstGeom>
+          <a:solidFill>
+            <a:srgbClr val="00B050"/>
+          </a:solidFill>
+          <a:ln>
+            <a:noFill/>
+          </a:ln>
+        </p:spPr>
+        <p:style>
+          <a:lnRef idx="2">
+            <a:schemeClr val="accent1">
+              <a:shade val="50000"/>
+            </a:schemeClr>
+          </a:lnRef>
+          <a:fillRef idx="1">
+            <a:schemeClr val="accent1"/>
+          </a:fillRef>
+          <a:effectRef idx="0">
+            <a:schemeClr val="accent1"/>
+          </a:effectRef>
+          <a:fontRef idx="minor">
+            <a:schemeClr val="lt1"/>
+          </a:fontRef>
+        </p:style>
+      </p:sp>
+      <p:sp>
+        <p:nvSpPr>
+          <p:cNvPr id="2" name="Title Placeholder 1"/>
+          <p:cNvSpPr>
+            <a:spLocks noGrp="1"/>
+          </p:cNvSpPr>
+          <p:nvPr>
+            <p:ph type="title"/>
+          </p:nvPr>
+        </p:nvSpPr>
+        <p:spPr>
+          <a:xfrm>
+            <a:off x="227874" y="287088"/>
+            <a:ext cx="8596812" cy="874055"/>
+          </a:xfrm>
+          <a:prstGeom prst="rect">
+            <a:avLst/>
+          </a:prstGeom>
+        </p:spPr>
+        <p:txBody>
+          <a:bodyPr vert="horz" lIns="91440" tIns="45720" rIns="91440" bIns="45720" rtlCol="0" anchor="b">
+            <a:normAutofit/>
+          </a:bodyPr>
+          <a:lstStyle/>
+          <a:p>
+            <a:r>
+              <a:rPr lang="en-US"/>
+              <a:t>Click to edit Master title style</a:t>
+            </a:r>
+            <a:endParaRPr lang="en-US" dirty="0"/>
+          </a:p>
+        </p:txBody>
+      </p:sp>
+      <p:sp>
+        <p:nvSpPr>
+          <p:cNvPr id="3" name="Text Placeholder 2"/>
+          <p:cNvSpPr>
+            <a:spLocks noGrp="1"/>
+          </p:cNvSpPr>
+          <p:nvPr>
+            <p:ph type="body" idx="1"/>
+          </p:nvPr>
+        </p:nvSpPr>
+        <p:spPr>
+          <a:xfrm>
+            <a:off x="227874" y="1505616"/>
+            <a:ext cx="8596811" cy="4654528"/>
+          </a:xfrm>
+          <a:prstGeom prst="rect">
+            <a:avLst/>
+          </a:prstGeom>
+        </p:spPr>
+        <p:txBody>
+          <a:bodyPr vert="horz" lIns="0" tIns="45720" rIns="0" bIns="45720" rtlCol="0">
+            <a:normAutofit/>
+          </a:bodyPr>
+          <a:lstStyle/>
+          <a:p>
+            <a:pPr lvl="0"/>
+            <a:r>
+              <a:rPr lang="en-US"/>
+              <a:t>Edit Master text styles</a:t>
+            </a:r>
+          </a:p>
+          <a:p>
+            <a:pPr lvl="1"/>
+            <a:r>
+              <a:rPr lang="en-US"/>
+              <a:t>Second level</a:t>
+            </a:r>
+          </a:p>
+          <a:p>
+            <a:pPr lvl="2"/>
+            <a:r>
+              <a:rPr lang="en-US"/>
+              <a:t>Third level</a:t>
+            </a:r>
+          </a:p>
+          <a:p>
+            <a:pPr lvl="3"/>
+            <a:r>
+              <a:rPr lang="en-US"/>
+              <a:t>Fourth level</a:t>
+            </a:r>
+          </a:p>
+          <a:p>
+            <a:pPr lvl="4"/>
+            <a:r>
+              <a:rPr lang="en-US"/>
+              <a:t>Fifth level</a:t>
+            </a:r>
+            <a:endParaRPr lang="en-US" dirty="0"/>
+          </a:p>
+        </p:txBody>
+      </p:sp>
+      <p:sp>
+        <p:nvSpPr>
+          <p:cNvPr id="4" name="Date Placeholder 3"/>
+          <p:cNvSpPr>
+            <a:spLocks noGrp="1"/>
+          </p:cNvSpPr>
+          <p:nvPr>
+            <p:ph type="dt" sz="half" idx="2"/>
+          </p:nvPr>
+        </p:nvSpPr>
+        <p:spPr>
+          <a:xfrm>
+            <a:off x="822961" y="6459786"/>
+            <a:ext cx="1854203" cy="365125"/>
+          </a:xfrm>
+          <a:prstGeom prst="rect">
+            <a:avLst/>
+          </a:prstGeom>
+        </p:spPr>
+        <p:txBody>
+          <a:bodyPr vert="horz" lIns="91440" tIns="45720" rIns="91440" bIns="45720" rtlCol="0" anchor="ctr"/>
+          <a:lstStyle>
+            <a:lvl1pPr algn="l">
+              <a:defRPr sz="900">
+                <a:solidFill>
+                  <a:srgbClr val="FFFFFF"/>
+                </a:solidFill>
+              </a:defRPr>
+            </a:lvl1pPr>
+          </a:lstStyle>
+          <a:p>
+            <a:fld id="{135143A4-9038-4F0D-BE3A-6A914001015C}" type="datetime1">
+              <a:rPr lang="en-US" smtClean="0"/>
+              <a:t>7/7/2016</a:t>
+            </a:fld>
+            <a:endParaRPr lang="en-US" dirty="0"/>
+          </a:p>
+        </p:txBody>
+      </p:sp>
+      <p:sp>
+        <p:nvSpPr>
+          <p:cNvPr id="5" name="Footer Placeholder 4"/>
+          <p:cNvSpPr>
+            <a:spLocks noGrp="1"/>
+          </p:cNvSpPr>
+          <p:nvPr>
+            <p:ph type="ftr" sz="quarter" idx="3"/>
+          </p:nvPr>
+        </p:nvSpPr>
+        <p:spPr>
+          <a:xfrm>
+            <a:off x="2764639" y="6459786"/>
+            <a:ext cx="3617103" cy="365125"/>
+          </a:xfrm>
+          <a:prstGeom prst="rect">
+            <a:avLst/>
+          </a:prstGeom>
+        </p:spPr>
+        <p:txBody>
+          <a:bodyPr vert="horz" lIns="91440" tIns="45720" rIns="91440" bIns="45720" rtlCol="0" anchor="ctr"/>
+          <a:lstStyle>
+            <a:lvl1pPr algn="ctr">
+              <a:defRPr sz="900" cap="all" baseline="0">
+                <a:solidFill>
+                  <a:srgbClr val="FFFFFF"/>
+                </a:solidFill>
+              </a:defRPr>
+            </a:lvl1pPr>
+          </a:lstStyle>
+          <a:p>
+            <a:r>
+              <a:rPr lang="en-US"/>
+              <a:t>© 2015 EV3Lessons.com, Last edit 7/06/2016</a:t>
+            </a:r>
+            <a:endParaRPr lang="en-US" dirty="0"/>
+          </a:p>
+        </p:txBody>
+      </p:sp>
+      <p:sp>
+        <p:nvSpPr>
+          <p:cNvPr id="6" name="Slide Number Placeholder 5"/>
+          <p:cNvSpPr>
+            <a:spLocks noGrp="1"/>
+          </p:cNvSpPr>
+          <p:nvPr>
+            <p:ph type="sldNum" sz="quarter" idx="4"/>
+          </p:nvPr>
+        </p:nvSpPr>
+        <p:spPr>
+          <a:xfrm>
+            <a:off x="7425344" y="6459786"/>
+            <a:ext cx="984019" cy="365125"/>
+          </a:xfrm>
+          <a:prstGeom prst="rect">
+            <a:avLst/>
+          </a:prstGeom>
+        </p:spPr>
+        <p:txBody>
+          <a:bodyPr vert="horz" lIns="91440" tIns="45720" rIns="91440" bIns="45720" rtlCol="0" anchor="ctr"/>
+          <a:lstStyle>
+            <a:lvl1pPr algn="r">
+              <a:defRPr sz="1050">
+                <a:solidFill>
+                  <a:srgbClr val="FFFFFF"/>
+                </a:solidFill>
+              </a:defRPr>
+            </a:lvl1pPr>
+          </a:lstStyle>
+          <a:p>
+            <a:fld id="{4382A7F7-08BF-4252-8141-63FB96055BBB}" type="slidenum">
+              <a:rPr lang="en-US" smtClean="0"/>
+              <a:t>‹#›</a:t>
+            </a:fld>
+            <a:endParaRPr lang="en-US"/>
+          </a:p>
+        </p:txBody>
+      </p:sp>
+      <p:cxnSp>
+        <p:nvCxnSpPr>
+          <p:cNvPr id="10" name="Straight Connector 9"/>
+          <p:cNvCxnSpPr/>
+          <p:nvPr/>
+        </p:nvCxnSpPr>
+        <p:spPr>
+          <a:xfrm flipV="1">
+            <a:off x="227874" y="1335314"/>
+            <a:ext cx="8596811" cy="1"/>
+          </a:xfrm>
+          <a:prstGeom prst="line">
+            <a:avLst/>
+          </a:prstGeom>
+          <a:ln w="6350">
+            <a:solidFill>
+              <a:schemeClr val="tx1">
+                <a:lumMod val="50000"/>
+                <a:lumOff val="50000"/>
+              </a:schemeClr>
+            </a:solidFill>
+          </a:ln>
+        </p:spPr>
+        <p:style>
+          <a:lnRef idx="1">
+            <a:schemeClr val="accent1"/>
+          </a:lnRef>
+          <a:fillRef idx="0">
+            <a:schemeClr val="accent1"/>
+          </a:fillRef>
+          <a:effectRef idx="0">
+            <a:schemeClr val="accent1"/>
+          </a:effectRef>
+          <a:fontRef idx="minor">
+            <a:schemeClr val="tx1"/>
+          </a:fontRef>
+        </p:style>
+      </p:cxnSp>
+      <p:sp>
+        <p:nvSpPr>
+          <p:cNvPr id="11" name="Rectangle 10"/>
+          <p:cNvSpPr/>
+          <p:nvPr/>
+        </p:nvSpPr>
+        <p:spPr>
+          <a:xfrm>
+            <a:off x="4487333" y="6334315"/>
+            <a:ext cx="4656667" cy="92382"/>
+          </a:xfrm>
+          <a:prstGeom prst="rect">
+            <a:avLst/>
+          </a:prstGeom>
+          <a:solidFill>
+            <a:srgbClr val="7030A0"/>
+          </a:solidFill>
+          <a:ln>
+            <a:noFill/>
+          </a:ln>
+        </p:spPr>
+        <p:style>
+          <a:lnRef idx="2">
+            <a:schemeClr val="accent1">
+              <a:shade val="50000"/>
+            </a:schemeClr>
+          </a:lnRef>
+          <a:fillRef idx="1">
+            <a:schemeClr val="accent1"/>
+          </a:fillRef>
+          <a:effectRef idx="0">
+            <a:schemeClr val="accent1"/>
+          </a:effectRef>
+          <a:fontRef idx="minor">
+            <a:schemeClr val="lt1"/>
+          </a:fontRef>
+        </p:style>
+      </p:sp>
+      <p:sp>
+        <p:nvSpPr>
+          <p:cNvPr id="12" name="Rectangle 11"/>
+          <p:cNvSpPr/>
+          <p:nvPr userDrawn="1"/>
+        </p:nvSpPr>
+        <p:spPr>
+          <a:xfrm>
+            <a:off x="4487333" y="6334315"/>
+            <a:ext cx="4656667" cy="92382"/>
+          </a:xfrm>
+          <a:prstGeom prst="rect">
+            <a:avLst/>
+          </a:prstGeom>
+          <a:solidFill>
+            <a:srgbClr val="7030A0"/>
+          </a:solidFill>
+          <a:ln>
+            <a:noFill/>
+          </a:ln>
+        </p:spPr>
+        <p:style>
+          <a:lnRef idx="2">
+            <a:schemeClr val="accent1">
+              <a:shade val="50000"/>
+            </a:schemeClr>
+          </a:lnRef>
+          <a:fillRef idx="1">
+            <a:schemeClr val="accent1"/>
+          </a:fillRef>
+          <a:effectRef idx="0">
+            <a:schemeClr val="accent1"/>
+          </a:effectRef>
+          <a:fontRef idx="minor">
+            <a:schemeClr val="lt1"/>
+          </a:fontRef>
+        </p:style>
+      </p:sp>
+    </p:spTree>
+    <p:extLst>
+      <p:ext uri="{BB962C8B-B14F-4D97-AF65-F5344CB8AC3E}">
+        <p14:creationId xmlns:p14="http://schemas.microsoft.com/office/powerpoint/2010/main" val="2873050591"/>
+      </p:ext>
+    </p:extLst>
+  </p:cSld>
+  <p:clrMap bg1="lt1" tx1="dk1" bg2="lt2" tx2="dk2" accent1="accent1" accent2="accent2" accent3="accent3" accent4="accent4" accent5="accent5" accent6="accent6" hlink="hlink" folHlink="folHlink"/>
+  <p:sldLayoutIdLst>
+    <p:sldLayoutId id="2147483848" r:id="rId1"/>
+    <p:sldLayoutId id="2147483849" r:id="rId2"/>
+    <p:sldLayoutId id="2147483850" r:id="rId3"/>
+    <p:sldLayoutId id="2147483851" r:id="rId4"/>
+    <p:sldLayoutId id="2147483852" r:id="rId5"/>
+    <p:sldLayoutId id="2147483853" r:id="rId6"/>
+    <p:sldLayoutId id="2147483854" r:id="rId7"/>
+    <p:sldLayoutId id="2147483855" r:id="rId8"/>
+    <p:sldLayoutId id="2147483856" r:id="rId9"/>
+    <p:sldLayoutId id="2147483857" r:id="rId10"/>
+    <p:sldLayoutId id="2147483858" r:id="rId11"/>
+  </p:sldLayoutIdLst>
+  <p:hf hdr="0" dt="0"/>
+  <p:txStyles>
+    <p:titleStyle>
+      <a:lvl1pPr algn="l" defTabSz="914400" rtl="0" eaLnBrk="1" latinLnBrk="0" hangingPunct="1">
+        <a:lnSpc>
+          <a:spcPct val="85000"/>
+        </a:lnSpc>
+        <a:spcBef>
+          <a:spcPct val="0"/>
+        </a:spcBef>
+        <a:buNone/>
+        <a:defRPr sz="4800" kern="1200" spc="-50" baseline="0">
+          <a:solidFill>
+            <a:schemeClr val="tx1">
+              <a:lumMod val="75000"/>
+              <a:lumOff val="25000"/>
+            </a:schemeClr>
+          </a:solidFill>
+          <a:latin typeface="+mj-lt"/>
+          <a:ea typeface="+mj-ea"/>
+          <a:cs typeface="+mj-cs"/>
+        </a:defRPr>
+      </a:lvl1pPr>
+    </p:titleStyle>
+    <p:bodyStyle>
+      <a:lvl1pPr marL="91440" indent="-91440" algn="l" defTabSz="914400" rtl="0" eaLnBrk="1" latinLnBrk="0" hangingPunct="1">
+        <a:lnSpc>
+          <a:spcPct val="90000"/>
+        </a:lnSpc>
+        <a:spcBef>
+          <a:spcPts val="1200"/>
+        </a:spcBef>
+        <a:spcAft>
+          <a:spcPts val="200"/>
+        </a:spcAft>
+        <a:buClr>
+          <a:schemeClr val="accent1"/>
+        </a:buClr>
+        <a:buSzPct val="100000"/>
+        <a:buFont typeface="Calibri" panose="020F0502020204030204" pitchFamily="34" charset="0"/>
+        <a:buChar char=" "/>
+        <a:defRPr sz="2000" kern="1200">
+          <a:solidFill>
+            <a:schemeClr val="tx1">
+              <a:lumMod val="75000"/>
+              <a:lumOff val="25000"/>
+            </a:schemeClr>
+          </a:solidFill>
+          <a:latin typeface="+mn-lt"/>
+          <a:ea typeface="+mn-ea"/>
+          <a:cs typeface="+mn-cs"/>
+        </a:defRPr>
+      </a:lvl1pPr>
+      <a:lvl2pPr marL="384048" indent="-182880" algn="l" defTabSz="914400" rtl="0" eaLnBrk="1" latinLnBrk="0" hangingPunct="1">
+        <a:lnSpc>
+          <a:spcPct val="90000"/>
+        </a:lnSpc>
+        <a:spcBef>
+          <a:spcPts val="200"/>
+        </a:spcBef>
+        <a:spcAft>
+          <a:spcPts val="400"/>
+        </a:spcAft>
+        <a:buClr>
+          <a:schemeClr val="accent1"/>
+        </a:buClr>
+        <a:buFont typeface="Calibri" pitchFamily="34" charset="0"/>
+        <a:buChar char="◦"/>
+        <a:defRPr sz="1800" kern="1200">
+          <a:solidFill>
+            <a:schemeClr val="tx1">
+              <a:lumMod val="75000"/>
+              <a:lumOff val="25000"/>
+            </a:schemeClr>
+          </a:solidFill>
+          <a:latin typeface="+mn-lt"/>
+          <a:ea typeface="+mn-ea"/>
+          <a:cs typeface="+mn-cs"/>
+        </a:defRPr>
+      </a:lvl2pPr>
+      <a:lvl3pPr marL="566928" indent="-182880" algn="l" defTabSz="914400" rtl="0" eaLnBrk="1" latinLnBrk="0" hangingPunct="1">
+        <a:lnSpc>
+          <a:spcPct val="90000"/>
+        </a:lnSpc>
+        <a:spcBef>
+          <a:spcPts val="200"/>
+        </a:spcBef>
+        <a:spcAft>
+          <a:spcPts val="400"/>
+        </a:spcAft>
+        <a:buClr>
+          <a:schemeClr val="accent1"/>
+        </a:buClr>
+        <a:buFont typeface="Calibri" pitchFamily="34" charset="0"/>
+        <a:buChar char="◦"/>
+        <a:defRPr sz="1400" kern="1200">
+          <a:solidFill>
+            <a:schemeClr val="tx1">
+              <a:lumMod val="75000"/>
+              <a:lumOff val="25000"/>
+            </a:schemeClr>
+          </a:solidFill>
+          <a:latin typeface="+mn-lt"/>
+          <a:ea typeface="+mn-ea"/>
+          <a:cs typeface="+mn-cs"/>
+        </a:defRPr>
+      </a:lvl3pPr>
+      <a:lvl4pPr marL="749808" indent="-182880" algn="l" defTabSz="914400" rtl="0" eaLnBrk="1" latinLnBrk="0" hangingPunct="1">
+        <a:lnSpc>
+          <a:spcPct val="90000"/>
+        </a:lnSpc>
+        <a:spcBef>
+          <a:spcPts val="200"/>
+        </a:spcBef>
+        <a:spcAft>
+          <a:spcPts val="400"/>
+        </a:spcAft>
+        <a:buClr>
+          <a:schemeClr val="accent1"/>
+        </a:buClr>
+        <a:buFont typeface="Calibri" pitchFamily="34" charset="0"/>
+        <a:buChar char="◦"/>
+        <a:defRPr sz="1400" kern="1200">
+          <a:solidFill>
+            <a:schemeClr val="tx1">
+              <a:lumMod val="75000"/>
+              <a:lumOff val="25000"/>
+            </a:schemeClr>
+          </a:solidFill>
+          <a:latin typeface="+mn-lt"/>
+          <a:ea typeface="+mn-ea"/>
+          <a:cs typeface="+mn-cs"/>
+        </a:defRPr>
+      </a:lvl4pPr>
+      <a:lvl5pPr marL="932688" indent="-182880" algn="l" defTabSz="914400" rtl="0" eaLnBrk="1" latinLnBrk="0" hangingPunct="1">
+        <a:lnSpc>
+          <a:spcPct val="90000"/>
+        </a:lnSpc>
+        <a:spcBef>
+          <a:spcPts val="200"/>
+        </a:spcBef>
+        <a:spcAft>
+          <a:spcPts val="400"/>
+        </a:spcAft>
+        <a:buClr>
+          <a:schemeClr val="accent1"/>
+        </a:buClr>
+        <a:buFont typeface="Calibri" pitchFamily="34" charset="0"/>
+        <a:buChar char="◦"/>
+        <a:defRPr sz="1400" kern="1200">
+          <a:solidFill>
+            <a:schemeClr val="tx1">
+              <a:lumMod val="75000"/>
+              <a:lumOff val="25000"/>
+            </a:schemeClr>
+          </a:solidFill>
+          <a:latin typeface="+mn-lt"/>
+          <a:ea typeface="+mn-ea"/>
+          <a:cs typeface="+mn-cs"/>
+        </a:defRPr>
+      </a:lvl5pPr>
+      <a:lvl6pPr marL="1100000" indent="-228600" algn="l" defTabSz="914400" rtl="0" eaLnBrk="1" latinLnBrk="0" hangingPunct="1">
+        <a:lnSpc>
+          <a:spcPct val="90000"/>
+        </a:lnSpc>
+        <a:spcBef>
+          <a:spcPts val="200"/>
+        </a:spcBef>
+        <a:spcAft>
+          <a:spcPts val="400"/>
+        </a:spcAft>
+        <a:buClr>
+          <a:schemeClr val="accent1"/>
+        </a:buClr>
+        <a:buFont typeface="Calibri" pitchFamily="34" charset="0"/>
+        <a:buChar char="◦"/>
+        <a:defRPr sz="1400" kern="1200">
+          <a:solidFill>
+            <a:schemeClr val="tx1">
+              <a:lumMod val="75000"/>
+              <a:lumOff val="25000"/>
+            </a:schemeClr>
+          </a:solidFill>
+          <a:latin typeface="+mn-lt"/>
+          <a:ea typeface="+mn-ea"/>
+          <a:cs typeface="+mn-cs"/>
+        </a:defRPr>
+      </a:lvl6pPr>
+      <a:lvl7pPr marL="1300000" indent="-228600" algn="l" defTabSz="914400" rtl="0" eaLnBrk="1" latinLnBrk="0" hangingPunct="1">
+        <a:lnSpc>
+          <a:spcPct val="90000"/>
+        </a:lnSpc>
+        <a:spcBef>
+          <a:spcPts val="200"/>
+        </a:spcBef>
+        <a:spcAft>
+          <a:spcPts val="400"/>
+        </a:spcAft>
+        <a:buClr>
+          <a:schemeClr val="accent1"/>
+        </a:buClr>
+        <a:buFont typeface="Calibri" pitchFamily="34" charset="0"/>
+        <a:buChar char="◦"/>
+        <a:defRPr sz="1400" kern="1200">
+          <a:solidFill>
+            <a:schemeClr val="tx1">
+              <a:lumMod val="75000"/>
+              <a:lumOff val="25000"/>
+            </a:schemeClr>
+          </a:solidFill>
+          <a:latin typeface="+mn-lt"/>
+          <a:ea typeface="+mn-ea"/>
+          <a:cs typeface="+mn-cs"/>
+        </a:defRPr>
+      </a:lvl7pPr>
+      <a:lvl8pPr marL="1500000" indent="-228600" algn="l" defTabSz="914400" rtl="0" eaLnBrk="1" latinLnBrk="0" hangingPunct="1">
+        <a:lnSpc>
+          <a:spcPct val="90000"/>
+        </a:lnSpc>
+        <a:spcBef>
+          <a:spcPts val="200"/>
+        </a:spcBef>
+        <a:spcAft>
+          <a:spcPts val="400"/>
+        </a:spcAft>
+        <a:buClr>
+          <a:schemeClr val="accent1"/>
+        </a:buClr>
+        <a:buFont typeface="Calibri" pitchFamily="34" charset="0"/>
+        <a:buChar char="◦"/>
+        <a:defRPr sz="1400" kern="1200">
+          <a:solidFill>
+            <a:schemeClr val="tx1">
+              <a:lumMod val="75000"/>
+              <a:lumOff val="25000"/>
+            </a:schemeClr>
+          </a:solidFill>
+          <a:latin typeface="+mn-lt"/>
+          <a:ea typeface="+mn-ea"/>
+          <a:cs typeface="+mn-cs"/>
+        </a:defRPr>
+      </a:lvl8pPr>
+      <a:lvl9pPr marL="1700000" indent="-228600" algn="l" defTabSz="914400" rtl="0" eaLnBrk="1" latinLnBrk="0" hangingPunct="1">
+        <a:lnSpc>
+          <a:spcPct val="90000"/>
+        </a:lnSpc>
+        <a:spcBef>
+          <a:spcPts val="200"/>
+        </a:spcBef>
+        <a:spcAft>
+          <a:spcPts val="400"/>
+        </a:spcAft>
+        <a:buClr>
+          <a:schemeClr val="accent1"/>
+        </a:buClr>
+        <a:buFont typeface="Calibri" pitchFamily="34" charset="0"/>
+        <a:buChar char="◦"/>
+        <a:defRPr sz="1400" kern="1200">
+          <a:solidFill>
+            <a:schemeClr val="tx1">
+              <a:lumMod val="75000"/>
+              <a:lumOff val="25000"/>
+            </a:schemeClr>
+          </a:solidFill>
+          <a:latin typeface="+mn-lt"/>
+          <a:ea typeface="+mn-ea"/>
+          <a:cs typeface="+mn-cs"/>
+        </a:defRPr>
+      </a:lvl9pPr>
+    </p:bodyStyle>
+    <p:otherStyle>
+      <a:defPPr>
+        <a:defRPr lang="en-US"/>
+      </a:defPPr>
+      <a:lvl1pPr marL="0" algn="l" defTabSz="914400" rtl="0" eaLnBrk="1" latinLnBrk="0" hangingPunct="1">
+        <a:defRPr sz="1800" kern="1200">
+          <a:solidFill>
+            <a:schemeClr val="tx1"/>
+          </a:solidFill>
+          <a:latin typeface="+mn-lt"/>
+          <a:ea typeface="+mn-ea"/>
+          <a:cs typeface="+mn-cs"/>
+        </a:defRPr>
+      </a:lvl1pPr>
+      <a:lvl2pPr marL="457200" algn="l" defTabSz="914400" rtl="0" eaLnBrk="1" latinLnBrk="0" hangingPunct="1">
+        <a:defRPr sz="1800" kern="1200">
+          <a:solidFill>
+            <a:schemeClr val="tx1"/>
+          </a:solidFill>
+          <a:latin typeface="+mn-lt"/>
+          <a:ea typeface="+mn-ea"/>
+          <a:cs typeface="+mn-cs"/>
+        </a:defRPr>
+      </a:lvl2pPr>
+      <a:lvl3pPr marL="914400" algn="l" defTabSz="914400" rtl="0" eaLnBrk="1" latinLnBrk="0" hangingPunct="1">
+        <a:defRPr sz="1800" kern="1200">
+          <a:solidFill>
+            <a:schemeClr val="tx1"/>
+          </a:solidFill>
+          <a:latin typeface="+mn-lt"/>
+          <a:ea typeface="+mn-ea"/>
+          <a:cs typeface="+mn-cs"/>
+        </a:defRPr>
+      </a:lvl3pPr>
+      <a:lvl4pPr marL="1371600" algn="l" defTabSz="914400" rtl="0" eaLnBrk="1" latinLnBrk="0" hangingPunct="1">
+        <a:defRPr sz="1800" kern="1200">
+          <a:solidFill>
+            <a:schemeClr val="tx1"/>
+          </a:solidFill>
+          <a:latin typeface="+mn-lt"/>
+          <a:ea typeface="+mn-ea"/>
+          <a:cs typeface="+mn-cs"/>
+        </a:defRPr>
+      </a:lvl4pPr>
+      <a:lvl5pPr marL="1828800" algn="l" defTabSz="914400" rtl="0" eaLnBrk="1" latinLnBrk="0" hangingPunct="1">
+        <a:defRPr sz="1800" kern="1200">
+          <a:solidFill>
+            <a:schemeClr val="tx1"/>
+          </a:solidFill>
+          <a:latin typeface="+mn-lt"/>
+          <a:ea typeface="+mn-ea"/>
+          <a:cs typeface="+mn-cs"/>
+        </a:defRPr>
+      </a:lvl5pPr>
+      <a:lvl6pPr marL="2286000" algn="l" defTabSz="914400" rtl="0" eaLnBrk="1" latinLnBrk="0" hangingPunct="1">
+        <a:defRPr sz="1800" kern="1200">
+          <a:solidFill>
+            <a:schemeClr val="tx1"/>
+          </a:solidFill>
+          <a:latin typeface="+mn-lt"/>
+          <a:ea typeface="+mn-ea"/>
+          <a:cs typeface="+mn-cs"/>
+        </a:defRPr>
+      </a:lvl6pPr>
+      <a:lvl7pPr marL="2743200" algn="l" defTabSz="914400" rtl="0" eaLnBrk="1" latinLnBrk="0" hangingPunct="1">
+        <a:defRPr sz="1800" kern="1200">
+          <a:solidFill>
+            <a:schemeClr val="tx1"/>
+          </a:solidFill>
+          <a:latin typeface="+mn-lt"/>
+          <a:ea typeface="+mn-ea"/>
+          <a:cs typeface="+mn-cs"/>
+        </a:defRPr>
+      </a:lvl7pPr>
+      <a:lvl8pPr marL="3200400" algn="l" defTabSz="914400" rtl="0" eaLnBrk="1" latinLnBrk="0" hangingPunct="1">
+        <a:defRPr sz="1800" kern="1200">
+          <a:solidFill>
+            <a:schemeClr val="tx1"/>
+          </a:solidFill>
+          <a:latin typeface="+mn-lt"/>
+          <a:ea typeface="+mn-ea"/>
+          <a:cs typeface="+mn-cs"/>
+        </a:defRPr>
+      </a:lvl8pPr>
+      <a:lvl9pPr marL="3657600" algn="l" defTabSz="914400" rtl="0" eaLnBrk="1" latinLnBrk="0" hangingPunct="1">
+        <a:defRPr sz="1800" kern="1200">
+          <a:solidFill>
+            <a:schemeClr val="tx1"/>
+          </a:solidFill>
+          <a:latin typeface="+mn-lt"/>
+          <a:ea typeface="+mn-ea"/>
+          <a:cs typeface="+mn-cs"/>
+        </a:defRPr>
+      </a:lvl9pPr>
+    </p:otherStyle>
+  </p:txStyles>
+</p:sldMaster>
+</file>
+
 <file path=ppt/slides/slide1.xml><?xml version="1.0" encoding="utf-8"?>
 <p:sld xmlns:a="http://schemas.openxmlformats.org/drawingml/2006/main" xmlns:r="http://schemas.openxmlformats.org/officeDocument/2006/relationships" xmlns:p="http://schemas.openxmlformats.org/presentationml/2006/main">
   <p:cSld>
@@ -4762,15 +8744,14 @@
         <p:spPr/>
         <p:txBody>
           <a:bodyPr>
-            <a:normAutofit fontScale="90000"/>
+            <a:normAutofit/>
           </a:bodyPr>
           <a:lstStyle/>
           <a:p>
             <a:r>
-              <a:rPr lang="en-US" dirty="0" smtClean="0"/>
+              <a:rPr lang="en-US" dirty="0"/>
               <a:t>INTERMEDIATE PROGRAMMING LESSON</a:t>
             </a:r>
-            <a:endParaRPr lang="en-US" dirty="0"/>
           </a:p>
         </p:txBody>
       </p:sp>
@@ -4792,10 +8773,9 @@
           <a:lstStyle/>
           <a:p>
             <a:r>
-              <a:rPr lang="en-US" dirty="0" smtClean="0"/>
+              <a:rPr lang="en-US" dirty="0"/>
               <a:t>Variables</a:t>
             </a:r>
-            <a:endParaRPr lang="en-US" dirty="0"/>
           </a:p>
         </p:txBody>
       </p:sp>
@@ -4847,10 +8827,9 @@
           <a:lstStyle/>
           <a:p>
             <a:r>
-              <a:rPr lang="en-US" altLang="en-US" sz="4300" dirty="0" smtClean="0"/>
+              <a:rPr lang="en-US" altLang="en-US" sz="4300" dirty="0"/>
               <a:t>Challenge 2 Solution: Count the Lines</a:t>
             </a:r>
-            <a:endParaRPr lang="en-US" altLang="en-US" sz="4300" dirty="0" smtClean="0"/>
           </a:p>
         </p:txBody>
       </p:sp>
@@ -4870,10 +8849,9 @@
           <a:lstStyle/>
           <a:p>
             <a:r>
-              <a:rPr lang="en-US" smtClean="0"/>
-              <a:t>© 2015 EV3Lessons.com, Last edit 5/26/2015</a:t>
-            </a:r>
-            <a:endParaRPr lang="en-US"/>
+              <a:rPr lang="en-US"/>
+              <a:t>© 2015 EV3Lessons.com, Last edit 7/06/2016</a:t>
+            </a:r>
           </a:p>
         </p:txBody>
       </p:sp>
@@ -5063,7 +9041,7 @@
               <a:pPr/>
               <a:t>10</a:t>
             </a:fld>
-            <a:endParaRPr lang="en-US" altLang="en-US" smtClean="0"/>
+            <a:endParaRPr lang="en-US" altLang="en-US"/>
           </a:p>
         </p:txBody>
       </p:sp>
@@ -5076,7 +9054,7 @@
           <p:nvPr/>
         </p:nvPicPr>
         <p:blipFill rotWithShape="1">
-          <a:blip r:embed="rId2">
+          <a:blip r:embed="rId2" cstate="email">
             <a:extLst>
               <a:ext uri="{28A0092B-C50C-407E-A947-70E740481C1C}">
                 <a14:useLocalDpi xmlns:a14="http://schemas.microsoft.com/office/drawing/2010/main" val="0"/>
@@ -5106,13 +9084,6 @@
   <p:clrMapOvr>
     <a:masterClrMapping/>
   </p:clrMapOvr>
-  <p:timing>
-    <p:tnLst>
-      <p:par>
-        <p:cTn id="1" dur="indefinite" restart="never" nodeType="tmRoot"/>
-      </p:par>
-    </p:tnLst>
-  </p:timing>
 </p:sld>
 </file>
 
@@ -5149,7 +9120,7 @@
           <a:lstStyle/>
           <a:p>
             <a:r>
-              <a:rPr lang="en-US" smtClean="0"/>
+              <a:rPr lang="en-US"/>
               <a:t>Next Steps</a:t>
             </a:r>
             <a:endParaRPr lang="en-US" dirty="0"/>
@@ -5172,21 +9143,21 @@
           <a:lstStyle/>
           <a:p>
             <a:r>
-              <a:rPr lang="en-US" smtClean="0"/>
+              <a:rPr lang="en-US"/>
               <a:t>We use variables in the following lessons: </a:t>
             </a:r>
           </a:p>
           <a:p>
             <a:pPr lvl="1"/>
             <a:r>
-              <a:rPr lang="en-US" smtClean="0"/>
+              <a:rPr lang="en-US"/>
               <a:t>Advanced: Menu System</a:t>
             </a:r>
           </a:p>
           <a:p>
             <a:pPr lvl="1"/>
             <a:r>
-              <a:rPr lang="en-US" smtClean="0"/>
+              <a:rPr lang="en-US"/>
               <a:t>Advanced: Parallel Beam Synchronization</a:t>
             </a:r>
             <a:endParaRPr lang="en-US" dirty="0"/>
@@ -5209,10 +9180,9 @@
           <a:lstStyle/>
           <a:p>
             <a:r>
-              <a:rPr lang="en-US" smtClean="0"/>
-              <a:t>© 2015 EV3Lessons.com, Last edit 5/26/2015</a:t>
-            </a:r>
-            <a:endParaRPr lang="en-US"/>
+              <a:rPr lang="en-US"/>
+              <a:t>© 2015 EV3Lessons.com, Last edit 7/06/2016</a:t>
+            </a:r>
           </a:p>
         </p:txBody>
       </p:sp>
@@ -5250,13 +9220,6 @@
   <p:clrMapOvr>
     <a:masterClrMapping/>
   </p:clrMapOvr>
-  <p:timing>
-    <p:tnLst>
-      <p:par>
-        <p:cTn id="1" dur="indefinite" restart="never" nodeType="tmRoot"/>
-      </p:par>
-    </p:tnLst>
-  </p:timing>
 </p:sld>
 </file>
 
@@ -5293,7 +9256,7 @@
           <a:lstStyle/>
           <a:p>
             <a:r>
-              <a:rPr lang="en-US" smtClean="0"/>
+              <a:rPr lang="en-US"/>
               <a:t>Credits</a:t>
             </a:r>
             <a:endParaRPr lang="en-US" dirty="0"/>
@@ -5317,27 +9280,16 @@
           <a:p>
             <a:pPr lvl="1"/>
             <a:r>
-              <a:rPr lang="en-US" smtClean="0"/>
-              <a:t>This tutorial was created by Sanjay Seshan and Arvind Seshan from Droids Robotics (</a:t>
-            </a:r>
-            <a:r>
-              <a:rPr lang="en-US" smtClean="0">
-                <a:hlinkClick r:id="rId3"/>
-              </a:rPr>
-              <a:t>team@droidsrobotics.org</a:t>
-            </a:r>
-            <a:r>
-              <a:rPr lang="en-US" smtClean="0"/>
-              <a:t>).</a:t>
+              <a:rPr lang="en-US" dirty="0"/>
+              <a:t>This tutorial was created by Sanjay Seshan and Arvind Seshan</a:t>
             </a:r>
           </a:p>
           <a:p>
             <a:pPr lvl="1"/>
             <a:r>
-              <a:rPr lang="en-US" smtClean="0"/>
+              <a:rPr lang="en-US" dirty="0"/>
               <a:t>More lessons at www.ev3lessons.com</a:t>
             </a:r>
-            <a:endParaRPr lang="en-US" dirty="0"/>
           </a:p>
         </p:txBody>
       </p:sp>
@@ -5357,10 +9309,9 @@
           <a:lstStyle/>
           <a:p>
             <a:r>
-              <a:rPr lang="en-US" smtClean="0"/>
-              <a:t>© 2015 EV3Lessons.com, Last edit 5/26/2015</a:t>
-            </a:r>
-            <a:endParaRPr lang="en-US"/>
+              <a:rPr lang="en-US"/>
+              <a:t>© 2015 EV3Lessons.com, Last edit 7/06/2016</a:t>
+            </a:r>
           </a:p>
         </p:txBody>
       </p:sp>
@@ -5413,7 +9364,7 @@
           <a:effectLst/>
           <a:extLst>
             <a:ext uri="{91240B29-F687-4f45-9708-019B960494DF}">
-              <a14:hiddenLine xmlns:a14="http://schemas.microsoft.com/office/drawing/2010/main" xmlns="" w="9525">
+              <a14:hiddenLine xmlns="" xmlns:a14="http://schemas.microsoft.com/office/drawing/2010/main" w="9525">
                 <a:solidFill>
                   <a:schemeClr val="tx1"/>
                 </a:solidFill>
@@ -5423,7 +9374,7 @@
               </a14:hiddenLine>
             </a:ext>
             <a:ext uri="{AF507438-7753-43e0-B8FC-AC1667EBCBE1}">
-              <a14:hiddenEffects xmlns:a14="http://schemas.microsoft.com/office/drawing/2010/main" xmlns="">
+              <a14:hiddenEffects xmlns="" xmlns:a14="http://schemas.microsoft.com/office/drawing/2010/main">
                 <a:effectLst>
                   <a:outerShdw dist="35921" dir="2700000" algn="ctr" rotWithShape="0">
                     <a:schemeClr val="bg2"/>
@@ -5586,7 +9537,7 @@
               <a:tabLst/>
             </a:pPr>
             <a:r>
-              <a:rPr kumimoji="0" lang="en-US" altLang="en-US" sz="2000" b="0" i="0" u="none" strike="noStrike" cap="none" normalizeH="0" baseline="0" dirty="0" smtClean="0">
+              <a:rPr kumimoji="0" lang="en-US" altLang="en-US" sz="2000" b="0" i="0" u="none" strike="noStrike" cap="none" normalizeH="0" baseline="0" dirty="0">
                 <a:ln>
                   <a:noFill/>
                 </a:ln>
@@ -5598,8 +9549,8 @@
               </a:rPr>
               <a:t>                         </a:t>
             </a:r>
-            <a:r>
-              <a:rPr kumimoji="0" lang="en-US" altLang="en-US" sz="1600" b="0" i="0" u="none" strike="noStrike" cap="none" normalizeH="0" baseline="0" dirty="0" smtClean="0">
+            <a:br>
+              <a:rPr kumimoji="0" lang="en-US" altLang="en-US" sz="1600" b="0" i="0" u="none" strike="noStrike" cap="none" normalizeH="0" baseline="0" dirty="0">
                 <a:ln>
                   <a:noFill/>
                 </a:ln>
@@ -5608,21 +9559,9 @@
                 </a:solidFill>
                 <a:effectLst/>
               </a:rPr>
-              <a:t/>
-            </a:r>
-            <a:br>
-              <a:rPr kumimoji="0" lang="en-US" altLang="en-US" sz="1600" b="0" i="0" u="none" strike="noStrike" cap="none" normalizeH="0" baseline="0" dirty="0" smtClean="0">
-                <a:ln>
-                  <a:noFill/>
-                </a:ln>
-                <a:solidFill>
-                  <a:schemeClr val="tx1"/>
-                </a:solidFill>
-                <a:effectLst/>
-              </a:rPr>
             </a:br>
             <a:r>
-              <a:rPr kumimoji="0" lang="en-US" altLang="en-US" sz="2000" b="0" i="0" u="none" strike="noStrike" cap="none" normalizeH="0" baseline="0" dirty="0" smtClean="0">
+              <a:rPr kumimoji="0" lang="en-US" altLang="en-US" sz="2000" b="0" i="0" u="none" strike="noStrike" cap="none" normalizeH="0" baseline="0" dirty="0">
                 <a:ln>
                   <a:noFill/>
                 </a:ln>
@@ -5635,7 +9574,7 @@
               <a:t>This work is licensed under a </a:t>
             </a:r>
             <a:r>
-              <a:rPr kumimoji="0" lang="en-US" altLang="en-US" sz="2000" b="0" i="0" u="none" strike="noStrike" cap="none" normalizeH="0" baseline="0" dirty="0" smtClean="0">
+              <a:rPr kumimoji="0" lang="en-US" altLang="en-US" sz="2000" b="0" i="0" u="none" strike="noStrike" cap="none" normalizeH="0" baseline="0" dirty="0">
                 <a:ln>
                   <a:noFill/>
                 </a:ln>
@@ -5644,12 +9583,12 @@
                 </a:solidFill>
                 <a:effectLst/>
                 <a:latin typeface="Helvetica Neue"/>
-                <a:hlinkClick r:id="rId4"/>
+                <a:hlinkClick r:id="rId3"/>
               </a:rPr>
               <a:t>Creative Commons Attribution-</a:t>
             </a:r>
             <a:r>
-              <a:rPr kumimoji="0" lang="en-US" altLang="en-US" sz="2000" b="0" i="0" u="none" strike="noStrike" cap="none" normalizeH="0" baseline="0" dirty="0" err="1" smtClean="0">
+              <a:rPr kumimoji="0" lang="en-US" altLang="en-US" sz="2000" b="0" i="0" u="none" strike="noStrike" cap="none" normalizeH="0" baseline="0" dirty="0" err="1">
                 <a:ln>
                   <a:noFill/>
                 </a:ln>
@@ -5658,12 +9597,12 @@
                 </a:solidFill>
                 <a:effectLst/>
                 <a:latin typeface="Helvetica Neue"/>
-                <a:hlinkClick r:id="rId4"/>
+                <a:hlinkClick r:id="rId3"/>
               </a:rPr>
               <a:t>NonCommercial</a:t>
             </a:r>
             <a:r>
-              <a:rPr kumimoji="0" lang="en-US" altLang="en-US" sz="2000" b="0" i="0" u="none" strike="noStrike" cap="none" normalizeH="0" baseline="0" dirty="0" smtClean="0">
+              <a:rPr kumimoji="0" lang="en-US" altLang="en-US" sz="2000" b="0" i="0" u="none" strike="noStrike" cap="none" normalizeH="0" baseline="0" dirty="0">
                 <a:ln>
                   <a:noFill/>
                 </a:ln>
@@ -5672,12 +9611,12 @@
                 </a:solidFill>
                 <a:effectLst/>
                 <a:latin typeface="Helvetica Neue"/>
-                <a:hlinkClick r:id="rId4"/>
+                <a:hlinkClick r:id="rId3"/>
               </a:rPr>
               <a:t>-</a:t>
             </a:r>
             <a:r>
-              <a:rPr kumimoji="0" lang="en-US" altLang="en-US" sz="2000" b="0" i="0" u="none" strike="noStrike" cap="none" normalizeH="0" baseline="0" dirty="0" err="1" smtClean="0">
+              <a:rPr kumimoji="0" lang="en-US" altLang="en-US" sz="2000" b="0" i="0" u="none" strike="noStrike" cap="none" normalizeH="0" baseline="0" dirty="0" err="1">
                 <a:ln>
                   <a:noFill/>
                 </a:ln>
@@ -5686,12 +9625,12 @@
                 </a:solidFill>
                 <a:effectLst/>
                 <a:latin typeface="Helvetica Neue"/>
-                <a:hlinkClick r:id="rId4"/>
+                <a:hlinkClick r:id="rId3"/>
               </a:rPr>
               <a:t>ShareAlike</a:t>
             </a:r>
             <a:r>
-              <a:rPr kumimoji="0" lang="en-US" altLang="en-US" sz="2000" b="0" i="0" u="none" strike="noStrike" cap="none" normalizeH="0" baseline="0" dirty="0" smtClean="0">
+              <a:rPr kumimoji="0" lang="en-US" altLang="en-US" sz="2000" b="0" i="0" u="none" strike="noStrike" cap="none" normalizeH="0" baseline="0" dirty="0">
                 <a:ln>
                   <a:noFill/>
                 </a:ln>
@@ -5700,12 +9639,12 @@
                 </a:solidFill>
                 <a:effectLst/>
                 <a:latin typeface="Helvetica Neue"/>
-                <a:hlinkClick r:id="rId4"/>
+                <a:hlinkClick r:id="rId3"/>
               </a:rPr>
               <a:t> 4.0 International License</a:t>
             </a:r>
             <a:r>
-              <a:rPr kumimoji="0" lang="en-US" altLang="en-US" sz="2000" b="0" i="0" u="none" strike="noStrike" cap="none" normalizeH="0" baseline="0" dirty="0" smtClean="0">
+              <a:rPr kumimoji="0" lang="en-US" altLang="en-US" sz="2000" b="0" i="0" u="none" strike="noStrike" cap="none" normalizeH="0" baseline="0" dirty="0">
                 <a:ln>
                   <a:noFill/>
                 </a:ln>
@@ -5718,7 +9657,7 @@
               <a:t>.</a:t>
             </a:r>
             <a:r>
-              <a:rPr kumimoji="0" lang="en-US" altLang="en-US" sz="1600" b="0" i="0" u="none" strike="noStrike" cap="none" normalizeH="0" baseline="0" dirty="0" smtClean="0">
+              <a:rPr kumimoji="0" lang="en-US" altLang="en-US" sz="1600" b="0" i="0" u="none" strike="noStrike" cap="none" normalizeH="0" baseline="0" dirty="0">
                 <a:ln>
                   <a:noFill/>
                 </a:ln>
@@ -5729,7 +9668,7 @@
               </a:rPr>
               <a:t> </a:t>
             </a:r>
-            <a:endParaRPr kumimoji="0" lang="en-US" altLang="en-US" sz="2000" b="0" i="0" u="none" strike="noStrike" cap="none" normalizeH="0" baseline="0" dirty="0" smtClean="0">
+            <a:endParaRPr kumimoji="0" lang="en-US" altLang="en-US" sz="2000" b="0" i="0" u="none" strike="noStrike" cap="none" normalizeH="0" baseline="0" dirty="0">
               <a:ln>
                 <a:noFill/>
               </a:ln>
@@ -5745,7 +9684,7 @@
       <p:pic>
         <p:nvPicPr>
           <p:cNvPr id="6" name="Picture 2" descr="Creative Commons License">
-            <a:hlinkClick r:id="rId4"/>
+            <a:hlinkClick r:id="rId3"/>
           </p:cNvPr>
           <p:cNvPicPr>
             <a:picLocks noChangeAspect="1" noChangeArrowheads="1"/>
@@ -5753,7 +9692,7 @@
           <p:nvPr/>
         </p:nvPicPr>
         <p:blipFill>
-          <a:blip r:embed="rId5">
+          <a:blip r:embed="rId4">
             <a:extLst>
               <a:ext uri="{28A0092B-C50C-407E-A947-70E740481C1C}">
                 <a14:useLocalDpi xmlns:a14="http://schemas.microsoft.com/office/drawing/2010/main" val="0"/>
@@ -5776,7 +9715,7 @@
           <a:noFill/>
           <a:extLst>
             <a:ext uri="{909E8E84-426E-40dd-AFC4-6F175D3DCCD1}">
-              <a14:hiddenFill xmlns:a14="http://schemas.microsoft.com/office/drawing/2010/main" xmlns="">
+              <a14:hiddenFill xmlns="" xmlns:a14="http://schemas.microsoft.com/office/drawing/2010/main">
                 <a:solidFill>
                   <a:srgbClr val="FFFFFF"/>
                 </a:solidFill>
@@ -5795,21 +9734,6 @@
   <p:clrMapOvr>
     <a:masterClrMapping/>
   </p:clrMapOvr>
-  <mc:AlternateContent xmlns:mc="http://schemas.openxmlformats.org/markup-compatibility/2006" xmlns:p14="http://schemas.microsoft.com/office/powerpoint/2010/main">
-    <mc:Choice Requires="p14">
-      <p:transition spd="slow" p14:dur="2000"/>
-    </mc:Choice>
-    <mc:Fallback xmlns="">
-      <p:transition spd="slow"/>
-    </mc:Fallback>
-  </mc:AlternateContent>
-  <p:timing>
-    <p:tnLst>
-      <p:par>
-        <p:cTn id="1" dur="indefinite" restart="never" nodeType="tmRoot"/>
-      </p:par>
-    </p:tnLst>
-  </p:timing>
 </p:sld>
 </file>
 
@@ -5846,7 +9770,7 @@
           <a:lstStyle/>
           <a:p>
             <a:r>
-              <a:rPr lang="en-US" smtClean="0"/>
+              <a:rPr lang="en-US"/>
               <a:t>Objectives</a:t>
             </a:r>
             <a:endParaRPr lang="en-US" dirty="0"/>
@@ -5873,7 +9797,7 @@
               <a:buAutoNum type="arabicPeriod"/>
             </a:pPr>
             <a:r>
-              <a:rPr lang="en-US" dirty="0" smtClean="0"/>
+              <a:rPr lang="en-US" dirty="0"/>
               <a:t>Learn about different types of variables</a:t>
             </a:r>
           </a:p>
@@ -5883,19 +9807,18 @@
               <a:buAutoNum type="arabicPeriod"/>
             </a:pPr>
             <a:r>
-              <a:rPr lang="en-US" dirty="0" smtClean="0"/>
+              <a:rPr lang="en-US" dirty="0"/>
               <a:t>Learn how to read and write to variables</a:t>
             </a:r>
           </a:p>
           <a:p>
-            <a:endParaRPr lang="en-US" dirty="0" smtClean="0"/>
-          </a:p>
-          <a:p>
-            <a:r>
-              <a:rPr lang="en-US" dirty="0" smtClean="0"/>
+            <a:endParaRPr lang="en-US" dirty="0"/>
+          </a:p>
+          <a:p>
+            <a:r>
+              <a:rPr lang="en-US" dirty="0"/>
               <a:t>Prerequisites:  Data wires, Color Sensor, and Display Blocks, Wait blocks</a:t>
             </a:r>
-            <a:endParaRPr lang="en-US" dirty="0"/>
           </a:p>
         </p:txBody>
       </p:sp>
@@ -5915,10 +9838,9 @@
           <a:lstStyle/>
           <a:p>
             <a:r>
-              <a:rPr lang="en-US" smtClean="0"/>
-              <a:t>© 2015 EV3Lessons.com, Last edit 5/26/2015</a:t>
-            </a:r>
-            <a:endParaRPr lang="en-US"/>
+              <a:rPr lang="en-US"/>
+              <a:t>© 2015 EV3Lessons.com, Last edit 7/06/2016</a:t>
+            </a:r>
           </a:p>
         </p:txBody>
       </p:sp>
@@ -5956,13 +9878,6 @@
   <p:clrMapOvr>
     <a:masterClrMapping/>
   </p:clrMapOvr>
-  <p:timing>
-    <p:tnLst>
-      <p:par>
-        <p:cTn id="1" dur="indefinite" restart="never" nodeType="tmRoot"/>
-      </p:par>
-    </p:tnLst>
-  </p:timing>
 </p:sld>
 </file>
 
@@ -6031,7 +9946,7 @@
           <a:lstStyle/>
           <a:p>
             <a:r>
-              <a:rPr lang="en-US" altLang="en-US" dirty="0" smtClean="0"/>
+              <a:rPr lang="en-US" altLang="en-US" dirty="0"/>
               <a:t>Additional Tool: Wired Display Blocks</a:t>
             </a:r>
           </a:p>
@@ -6048,7 +9963,7 @@
           </p:nvPr>
         </p:nvPicPr>
         <p:blipFill>
-          <a:blip r:embed="rId3">
+          <a:blip r:embed="rId3" cstate="email">
             <a:extLst>
               <a:ext uri="{28A0092B-C50C-407E-A947-70E740481C1C}">
                 <a14:useLocalDpi xmlns:a14="http://schemas.microsoft.com/office/drawing/2010/main" val="0"/>
@@ -6083,10 +9998,9 @@
           <a:lstStyle/>
           <a:p>
             <a:r>
-              <a:rPr lang="en-US" smtClean="0"/>
-              <a:t>© 2015 EV3Lessons.com, Last edit 5/26/2015</a:t>
-            </a:r>
-            <a:endParaRPr lang="en-US"/>
+              <a:rPr lang="en-US"/>
+              <a:t>© 2015 EV3Lessons.com, Last edit 7/06/2016</a:t>
+            </a:r>
           </a:p>
         </p:txBody>
       </p:sp>
@@ -6295,7 +10209,7 @@
               </a:pPr>
               <a:t>3</a:t>
             </a:fld>
-            <a:endParaRPr lang="en-US" altLang="en-US" sz="1400" smtClean="0"/>
+            <a:endParaRPr lang="en-US" altLang="en-US" sz="1400"/>
           </a:p>
         </p:txBody>
       </p:sp>
@@ -6326,7 +10240,7 @@
           </a:ln>
           <a:extLst>
             <a:ext uri="{909E8E84-426E-40dd-AFC4-6F175D3DCCD1}">
-              <a14:hiddenFill xmlns:a14="http://schemas.microsoft.com/office/drawing/2010/main" xmlns="">
+              <a14:hiddenFill xmlns="" xmlns:a14="http://schemas.microsoft.com/office/drawing/2010/main">
                 <a:solidFill>
                   <a:srgbClr val="FFFFFF"/>
                 </a:solidFill>
@@ -6551,12 +10465,12 @@
           <a:effectLst/>
           <a:extLst>
             <a:ext uri="{909E8E84-426E-40dd-AFC4-6F175D3DCCD1}">
-              <a14:hiddenFill xmlns:a14="http://schemas.microsoft.com/office/drawing/2010/main" xmlns="">
+              <a14:hiddenFill xmlns="" xmlns:a14="http://schemas.microsoft.com/office/drawing/2010/main">
                 <a:noFill/>
               </a14:hiddenFill>
             </a:ext>
             <a:ext uri="{AF507438-7753-43e0-B8FC-AC1667EBCBE1}">
-              <a14:hiddenEffects xmlns:a14="http://schemas.microsoft.com/office/drawing/2010/main" xmlns="">
+              <a14:hiddenEffects xmlns="" xmlns:a14="http://schemas.microsoft.com/office/drawing/2010/main">
                 <a:effectLst>
                   <a:outerShdw dist="35921" dir="2700000" algn="ctr" rotWithShape="0">
                     <a:schemeClr val="bg2"/>
@@ -6810,12 +10724,12 @@
           <a:effectLst/>
           <a:extLst>
             <a:ext uri="{909E8E84-426E-40dd-AFC4-6F175D3DCCD1}">
-              <a14:hiddenFill xmlns:a14="http://schemas.microsoft.com/office/drawing/2010/main" xmlns="">
+              <a14:hiddenFill xmlns="" xmlns:a14="http://schemas.microsoft.com/office/drawing/2010/main">
                 <a:noFill/>
               </a14:hiddenFill>
             </a:ext>
             <a:ext uri="{AF507438-7753-43e0-B8FC-AC1667EBCBE1}">
-              <a14:hiddenEffects xmlns:a14="http://schemas.microsoft.com/office/drawing/2010/main" xmlns="">
+              <a14:hiddenEffects xmlns="" xmlns:a14="http://schemas.microsoft.com/office/drawing/2010/main">
                 <a:effectLst>
                   <a:outerShdw dist="35921" dir="2700000" algn="ctr" rotWithShape="0">
                     <a:schemeClr val="bg2"/>
@@ -6848,14 +10762,14 @@
           </a:ln>
           <a:extLst>
             <a:ext uri="{909E8E84-426E-40dd-AFC4-6F175D3DCCD1}">
-              <a14:hiddenFill xmlns:a14="http://schemas.microsoft.com/office/drawing/2010/main" xmlns="">
+              <a14:hiddenFill xmlns="" xmlns:a14="http://schemas.microsoft.com/office/drawing/2010/main">
                 <a:solidFill>
                   <a:srgbClr val="FFFFFF"/>
                 </a:solidFill>
               </a14:hiddenFill>
             </a:ext>
             <a:ext uri="{91240B29-F687-4f45-9708-019B960494DF}">
-              <a14:hiddenLine xmlns:a14="http://schemas.microsoft.com/office/drawing/2010/main" xmlns="" w="9525">
+              <a14:hiddenLine xmlns="" xmlns:a14="http://schemas.microsoft.com/office/drawing/2010/main" w="9525">
                 <a:solidFill>
                   <a:srgbClr val="000000"/>
                 </a:solidFill>
@@ -7204,12 +11118,12 @@
           <a:effectLst/>
           <a:extLst>
             <a:ext uri="{909E8E84-426E-40dd-AFC4-6F175D3DCCD1}">
-              <a14:hiddenFill xmlns:a14="http://schemas.microsoft.com/office/drawing/2010/main" xmlns="">
+              <a14:hiddenFill xmlns="" xmlns:a14="http://schemas.microsoft.com/office/drawing/2010/main">
                 <a:noFill/>
               </a14:hiddenFill>
             </a:ext>
             <a:ext uri="{AF507438-7753-43e0-B8FC-AC1667EBCBE1}">
-              <a14:hiddenEffects xmlns:a14="http://schemas.microsoft.com/office/drawing/2010/main" xmlns="">
+              <a14:hiddenEffects xmlns="" xmlns:a14="http://schemas.microsoft.com/office/drawing/2010/main">
                 <a:effectLst>
                   <a:outerShdw dist="35921" dir="2700000" algn="ctr" rotWithShape="0">
                     <a:schemeClr val="bg2"/>
@@ -7250,12 +11164,12 @@
           <a:effectLst/>
           <a:extLst>
             <a:ext uri="{909E8E84-426E-40dd-AFC4-6F175D3DCCD1}">
-              <a14:hiddenFill xmlns:a14="http://schemas.microsoft.com/office/drawing/2010/main" xmlns="">
+              <a14:hiddenFill xmlns="" xmlns:a14="http://schemas.microsoft.com/office/drawing/2010/main">
                 <a:noFill/>
               </a14:hiddenFill>
             </a:ext>
             <a:ext uri="{AF507438-7753-43e0-B8FC-AC1667EBCBE1}">
-              <a14:hiddenEffects xmlns:a14="http://schemas.microsoft.com/office/drawing/2010/main" xmlns="">
+              <a14:hiddenEffects xmlns="" xmlns:a14="http://schemas.microsoft.com/office/drawing/2010/main">
                 <a:effectLst>
                   <a:outerShdw dist="35921" dir="2700000" algn="ctr" rotWithShape="0">
                     <a:schemeClr val="bg2"/>
@@ -7296,12 +11210,12 @@
           <a:effectLst/>
           <a:extLst>
             <a:ext uri="{909E8E84-426E-40dd-AFC4-6F175D3DCCD1}">
-              <a14:hiddenFill xmlns:a14="http://schemas.microsoft.com/office/drawing/2010/main" xmlns="">
+              <a14:hiddenFill xmlns="" xmlns:a14="http://schemas.microsoft.com/office/drawing/2010/main">
                 <a:noFill/>
               </a14:hiddenFill>
             </a:ext>
             <a:ext uri="{AF507438-7753-43e0-B8FC-AC1667EBCBE1}">
-              <a14:hiddenEffects xmlns:a14="http://schemas.microsoft.com/office/drawing/2010/main" xmlns="">
+              <a14:hiddenEffects xmlns="" xmlns:a14="http://schemas.microsoft.com/office/drawing/2010/main">
                 <a:effectLst>
                   <a:outerShdw dist="35921" dir="2700000" algn="ctr" rotWithShape="0">
                     <a:schemeClr val="bg2"/>
@@ -7342,12 +11256,12 @@
           <a:effectLst/>
           <a:extLst>
             <a:ext uri="{909E8E84-426E-40dd-AFC4-6F175D3DCCD1}">
-              <a14:hiddenFill xmlns:a14="http://schemas.microsoft.com/office/drawing/2010/main" xmlns="">
+              <a14:hiddenFill xmlns="" xmlns:a14="http://schemas.microsoft.com/office/drawing/2010/main">
                 <a:noFill/>
               </a14:hiddenFill>
             </a:ext>
             <a:ext uri="{AF507438-7753-43e0-B8FC-AC1667EBCBE1}">
-              <a14:hiddenEffects xmlns:a14="http://schemas.microsoft.com/office/drawing/2010/main" xmlns="">
+              <a14:hiddenEffects xmlns="" xmlns:a14="http://schemas.microsoft.com/office/drawing/2010/main">
                 <a:effectLst>
                   <a:outerShdw dist="35921" dir="2700000" algn="ctr" rotWithShape="0">
                     <a:schemeClr val="bg2"/>
@@ -7388,12 +11302,12 @@
           <a:effectLst/>
           <a:extLst>
             <a:ext uri="{909E8E84-426E-40dd-AFC4-6F175D3DCCD1}">
-              <a14:hiddenFill xmlns:a14="http://schemas.microsoft.com/office/drawing/2010/main" xmlns="">
+              <a14:hiddenFill xmlns="" xmlns:a14="http://schemas.microsoft.com/office/drawing/2010/main">
                 <a:noFill/>
               </a14:hiddenFill>
             </a:ext>
             <a:ext uri="{AF507438-7753-43e0-B8FC-AC1667EBCBE1}">
-              <a14:hiddenEffects xmlns:a14="http://schemas.microsoft.com/office/drawing/2010/main" xmlns="">
+              <a14:hiddenEffects xmlns="" xmlns:a14="http://schemas.microsoft.com/office/drawing/2010/main">
                 <a:effectLst>
                   <a:outerShdw dist="35921" dir="2700000" algn="ctr" rotWithShape="0">
                     <a:schemeClr val="bg2"/>
@@ -7434,12 +11348,12 @@
           <a:effectLst/>
           <a:extLst>
             <a:ext uri="{909E8E84-426E-40dd-AFC4-6F175D3DCCD1}">
-              <a14:hiddenFill xmlns:a14="http://schemas.microsoft.com/office/drawing/2010/main" xmlns="">
+              <a14:hiddenFill xmlns="" xmlns:a14="http://schemas.microsoft.com/office/drawing/2010/main">
                 <a:noFill/>
               </a14:hiddenFill>
             </a:ext>
             <a:ext uri="{AF507438-7753-43e0-B8FC-AC1667EBCBE1}">
-              <a14:hiddenEffects xmlns:a14="http://schemas.microsoft.com/office/drawing/2010/main" xmlns="">
+              <a14:hiddenEffects xmlns="" xmlns:a14="http://schemas.microsoft.com/office/drawing/2010/main">
                 <a:effectLst>
                   <a:outerShdw dist="35921" dir="2700000" algn="ctr" rotWithShape="0">
                     <a:schemeClr val="bg2"/>
@@ -7460,13 +11374,6 @@
   <p:clrMapOvr>
     <a:masterClrMapping/>
   </p:clrMapOvr>
-  <p:timing>
-    <p:tnLst>
-      <p:par>
-        <p:cTn id="1" dur="indefinite" restart="never" nodeType="tmRoot"/>
-      </p:par>
-    </p:tnLst>
-  </p:timing>
 </p:sld>
 </file>
 
@@ -7503,10 +11410,9 @@
           <a:lstStyle/>
           <a:p>
             <a:r>
-              <a:rPr lang="en-US" altLang="en-US" smtClean="0"/>
+              <a:rPr lang="en-US" altLang="en-US"/>
               <a:t>Variables</a:t>
             </a:r>
-            <a:endParaRPr lang="en-US" altLang="en-US" smtClean="0"/>
           </a:p>
         </p:txBody>
       </p:sp>
@@ -7526,77 +11432,77 @@
           <a:lstStyle/>
           <a:p>
             <a:r>
-              <a:rPr lang="en-US" altLang="en-US" smtClean="0"/>
+              <a:rPr lang="en-US" altLang="en-US"/>
               <a:t>What is a variable?  Ans. A variable stores a value that you can use later in your program. Think of it like a notepad or a box that holds a value for you.</a:t>
             </a:r>
           </a:p>
           <a:p>
             <a:r>
-              <a:rPr lang="en-US" altLang="en-US" smtClean="0"/>
+              <a:rPr lang="en-US" altLang="en-US"/>
               <a:t>You can name the variable whatever you want</a:t>
             </a:r>
           </a:p>
           <a:p>
             <a:r>
-              <a:rPr lang="en-US" altLang="en-US" smtClean="0"/>
+              <a:rPr lang="en-US" altLang="en-US"/>
               <a:t>You can define the type of variable:</a:t>
             </a:r>
           </a:p>
           <a:p>
             <a:pPr lvl="1"/>
             <a:r>
-              <a:rPr lang="en-US" altLang="en-US" smtClean="0"/>
+              <a:rPr lang="en-US" altLang="en-US"/>
               <a:t>Numeric (Holds a number)</a:t>
             </a:r>
           </a:p>
           <a:p>
             <a:pPr lvl="1"/>
             <a:r>
-              <a:rPr lang="en-US" altLang="en-US" smtClean="0"/>
+              <a:rPr lang="en-US" altLang="en-US"/>
               <a:t>Logic (Holds True/False)</a:t>
             </a:r>
           </a:p>
           <a:p>
             <a:pPr lvl="1"/>
             <a:r>
-              <a:rPr lang="en-US" altLang="en-US" smtClean="0"/>
+              <a:rPr lang="en-US" altLang="en-US"/>
               <a:t>Text (Holds lines of text … “Hello World”)</a:t>
             </a:r>
           </a:p>
           <a:p>
             <a:pPr lvl="1"/>
             <a:r>
-              <a:rPr lang="en-US" altLang="en-US" smtClean="0"/>
+              <a:rPr lang="en-US" altLang="en-US"/>
               <a:t>Numeric Array (Holds a set of numbers … 1,2,3,10,55)</a:t>
             </a:r>
           </a:p>
           <a:p>
             <a:pPr lvl="1"/>
             <a:r>
-              <a:rPr lang="en-US" altLang="en-US" smtClean="0"/>
+              <a:rPr lang="en-US" altLang="en-US"/>
               <a:t>Logic Array (Holds a set of logic … True, True, False)</a:t>
             </a:r>
           </a:p>
           <a:p>
             <a:r>
-              <a:rPr lang="en-US" altLang="en-US" smtClean="0"/>
+              <a:rPr lang="en-US" altLang="en-US"/>
               <a:t>They can be used as either Inputs or Outputs so you can either….</a:t>
             </a:r>
           </a:p>
           <a:p>
             <a:pPr lvl="1"/>
             <a:r>
-              <a:rPr lang="en-US" altLang="en-US" smtClean="0"/>
+              <a:rPr lang="en-US" altLang="en-US"/>
               <a:t>Write – put a value into the variable</a:t>
             </a:r>
           </a:p>
           <a:p>
             <a:pPr lvl="1"/>
             <a:r>
-              <a:rPr lang="en-US" altLang="en-US" smtClean="0"/>
+              <a:rPr lang="en-US" altLang="en-US"/>
               <a:t>Read – retrieve the last value written to the variable</a:t>
             </a:r>
-            <a:endParaRPr lang="en-US" altLang="en-US" dirty="0" smtClean="0"/>
+            <a:endParaRPr lang="en-US" altLang="en-US" dirty="0"/>
           </a:p>
         </p:txBody>
       </p:sp>
@@ -7616,10 +11522,9 @@
           <a:lstStyle/>
           <a:p>
             <a:r>
-              <a:rPr lang="en-US" smtClean="0"/>
-              <a:t>© 2015 EV3Lessons.com, Last edit 5/26/2015</a:t>
-            </a:r>
-            <a:endParaRPr lang="en-US"/>
+              <a:rPr lang="en-US"/>
+              <a:t>© 2015 EV3Lessons.com, Last edit 7/06/2016</a:t>
+            </a:r>
           </a:p>
         </p:txBody>
       </p:sp>
@@ -7809,7 +11714,7 @@
               <a:pPr/>
               <a:t>4</a:t>
             </a:fld>
-            <a:endParaRPr lang="en-US" altLang="en-US" smtClean="0"/>
+            <a:endParaRPr lang="en-US" altLang="en-US"/>
           </a:p>
         </p:txBody>
       </p:sp>
@@ -7823,13 +11728,6 @@
   <p:clrMapOvr>
     <a:masterClrMapping/>
   </p:clrMapOvr>
-  <p:timing>
-    <p:tnLst>
-      <p:par>
-        <p:cTn id="1" dur="indefinite" restart="never" nodeType="tmRoot"/>
-      </p:par>
-    </p:tnLst>
-  </p:timing>
 </p:sld>
 </file>
 
@@ -7866,7 +11764,7 @@
           <a:lstStyle/>
           <a:p>
             <a:r>
-              <a:rPr lang="en-US" smtClean="0"/>
+              <a:rPr lang="en-US"/>
               <a:t>Why Variables?</a:t>
             </a:r>
             <a:endParaRPr lang="en-US" dirty="0"/>
@@ -7889,36 +11787,35 @@
           <a:lstStyle/>
           <a:p>
             <a:r>
-              <a:rPr lang="en-US" dirty="0" smtClean="0"/>
+              <a:rPr lang="en-US" dirty="0"/>
               <a:t>Variables are an easy way to transfer data across code without too many data wires</a:t>
             </a:r>
           </a:p>
           <a:p>
             <a:r>
-              <a:rPr lang="en-US" dirty="0" smtClean="0"/>
+              <a:rPr lang="en-US" dirty="0"/>
               <a:t>You can also use variables to transfer data into a My Block without an input (</a:t>
             </a:r>
             <a:r>
-              <a:rPr lang="en-US" dirty="0" err="1" smtClean="0"/>
+              <a:rPr lang="en-US" dirty="0" err="1"/>
               <a:t>eg</a:t>
             </a:r>
             <a:r>
-              <a:rPr lang="en-US" dirty="0" smtClean="0"/>
+              <a:rPr lang="en-US" dirty="0"/>
               <a:t>. A variable for wheel size in Move Inches – You probably do not want this to be an input since it rarely changes. You may also use the value in other locations and want to change it just in one spot.)</a:t>
             </a:r>
           </a:p>
           <a:p>
             <a:r>
-              <a:rPr lang="en-US" dirty="0" smtClean="0"/>
+              <a:rPr lang="en-US" dirty="0"/>
               <a:t>Array variables can store multiple data items without needing several wires or variables</a:t>
             </a:r>
           </a:p>
           <a:p>
             <a:r>
-              <a:rPr lang="en-US" dirty="0" smtClean="0"/>
+              <a:rPr lang="en-US" dirty="0"/>
               <a:t>Having too many data wires or variables makes your code messy</a:t>
             </a:r>
-            <a:endParaRPr lang="en-US" dirty="0" smtClean="0"/>
           </a:p>
         </p:txBody>
       </p:sp>
@@ -7938,8 +11835,8 @@
           <a:lstStyle/>
           <a:p>
             <a:r>
-              <a:rPr lang="en-US" smtClean="0"/>
-              <a:t>© 2015 EV3Lessons.com, Last edit 5/26/2015</a:t>
+              <a:rPr lang="en-US"/>
+              <a:t>© 2015 EV3Lessons.com, Last edit 7/06/2016</a:t>
             </a:r>
             <a:endParaRPr lang="en-US" dirty="0"/>
           </a:p>
@@ -7979,13 +11876,6 @@
   <p:clrMapOvr>
     <a:masterClrMapping/>
   </p:clrMapOvr>
-  <p:timing>
-    <p:tnLst>
-      <p:par>
-        <p:cTn id="1" dur="indefinite" restart="never" nodeType="tmRoot"/>
-      </p:par>
-    </p:tnLst>
-  </p:timing>
 </p:sld>
 </file>
 
@@ -8084,7 +11974,7 @@
           <a:lstStyle/>
           <a:p>
             <a:r>
-              <a:rPr lang="en-US" altLang="en-US" dirty="0" smtClean="0"/>
+              <a:rPr lang="en-US" altLang="en-US" dirty="0"/>
               <a:t>Variable Blocks</a:t>
             </a:r>
           </a:p>
@@ -8106,10 +11996,9 @@
           <a:lstStyle/>
           <a:p>
             <a:r>
-              <a:rPr lang="en-US" smtClean="0"/>
-              <a:t>© 2015 EV3Lessons.com, Last edit 5/26/2015</a:t>
-            </a:r>
-            <a:endParaRPr lang="en-US"/>
+              <a:rPr lang="en-US"/>
+              <a:t>© 2015 EV3Lessons.com, Last edit 7/06/2016</a:t>
+            </a:r>
           </a:p>
         </p:txBody>
       </p:sp>
@@ -8318,7 +12207,7 @@
               </a:pPr>
               <a:t>6</a:t>
             </a:fld>
-            <a:endParaRPr lang="en-US" altLang="en-US" sz="1400" smtClean="0"/>
+            <a:endParaRPr lang="en-US" altLang="en-US" sz="1400"/>
           </a:p>
         </p:txBody>
       </p:sp>
@@ -8344,14 +12233,14 @@
           </a:ln>
           <a:extLst>
             <a:ext uri="{909E8E84-426E-40dd-AFC4-6F175D3DCCD1}">
-              <a14:hiddenFill xmlns:a14="http://schemas.microsoft.com/office/drawing/2010/main" xmlns="">
+              <a14:hiddenFill xmlns="" xmlns:a14="http://schemas.microsoft.com/office/drawing/2010/main">
                 <a:solidFill>
                   <a:srgbClr val="FFFFFF"/>
                 </a:solidFill>
               </a14:hiddenFill>
             </a:ext>
             <a:ext uri="{91240B29-F687-4f45-9708-019B960494DF}">
-              <a14:hiddenLine xmlns:a14="http://schemas.microsoft.com/office/drawing/2010/main" xmlns="" w="9525">
+              <a14:hiddenLine xmlns="" xmlns:a14="http://schemas.microsoft.com/office/drawing/2010/main" w="9525">
                 <a:solidFill>
                   <a:srgbClr val="000000"/>
                 </a:solidFill>
@@ -8572,14 +12461,14 @@
           </a:ln>
           <a:extLst>
             <a:ext uri="{909E8E84-426E-40dd-AFC4-6F175D3DCCD1}">
-              <a14:hiddenFill xmlns:a14="http://schemas.microsoft.com/office/drawing/2010/main" xmlns="">
+              <a14:hiddenFill xmlns="" xmlns:a14="http://schemas.microsoft.com/office/drawing/2010/main">
                 <a:solidFill>
                   <a:srgbClr val="FFFFFF"/>
                 </a:solidFill>
               </a14:hiddenFill>
             </a:ext>
             <a:ext uri="{91240B29-F687-4f45-9708-019B960494DF}">
-              <a14:hiddenLine xmlns:a14="http://schemas.microsoft.com/office/drawing/2010/main" xmlns="" w="9525">
+              <a14:hiddenLine xmlns="" xmlns:a14="http://schemas.microsoft.com/office/drawing/2010/main" w="9525">
                 <a:solidFill>
                   <a:srgbClr val="000000"/>
                 </a:solidFill>
@@ -8800,14 +12689,14 @@
           </a:ln>
           <a:extLst>
             <a:ext uri="{909E8E84-426E-40dd-AFC4-6F175D3DCCD1}">
-              <a14:hiddenFill xmlns:a14="http://schemas.microsoft.com/office/drawing/2010/main" xmlns="">
+              <a14:hiddenFill xmlns="" xmlns:a14="http://schemas.microsoft.com/office/drawing/2010/main">
                 <a:solidFill>
                   <a:srgbClr val="FFFFFF"/>
                 </a:solidFill>
               </a14:hiddenFill>
             </a:ext>
             <a:ext uri="{91240B29-F687-4f45-9708-019B960494DF}">
-              <a14:hiddenLine xmlns:a14="http://schemas.microsoft.com/office/drawing/2010/main" xmlns="" w="9525">
+              <a14:hiddenLine xmlns="" xmlns:a14="http://schemas.microsoft.com/office/drawing/2010/main" w="9525">
                 <a:solidFill>
                   <a:srgbClr val="000000"/>
                 </a:solidFill>
@@ -9028,14 +12917,14 @@
           </a:ln>
           <a:extLst>
             <a:ext uri="{909E8E84-426E-40dd-AFC4-6F175D3DCCD1}">
-              <a14:hiddenFill xmlns:a14="http://schemas.microsoft.com/office/drawing/2010/main" xmlns="">
+              <a14:hiddenFill xmlns="" xmlns:a14="http://schemas.microsoft.com/office/drawing/2010/main">
                 <a:solidFill>
                   <a:srgbClr val="FFFFFF"/>
                 </a:solidFill>
               </a14:hiddenFill>
             </a:ext>
             <a:ext uri="{91240B29-F687-4f45-9708-019B960494DF}">
-              <a14:hiddenLine xmlns:a14="http://schemas.microsoft.com/office/drawing/2010/main" xmlns="" w="9525">
+              <a14:hiddenLine xmlns="" xmlns:a14="http://schemas.microsoft.com/office/drawing/2010/main" w="9525">
                 <a:solidFill>
                   <a:srgbClr val="000000"/>
                 </a:solidFill>
@@ -9256,14 +13145,14 @@
           </a:ln>
           <a:extLst>
             <a:ext uri="{909E8E84-426E-40dd-AFC4-6F175D3DCCD1}">
-              <a14:hiddenFill xmlns:a14="http://schemas.microsoft.com/office/drawing/2010/main" xmlns="">
+              <a14:hiddenFill xmlns="" xmlns:a14="http://schemas.microsoft.com/office/drawing/2010/main">
                 <a:solidFill>
                   <a:srgbClr val="FFFFFF"/>
                 </a:solidFill>
               </a14:hiddenFill>
             </a:ext>
             <a:ext uri="{91240B29-F687-4f45-9708-019B960494DF}">
-              <a14:hiddenLine xmlns:a14="http://schemas.microsoft.com/office/drawing/2010/main" xmlns="" w="9525">
+              <a14:hiddenLine xmlns="" xmlns:a14="http://schemas.microsoft.com/office/drawing/2010/main" w="9525">
                 <a:solidFill>
                   <a:srgbClr val="000000"/>
                 </a:solidFill>
@@ -9498,14 +13387,14 @@
           <a:effectLst/>
           <a:extLst>
             <a:ext uri="{909E8E84-426E-40dd-AFC4-6F175D3DCCD1}">
-              <a14:hiddenFill xmlns:a14="http://schemas.microsoft.com/office/drawing/2010/main" xmlns="">
+              <a14:hiddenFill xmlns="" xmlns:a14="http://schemas.microsoft.com/office/drawing/2010/main">
                 <a:solidFill>
                   <a:schemeClr val="accent1"/>
                 </a:solidFill>
               </a14:hiddenFill>
             </a:ext>
             <a:ext uri="{91240B29-F687-4f45-9708-019B960494DF}">
-              <a14:hiddenLine xmlns:a14="http://schemas.microsoft.com/office/drawing/2010/main" xmlns="" w="9525">
+              <a14:hiddenLine xmlns="" xmlns:a14="http://schemas.microsoft.com/office/drawing/2010/main" w="9525">
                 <a:solidFill>
                   <a:schemeClr val="tx1"/>
                 </a:solidFill>
@@ -9515,7 +13404,7 @@
               </a14:hiddenLine>
             </a:ext>
             <a:ext uri="{AF507438-7753-43e0-B8FC-AC1667EBCBE1}">
-              <a14:hiddenEffects xmlns:a14="http://schemas.microsoft.com/office/drawing/2010/main" xmlns="">
+              <a14:hiddenEffects xmlns="" xmlns:a14="http://schemas.microsoft.com/office/drawing/2010/main">
                 <a:effectLst>
                   <a:outerShdw dist="35921" dir="2700000" algn="ctr" rotWithShape="0">
                     <a:schemeClr val="bg2"/>
@@ -9562,14 +13451,14 @@
           <a:effectLst/>
           <a:extLst>
             <a:ext uri="{909E8E84-426E-40dd-AFC4-6F175D3DCCD1}">
-              <a14:hiddenFill xmlns:a14="http://schemas.microsoft.com/office/drawing/2010/main" xmlns="">
+              <a14:hiddenFill xmlns="" xmlns:a14="http://schemas.microsoft.com/office/drawing/2010/main">
                 <a:solidFill>
                   <a:schemeClr val="accent1"/>
                 </a:solidFill>
               </a14:hiddenFill>
             </a:ext>
             <a:ext uri="{91240B29-F687-4f45-9708-019B960494DF}">
-              <a14:hiddenLine xmlns:a14="http://schemas.microsoft.com/office/drawing/2010/main" xmlns="" w="9525">
+              <a14:hiddenLine xmlns="" xmlns:a14="http://schemas.microsoft.com/office/drawing/2010/main" w="9525">
                 <a:solidFill>
                   <a:schemeClr val="tx1"/>
                 </a:solidFill>
@@ -9579,7 +13468,7 @@
               </a14:hiddenLine>
             </a:ext>
             <a:ext uri="{AF507438-7753-43e0-B8FC-AC1667EBCBE1}">
-              <a14:hiddenEffects xmlns:a14="http://schemas.microsoft.com/office/drawing/2010/main" xmlns="">
+              <a14:hiddenEffects xmlns="" xmlns:a14="http://schemas.microsoft.com/office/drawing/2010/main">
                 <a:effectLst>
                   <a:outerShdw dist="35921" dir="2700000" algn="ctr" rotWithShape="0">
                     <a:schemeClr val="bg2"/>
@@ -9626,14 +13515,14 @@
           <a:effectLst/>
           <a:extLst>
             <a:ext uri="{909E8E84-426E-40dd-AFC4-6F175D3DCCD1}">
-              <a14:hiddenFill xmlns:a14="http://schemas.microsoft.com/office/drawing/2010/main" xmlns="">
+              <a14:hiddenFill xmlns="" xmlns:a14="http://schemas.microsoft.com/office/drawing/2010/main">
                 <a:solidFill>
                   <a:schemeClr val="accent1"/>
                 </a:solidFill>
               </a14:hiddenFill>
             </a:ext>
             <a:ext uri="{91240B29-F687-4f45-9708-019B960494DF}">
-              <a14:hiddenLine xmlns:a14="http://schemas.microsoft.com/office/drawing/2010/main" xmlns="" w="9525">
+              <a14:hiddenLine xmlns="" xmlns:a14="http://schemas.microsoft.com/office/drawing/2010/main" w="9525">
                 <a:solidFill>
                   <a:schemeClr val="tx1"/>
                 </a:solidFill>
@@ -9643,7 +13532,7 @@
               </a14:hiddenLine>
             </a:ext>
             <a:ext uri="{AF507438-7753-43e0-B8FC-AC1667EBCBE1}">
-              <a14:hiddenEffects xmlns:a14="http://schemas.microsoft.com/office/drawing/2010/main" xmlns="">
+              <a14:hiddenEffects xmlns="" xmlns:a14="http://schemas.microsoft.com/office/drawing/2010/main">
                 <a:effectLst>
                   <a:outerShdw dist="35921" dir="2700000" algn="ctr" rotWithShape="0">
                     <a:schemeClr val="bg2"/>
@@ -9690,14 +13579,14 @@
           <a:effectLst/>
           <a:extLst>
             <a:ext uri="{909E8E84-426E-40dd-AFC4-6F175D3DCCD1}">
-              <a14:hiddenFill xmlns:a14="http://schemas.microsoft.com/office/drawing/2010/main" xmlns="">
+              <a14:hiddenFill xmlns="" xmlns:a14="http://schemas.microsoft.com/office/drawing/2010/main">
                 <a:solidFill>
                   <a:schemeClr val="accent1"/>
                 </a:solidFill>
               </a14:hiddenFill>
             </a:ext>
             <a:ext uri="{91240B29-F687-4f45-9708-019B960494DF}">
-              <a14:hiddenLine xmlns:a14="http://schemas.microsoft.com/office/drawing/2010/main" xmlns="" w="9525">
+              <a14:hiddenLine xmlns="" xmlns:a14="http://schemas.microsoft.com/office/drawing/2010/main" w="9525">
                 <a:solidFill>
                   <a:schemeClr val="tx1"/>
                 </a:solidFill>
@@ -9707,7 +13596,7 @@
               </a14:hiddenLine>
             </a:ext>
             <a:ext uri="{AF507438-7753-43e0-B8FC-AC1667EBCBE1}">
-              <a14:hiddenEffects xmlns:a14="http://schemas.microsoft.com/office/drawing/2010/main" xmlns="">
+              <a14:hiddenEffects xmlns="" xmlns:a14="http://schemas.microsoft.com/office/drawing/2010/main">
                 <a:effectLst>
                   <a:outerShdw dist="35921" dir="2700000" algn="ctr" rotWithShape="0">
                     <a:schemeClr val="bg2"/>
@@ -9754,14 +13643,14 @@
           <a:effectLst/>
           <a:extLst>
             <a:ext uri="{909E8E84-426E-40dd-AFC4-6F175D3DCCD1}">
-              <a14:hiddenFill xmlns:a14="http://schemas.microsoft.com/office/drawing/2010/main" xmlns="">
+              <a14:hiddenFill xmlns="" xmlns:a14="http://schemas.microsoft.com/office/drawing/2010/main">
                 <a:solidFill>
                   <a:schemeClr val="accent1"/>
                 </a:solidFill>
               </a14:hiddenFill>
             </a:ext>
             <a:ext uri="{91240B29-F687-4f45-9708-019B960494DF}">
-              <a14:hiddenLine xmlns:a14="http://schemas.microsoft.com/office/drawing/2010/main" xmlns="" w="9525">
+              <a14:hiddenLine xmlns="" xmlns:a14="http://schemas.microsoft.com/office/drawing/2010/main" w="9525">
                 <a:solidFill>
                   <a:schemeClr val="tx1"/>
                 </a:solidFill>
@@ -9771,7 +13660,7 @@
               </a14:hiddenLine>
             </a:ext>
             <a:ext uri="{AF507438-7753-43e0-B8FC-AC1667EBCBE1}">
-              <a14:hiddenEffects xmlns:a14="http://schemas.microsoft.com/office/drawing/2010/main" xmlns="">
+              <a14:hiddenEffects xmlns="" xmlns:a14="http://schemas.microsoft.com/office/drawing/2010/main">
                 <a:effectLst>
                   <a:outerShdw dist="35921" dir="2700000" algn="ctr" rotWithShape="0">
                     <a:schemeClr val="bg2"/>
@@ -9818,14 +13707,14 @@
           <a:effectLst/>
           <a:extLst>
             <a:ext uri="{909E8E84-426E-40dd-AFC4-6F175D3DCCD1}">
-              <a14:hiddenFill xmlns:a14="http://schemas.microsoft.com/office/drawing/2010/main" xmlns="">
+              <a14:hiddenFill xmlns="" xmlns:a14="http://schemas.microsoft.com/office/drawing/2010/main">
                 <a:solidFill>
                   <a:schemeClr val="accent1"/>
                 </a:solidFill>
               </a14:hiddenFill>
             </a:ext>
             <a:ext uri="{91240B29-F687-4f45-9708-019B960494DF}">
-              <a14:hiddenLine xmlns:a14="http://schemas.microsoft.com/office/drawing/2010/main" xmlns="" w="9525">
+              <a14:hiddenLine xmlns="" xmlns:a14="http://schemas.microsoft.com/office/drawing/2010/main" w="9525">
                 <a:solidFill>
                   <a:schemeClr val="tx1"/>
                 </a:solidFill>
@@ -9835,7 +13724,7 @@
               </a14:hiddenLine>
             </a:ext>
             <a:ext uri="{AF507438-7753-43e0-B8FC-AC1667EBCBE1}">
-              <a14:hiddenEffects xmlns:a14="http://schemas.microsoft.com/office/drawing/2010/main" xmlns="">
+              <a14:hiddenEffects xmlns="" xmlns:a14="http://schemas.microsoft.com/office/drawing/2010/main">
                 <a:effectLst>
                   <a:outerShdw dist="35921" dir="2700000" algn="ctr" rotWithShape="0">
                     <a:schemeClr val="bg2"/>
@@ -9868,14 +13757,14 @@
           </a:ln>
           <a:extLst>
             <a:ext uri="{909E8E84-426E-40dd-AFC4-6F175D3DCCD1}">
-              <a14:hiddenFill xmlns:a14="http://schemas.microsoft.com/office/drawing/2010/main" xmlns="">
+              <a14:hiddenFill xmlns="" xmlns:a14="http://schemas.microsoft.com/office/drawing/2010/main">
                 <a:solidFill>
                   <a:srgbClr val="FFFFFF"/>
                 </a:solidFill>
               </a14:hiddenFill>
             </a:ext>
             <a:ext uri="{91240B29-F687-4f45-9708-019B960494DF}">
-              <a14:hiddenLine xmlns:a14="http://schemas.microsoft.com/office/drawing/2010/main" xmlns="" w="9525">
+              <a14:hiddenLine xmlns="" xmlns:a14="http://schemas.microsoft.com/office/drawing/2010/main" w="9525">
                 <a:solidFill>
                   <a:srgbClr val="000000"/>
                 </a:solidFill>
@@ -10068,10 +13957,9 @@
               <a:buNone/>
             </a:pPr>
             <a:r>
-              <a:rPr lang="en-US" altLang="en-US" sz="1400" dirty="0" smtClean="0"/>
+              <a:rPr lang="en-US" altLang="en-US" sz="1400" dirty="0"/>
               <a:t>Write (Inputs) have a bump up</a:t>
             </a:r>
-            <a:endParaRPr lang="en-US" altLang="en-US" sz="1400" dirty="0"/>
           </a:p>
         </p:txBody>
       </p:sp>
@@ -10097,14 +13985,14 @@
           </a:ln>
           <a:extLst>
             <a:ext uri="{909E8E84-426E-40dd-AFC4-6F175D3DCCD1}">
-              <a14:hiddenFill xmlns:a14="http://schemas.microsoft.com/office/drawing/2010/main" xmlns="">
+              <a14:hiddenFill xmlns="" xmlns:a14="http://schemas.microsoft.com/office/drawing/2010/main">
                 <a:solidFill>
                   <a:srgbClr val="FFFFFF"/>
                 </a:solidFill>
               </a14:hiddenFill>
             </a:ext>
             <a:ext uri="{91240B29-F687-4f45-9708-019B960494DF}">
-              <a14:hiddenLine xmlns:a14="http://schemas.microsoft.com/office/drawing/2010/main" xmlns="" w="9525">
+              <a14:hiddenLine xmlns="" xmlns:a14="http://schemas.microsoft.com/office/drawing/2010/main" w="9525">
                 <a:solidFill>
                   <a:srgbClr val="000000"/>
                 </a:solidFill>
@@ -10297,10 +14185,9 @@
               <a:buNone/>
             </a:pPr>
             <a:r>
-              <a:rPr lang="en-US" altLang="en-US" sz="1400" dirty="0" smtClean="0"/>
+              <a:rPr lang="en-US" altLang="en-US" sz="1400" dirty="0"/>
               <a:t>Read (Outputs) have a bump down</a:t>
             </a:r>
-            <a:endParaRPr lang="en-US" altLang="en-US" sz="1400" dirty="0"/>
           </a:p>
         </p:txBody>
       </p:sp>
@@ -10326,14 +14213,14 @@
           </a:ln>
           <a:extLst>
             <a:ext uri="{909E8E84-426E-40dd-AFC4-6F175D3DCCD1}">
-              <a14:hiddenFill xmlns:a14="http://schemas.microsoft.com/office/drawing/2010/main" xmlns="">
+              <a14:hiddenFill xmlns="" xmlns:a14="http://schemas.microsoft.com/office/drawing/2010/main">
                 <a:solidFill>
                   <a:srgbClr val="FFFFFF"/>
                 </a:solidFill>
               </a14:hiddenFill>
             </a:ext>
             <a:ext uri="{91240B29-F687-4f45-9708-019B960494DF}">
-              <a14:hiddenLine xmlns:a14="http://schemas.microsoft.com/office/drawing/2010/main" xmlns="" w="9525">
+              <a14:hiddenLine xmlns="" xmlns:a14="http://schemas.microsoft.com/office/drawing/2010/main" w="9525">
                 <a:solidFill>
                   <a:srgbClr val="000000"/>
                 </a:solidFill>
@@ -10554,14 +14441,14 @@
           </a:ln>
           <a:extLst>
             <a:ext uri="{909E8E84-426E-40dd-AFC4-6F175D3DCCD1}">
-              <a14:hiddenFill xmlns:a14="http://schemas.microsoft.com/office/drawing/2010/main" xmlns="">
+              <a14:hiddenFill xmlns="" xmlns:a14="http://schemas.microsoft.com/office/drawing/2010/main">
                 <a:solidFill>
                   <a:srgbClr val="FFFFFF"/>
                 </a:solidFill>
               </a14:hiddenFill>
             </a:ext>
             <a:ext uri="{91240B29-F687-4f45-9708-019B960494DF}">
-              <a14:hiddenLine xmlns:a14="http://schemas.microsoft.com/office/drawing/2010/main" xmlns="" w="9525">
+              <a14:hiddenLine xmlns="" xmlns:a14="http://schemas.microsoft.com/office/drawing/2010/main" w="9525">
                 <a:solidFill>
                   <a:srgbClr val="000000"/>
                 </a:solidFill>
@@ -10782,14 +14669,14 @@
           </a:ln>
           <a:extLst>
             <a:ext uri="{909E8E84-426E-40dd-AFC4-6F175D3DCCD1}">
-              <a14:hiddenFill xmlns:a14="http://schemas.microsoft.com/office/drawing/2010/main" xmlns="">
+              <a14:hiddenFill xmlns="" xmlns:a14="http://schemas.microsoft.com/office/drawing/2010/main">
                 <a:solidFill>
                   <a:srgbClr val="FFFFFF"/>
                 </a:solidFill>
               </a14:hiddenFill>
             </a:ext>
             <a:ext uri="{91240B29-F687-4f45-9708-019B960494DF}">
-              <a14:hiddenLine xmlns:a14="http://schemas.microsoft.com/office/drawing/2010/main" xmlns="" w="9525">
+              <a14:hiddenLine xmlns="" xmlns:a14="http://schemas.microsoft.com/office/drawing/2010/main" w="9525">
                 <a:solidFill>
                   <a:srgbClr val="000000"/>
                 </a:solidFill>
@@ -11011,10 +14898,9 @@
           <a:lstStyle/>
           <a:p>
             <a:r>
-              <a:rPr lang="en-US" dirty="0" smtClean="0"/>
+              <a:rPr lang="en-US" dirty="0"/>
               <a:t>Use the key above to identify if the variables are Inputs or Outputs and if they are Numeric, Logic or Text</a:t>
             </a:r>
-            <a:endParaRPr lang="en-US" dirty="0"/>
           </a:p>
         </p:txBody>
       </p:sp>
@@ -11040,14 +14926,14 @@
           </a:ln>
           <a:extLst>
             <a:ext uri="{909E8E84-426E-40dd-AFC4-6F175D3DCCD1}">
-              <a14:hiddenFill xmlns:a14="http://schemas.microsoft.com/office/drawing/2010/main" xmlns="">
+              <a14:hiddenFill xmlns="" xmlns:a14="http://schemas.microsoft.com/office/drawing/2010/main">
                 <a:solidFill>
                   <a:srgbClr val="FFFFFF"/>
                 </a:solidFill>
               </a14:hiddenFill>
             </a:ext>
             <a:ext uri="{91240B29-F687-4f45-9708-019B960494DF}">
-              <a14:hiddenLine xmlns:a14="http://schemas.microsoft.com/office/drawing/2010/main" xmlns="" w="9525">
+              <a14:hiddenLine xmlns="" xmlns:a14="http://schemas.microsoft.com/office/drawing/2010/main" w="9525">
                 <a:solidFill>
                   <a:srgbClr val="000000"/>
                 </a:solidFill>
@@ -11240,12 +15126,8 @@
               <a:buNone/>
             </a:pPr>
             <a:r>
-              <a:rPr lang="en-US" altLang="en-US" sz="1400" dirty="0" smtClean="0"/>
-              <a:t>Read </a:t>
-            </a:r>
-            <a:r>
               <a:rPr lang="en-US" altLang="en-US" sz="1400" dirty="0"/>
-              <a:t>Text</a:t>
+              <a:t>Read Text</a:t>
             </a:r>
           </a:p>
         </p:txBody>
@@ -11290,7 +15172,7 @@
           <a:lstStyle/>
           <a:p>
             <a:r>
-              <a:rPr lang="en-US" dirty="0" smtClean="0">
+              <a:rPr lang="en-US" dirty="0">
                 <a:solidFill>
                   <a:srgbClr val="FF0000"/>
                 </a:solidFill>
@@ -11300,18 +15182,13 @@
           </a:p>
           <a:p>
             <a:r>
-              <a:rPr lang="en-US" dirty="0" smtClean="0">
+              <a:rPr lang="en-US" dirty="0">
                 <a:solidFill>
                   <a:srgbClr val="FF0000"/>
                 </a:solidFill>
               </a:rPr>
               <a:t>When you display logic to the screen it will show 1 for True or 0 for False</a:t>
             </a:r>
-            <a:endParaRPr lang="en-US" dirty="0">
-              <a:solidFill>
-                <a:srgbClr val="FF0000"/>
-              </a:solidFill>
-            </a:endParaRPr>
           </a:p>
         </p:txBody>
       </p:sp>
@@ -13164,10 +17041,9 @@
           <a:lstStyle/>
           <a:p>
             <a:r>
-              <a:rPr lang="en-US" dirty="0" smtClean="0"/>
+              <a:rPr lang="en-US" dirty="0"/>
               <a:t>Outputs of Different Types of Variables</a:t>
             </a:r>
-            <a:endParaRPr lang="en-US" dirty="0"/>
           </a:p>
         </p:txBody>
       </p:sp>
@@ -13187,10 +17063,9 @@
           <a:lstStyle/>
           <a:p>
             <a:r>
-              <a:rPr lang="en-US" smtClean="0"/>
-              <a:t>© 2015 EV3Lessons.com, Last edit 5/26/2015</a:t>
-            </a:r>
-            <a:endParaRPr lang="en-US"/>
+              <a:rPr lang="en-US"/>
+              <a:t>© 2015 EV3Lessons.com, Last edit 7/06/2016</a:t>
+            </a:r>
           </a:p>
         </p:txBody>
       </p:sp>
@@ -13264,16 +17139,15 @@
           <a:lstStyle/>
           <a:p>
             <a:r>
-              <a:rPr lang="en-US" dirty="0" smtClean="0"/>
+              <a:rPr lang="en-US" dirty="0"/>
               <a:t>Numeric Variables:</a:t>
             </a:r>
           </a:p>
           <a:p>
             <a:r>
-              <a:rPr lang="en-US" dirty="0" smtClean="0"/>
+              <a:rPr lang="en-US" dirty="0"/>
               <a:t>This will display 10 on the screen</a:t>
             </a:r>
-            <a:endParaRPr lang="en-US" dirty="0"/>
           </a:p>
         </p:txBody>
       </p:sp>
@@ -13300,16 +17174,15 @@
           <a:lstStyle/>
           <a:p>
             <a:r>
-              <a:rPr lang="en-US" dirty="0" smtClean="0"/>
+              <a:rPr lang="en-US" dirty="0"/>
               <a:t>Logic Variables:</a:t>
             </a:r>
           </a:p>
           <a:p>
             <a:r>
-              <a:rPr lang="en-US" dirty="0" smtClean="0"/>
+              <a:rPr lang="en-US" dirty="0"/>
               <a:t>This will display 0 on the screen</a:t>
             </a:r>
-            <a:endParaRPr lang="en-US" dirty="0"/>
           </a:p>
         </p:txBody>
       </p:sp>
@@ -13336,16 +17209,15 @@
           <a:lstStyle/>
           <a:p>
             <a:r>
-              <a:rPr lang="en-US" dirty="0" smtClean="0"/>
+              <a:rPr lang="en-US" dirty="0"/>
               <a:t>Text Variables:</a:t>
             </a:r>
           </a:p>
           <a:p>
             <a:r>
-              <a:rPr lang="en-US" dirty="0" smtClean="0"/>
+              <a:rPr lang="en-US" dirty="0"/>
               <a:t>This will display Hello on the screen</a:t>
             </a:r>
-            <a:endParaRPr lang="en-US" dirty="0"/>
           </a:p>
         </p:txBody>
       </p:sp>
@@ -13372,10 +17244,9 @@
           <a:lstStyle/>
           <a:p>
             <a:r>
-              <a:rPr lang="en-US" dirty="0" smtClean="0"/>
+              <a:rPr lang="en-US" dirty="0"/>
               <a:t>Write to the variable</a:t>
             </a:r>
-            <a:endParaRPr lang="en-US" dirty="0"/>
           </a:p>
         </p:txBody>
       </p:sp>
@@ -13402,10 +17273,9 @@
           <a:lstStyle/>
           <a:p>
             <a:r>
-              <a:rPr lang="en-US" dirty="0" smtClean="0"/>
+              <a:rPr lang="en-US" dirty="0"/>
               <a:t>Here we display the value of the variable to the screen</a:t>
             </a:r>
-            <a:endParaRPr lang="en-US" dirty="0"/>
           </a:p>
         </p:txBody>
       </p:sp>
@@ -13446,10 +17316,9 @@
           <a:p>
             <a:pPr algn="ctr"/>
             <a:r>
-              <a:rPr lang="en-US" dirty="0" smtClean="0"/>
+              <a:rPr lang="en-US" dirty="0"/>
               <a:t>Can you guess what each of these do?</a:t>
             </a:r>
-            <a:endParaRPr lang="en-US" dirty="0"/>
           </a:p>
         </p:txBody>
       </p:sp>
@@ -13993,10 +17862,10 @@
           <a:lstStyle/>
           <a:p>
             <a:r>
-              <a:rPr lang="en-US" altLang="en-US" smtClean="0"/>
+              <a:rPr lang="en-US" altLang="en-US"/>
               <a:t>Challenges</a:t>
             </a:r>
-            <a:endParaRPr lang="en-US" altLang="en-US" dirty="0" smtClean="0"/>
+            <a:endParaRPr lang="en-US" altLang="en-US" dirty="0"/>
           </a:p>
         </p:txBody>
       </p:sp>
@@ -14021,27 +17890,27 @@
           <a:lstStyle/>
           <a:p>
             <a:r>
-              <a:rPr lang="en-US" smtClean="0"/>
+              <a:rPr lang="en-US"/>
               <a:t>Challenge 1: </a:t>
             </a:r>
           </a:p>
           <a:p>
             <a:pPr lvl="1"/>
             <a:r>
-              <a:rPr lang="en-US" smtClean="0"/>
+              <a:rPr lang="en-US"/>
               <a:t>Can you make a program that displays the number of times that you have clicked the up button?</a:t>
             </a:r>
           </a:p>
           <a:p>
             <a:r>
-              <a:rPr lang="en-US" smtClean="0"/>
+              <a:rPr lang="en-US"/>
               <a:t> Challenge 2:</a:t>
             </a:r>
           </a:p>
           <a:p>
             <a:pPr lvl="1"/>
             <a:r>
-              <a:rPr lang="en-US" smtClean="0"/>
+              <a:rPr lang="en-US"/>
               <a:t>Can you write a program that counts the number of black lines you have crossed?</a:t>
             </a:r>
             <a:endParaRPr lang="en-US" dirty="0"/>
@@ -14064,10 +17933,9 @@
           <a:lstStyle/>
           <a:p>
             <a:r>
-              <a:rPr lang="en-US" smtClean="0"/>
-              <a:t>© 2015 EV3Lessons.com, Last edit 5/26/2015</a:t>
-            </a:r>
-            <a:endParaRPr lang="en-US"/>
+              <a:rPr lang="en-US"/>
+              <a:t>© 2015 EV3Lessons.com, Last edit 7/06/2016</a:t>
+            </a:r>
           </a:p>
         </p:txBody>
       </p:sp>
@@ -14257,7 +18125,7 @@
               <a:pPr/>
               <a:t>8</a:t>
             </a:fld>
-            <a:endParaRPr lang="en-US" altLang="en-US" smtClean="0"/>
+            <a:endParaRPr lang="en-US" altLang="en-US"/>
           </a:p>
         </p:txBody>
       </p:sp>
@@ -14352,10 +18220,9 @@
           <a:lstStyle/>
           <a:p>
             <a:r>
-              <a:rPr lang="en-US" dirty="0" smtClean="0"/>
+              <a:rPr lang="en-US" dirty="0"/>
               <a:t>START</a:t>
             </a:r>
-            <a:endParaRPr lang="en-US" dirty="0"/>
           </a:p>
         </p:txBody>
       </p:sp>
@@ -14382,10 +18249,9 @@
           <a:lstStyle/>
           <a:p>
             <a:r>
-              <a:rPr lang="en-US" dirty="0" smtClean="0"/>
+              <a:rPr lang="en-US" dirty="0"/>
               <a:t>FINISH</a:t>
             </a:r>
-            <a:endParaRPr lang="en-US" dirty="0"/>
           </a:p>
         </p:txBody>
       </p:sp>
@@ -14451,10 +18317,9 @@
           <a:lstStyle/>
           <a:p>
             <a:r>
-              <a:rPr lang="en-US" dirty="0" smtClean="0"/>
+              <a:rPr lang="en-US" dirty="0"/>
               <a:t>Challenge 2</a:t>
             </a:r>
-            <a:endParaRPr lang="en-US" dirty="0"/>
           </a:p>
         </p:txBody>
       </p:sp>
@@ -14573,13 +18438,6 @@
   <p:clrMapOvr>
     <a:masterClrMapping/>
   </p:clrMapOvr>
-  <p:timing>
-    <p:tnLst>
-      <p:par>
-        <p:cTn id="1" dur="indefinite" restart="never" nodeType="tmRoot"/>
-      </p:par>
-    </p:tnLst>
-  </p:timing>
 </p:sld>
 </file>
 
@@ -14618,10 +18476,9 @@
           <a:lstStyle/>
           <a:p>
             <a:r>
-              <a:rPr lang="en-US" altLang="en-US" sz="4300" dirty="0" smtClean="0"/>
+              <a:rPr lang="en-US" altLang="en-US" sz="4300" dirty="0"/>
               <a:t>Challenge 1 Solution: Count Clicks</a:t>
             </a:r>
-            <a:endParaRPr lang="en-US" altLang="en-US" sz="4300" dirty="0" smtClean="0"/>
           </a:p>
         </p:txBody>
       </p:sp>
@@ -14641,10 +18498,9 @@
           <a:lstStyle/>
           <a:p>
             <a:r>
-              <a:rPr lang="en-US" smtClean="0"/>
-              <a:t>© 2015 EV3Lessons.com, Last edit 5/26/2015</a:t>
-            </a:r>
-            <a:endParaRPr lang="en-US"/>
+              <a:rPr lang="en-US"/>
+              <a:t>© 2015 EV3Lessons.com, Last edit 7/06/2016</a:t>
+            </a:r>
           </a:p>
         </p:txBody>
       </p:sp>
@@ -14834,7 +18690,7 @@
               <a:pPr/>
               <a:t>9</a:t>
             </a:fld>
-            <a:endParaRPr lang="en-US" altLang="en-US" smtClean="0"/>
+            <a:endParaRPr lang="en-US" altLang="en-US"/>
           </a:p>
         </p:txBody>
       </p:sp>
@@ -14847,7 +18703,7 @@
           <p:nvPr/>
         </p:nvPicPr>
         <p:blipFill rotWithShape="1">
-          <a:blip r:embed="rId2">
+          <a:blip r:embed="rId2" cstate="email">
             <a:extLst>
               <a:ext uri="{28A0092B-C50C-407E-A947-70E740481C1C}">
                 <a14:useLocalDpi xmlns:a14="http://schemas.microsoft.com/office/drawing/2010/main" val="0"/>
@@ -14877,13 +18733,6 @@
   <p:clrMapOvr>
     <a:masterClrMapping/>
   </p:clrMapOvr>
-  <p:timing>
-    <p:tnLst>
-      <p:par>
-        <p:cTn id="1" dur="indefinite" restart="never" nodeType="tmRoot"/>
-      </p:par>
-    </p:tnLst>
-  </p:timing>
 </p:sld>
 </file>
 
@@ -15171,9 +19020,9 @@
 </file>
 
 <file path=ppt/theme/theme2.xml><?xml version="1.0" encoding="utf-8"?>
-<a:theme xmlns:a="http://schemas.openxmlformats.org/drawingml/2006/main" name="Office Theme">
+<a:theme xmlns:a="http://schemas.openxmlformats.org/drawingml/2006/main" name="intermediatev2">
   <a:themeElements>
-    <a:clrScheme name="Office">
+    <a:clrScheme name="Blue II">
       <a:dk1>
         <a:sysClr val="windowText" lastClr="000000"/>
       </a:dk1>
@@ -15181,39 +19030,39 @@
         <a:sysClr val="window" lastClr="FFFFFF"/>
       </a:lt1>
       <a:dk2>
-        <a:srgbClr val="1F497D"/>
+        <a:srgbClr val="335B74"/>
       </a:dk2>
       <a:lt2>
-        <a:srgbClr val="EEECE1"/>
+        <a:srgbClr val="DFE3E5"/>
       </a:lt2>
       <a:accent1>
-        <a:srgbClr val="4F81BD"/>
+        <a:srgbClr val="1CADE4"/>
       </a:accent1>
       <a:accent2>
-        <a:srgbClr val="C0504D"/>
+        <a:srgbClr val="2683C6"/>
       </a:accent2>
       <a:accent3>
-        <a:srgbClr val="9BBB59"/>
+        <a:srgbClr val="27CED7"/>
       </a:accent3>
       <a:accent4>
-        <a:srgbClr val="8064A2"/>
+        <a:srgbClr val="42BA97"/>
       </a:accent4>
       <a:accent5>
-        <a:srgbClr val="4BACC6"/>
+        <a:srgbClr val="3E8853"/>
       </a:accent5>
       <a:accent6>
-        <a:srgbClr val="F79646"/>
+        <a:srgbClr val="62A39F"/>
       </a:accent6>
       <a:hlink>
-        <a:srgbClr val="0000FF"/>
+        <a:srgbClr val="6EAC1C"/>
       </a:hlink>
       <a:folHlink>
-        <a:srgbClr val="800080"/>
+        <a:srgbClr val="B26B02"/>
       </a:folHlink>
     </a:clrScheme>
-    <a:fontScheme name="Office">
+    <a:fontScheme name="Retrospect">
       <a:majorFont>
-        <a:latin typeface="Calibri"/>
+        <a:latin typeface="Calibri Light" panose="020F0302020204030204"/>
         <a:ea typeface=""/>
         <a:cs typeface=""/>
         <a:font script="Jpan" typeface="ＭＳ Ｐゴシック"/>
@@ -15248,7 +19097,7 @@
         <a:font script="Geor" typeface="Sylfaen"/>
       </a:majorFont>
       <a:minorFont>
-        <a:latin typeface="Calibri"/>
+        <a:latin typeface="Calibri" panose="020F0502020204030204"/>
         <a:ea typeface=""/>
         <a:cs typeface=""/>
         <a:font script="Jpan" typeface="ＭＳ Ｐゴシック"/>
@@ -15283,7 +19132,7 @@
         <a:font script="Geor" typeface="Sylfaen"/>
       </a:minorFont>
     </a:fontScheme>
-    <a:fmtScheme name="Office">
+    <a:fmtScheme name="Retrospect">
       <a:fillStyleLst>
         <a:solidFill>
           <a:schemeClr val="phClr"/>
@@ -15292,52 +19141,73 @@
           <a:gsLst>
             <a:gs pos="0">
               <a:schemeClr val="phClr">
-                <a:tint val="50000"/>
-                <a:satMod val="300000"/>
+                <a:tint val="65000"/>
+                <a:shade val="92000"/>
+                <a:satMod val="130000"/>
               </a:schemeClr>
             </a:gs>
-            <a:gs pos="35000">
+            <a:gs pos="45000">
               <a:schemeClr val="phClr">
-                <a:tint val="37000"/>
-                <a:satMod val="300000"/>
+                <a:tint val="60000"/>
+                <a:shade val="99000"/>
+                <a:satMod val="120000"/>
               </a:schemeClr>
             </a:gs>
             <a:gs pos="100000">
               <a:schemeClr val="phClr">
-                <a:tint val="15000"/>
-                <a:satMod val="350000"/>
+                <a:tint val="55000"/>
+                <a:satMod val="140000"/>
               </a:schemeClr>
             </a:gs>
           </a:gsLst>
-          <a:lin ang="16200000" scaled="1"/>
+          <a:path path="circle">
+            <a:fillToRect l="100000" t="100000" r="100000" b="100000"/>
+          </a:path>
         </a:gradFill>
         <a:gradFill rotWithShape="1">
           <a:gsLst>
             <a:gs pos="0">
               <a:schemeClr val="phClr">
+                <a:shade val="85000"/>
+                <a:satMod val="130000"/>
+              </a:schemeClr>
+            </a:gs>
+            <a:gs pos="34000">
+              <a:schemeClr val="phClr">
+                <a:shade val="87000"/>
+                <a:satMod val="125000"/>
+              </a:schemeClr>
+            </a:gs>
+            <a:gs pos="70000">
+              <a:schemeClr val="phClr">
                 <a:tint val="100000"/>
-                <a:shade val="100000"/>
+                <a:shade val="90000"/>
                 <a:satMod val="130000"/>
               </a:schemeClr>
             </a:gs>
             <a:gs pos="100000">
               <a:schemeClr val="phClr">
-                <a:tint val="50000"/>
+                <a:tint val="100000"/>
                 <a:shade val="100000"/>
-                <a:satMod val="350000"/>
+                <a:satMod val="110000"/>
               </a:schemeClr>
             </a:gs>
           </a:gsLst>
-          <a:lin ang="16200000" scaled="0"/>
+          <a:path path="circle">
+            <a:fillToRect l="100000" t="100000" r="100000" b="100000"/>
+          </a:path>
         </a:gradFill>
       </a:fillStyleLst>
       <a:lnStyleLst>
-        <a:ln w="9525" cap="flat" cmpd="sng" algn="ctr">
+        <a:ln w="12700" cap="flat" cmpd="sng" algn="ctr">
           <a:solidFill>
-            <a:schemeClr val="phClr">
-              <a:shade val="95000"/>
-              <a:satMod val="105000"/>
-            </a:schemeClr>
+            <a:schemeClr val="phClr"/>
+          </a:solidFill>
+          <a:prstDash val="solid"/>
+        </a:ln>
+        <a:ln w="15875" cap="flat" cmpd="sng" algn="ctr">
+          <a:solidFill>
+            <a:schemeClr val="phClr"/>
           </a:solidFill>
           <a:prstDash val="solid"/>
         </a:ln>
@@ -15347,37 +19217,25 @@
           </a:solidFill>
           <a:prstDash val="solid"/>
         </a:ln>
-        <a:ln w="38100" cap="flat" cmpd="sng" algn="ctr">
-          <a:solidFill>
-            <a:schemeClr val="phClr"/>
-          </a:solidFill>
-          <a:prstDash val="solid"/>
-        </a:ln>
       </a:lnStyleLst>
       <a:effectStyleLst>
         <a:effectStyle>
+          <a:effectLst/>
+        </a:effectStyle>
+        <a:effectStyle>
           <a:effectLst>
-            <a:outerShdw blurRad="40000" dist="20000" dir="5400000" rotWithShape="0">
+            <a:outerShdw blurRad="38100" dist="25400" dir="2700000" algn="br" rotWithShape="0">
               <a:srgbClr val="000000">
-                <a:alpha val="38000"/>
+                <a:alpha val="60000"/>
               </a:srgbClr>
             </a:outerShdw>
           </a:effectLst>
         </a:effectStyle>
         <a:effectStyle>
           <a:effectLst>
-            <a:outerShdw blurRad="40000" dist="23000" dir="5400000" rotWithShape="0">
+            <a:outerShdw blurRad="44450" dist="25400" dir="2700000" algn="br" rotWithShape="0">
               <a:srgbClr val="000000">
-                <a:alpha val="35000"/>
-              </a:srgbClr>
-            </a:outerShdw>
-          </a:effectLst>
-        </a:effectStyle>
-        <a:effectStyle>
-          <a:effectLst>
-            <a:outerShdw blurRad="40000" dist="23000" dir="5400000" rotWithShape="0">
-              <a:srgbClr val="000000">
-                <a:alpha val="35000"/>
+                <a:alpha val="60000"/>
               </a:srgbClr>
             </a:outerShdw>
           </a:effectLst>
@@ -15386,11 +19244,11 @@
               <a:rot lat="0" lon="0" rev="0"/>
             </a:camera>
             <a:lightRig rig="threePt" dir="t">
-              <a:rot lat="0" lon="0" rev="1200000"/>
+              <a:rot lat="0" lon="0" rev="19800000"/>
             </a:lightRig>
           </a:scene3d>
-          <a:sp3d>
-            <a:bevelT w="63500" h="25400"/>
+          <a:sp3d prstMaterial="flat">
+            <a:bevelT w="25400" h="31750"/>
           </a:sp3d>
         </a:effectStyle>
       </a:effectStyleLst>
@@ -15398,95 +19256,49 @@
         <a:solidFill>
           <a:schemeClr val="phClr"/>
         </a:solidFill>
+        <a:solidFill>
+          <a:schemeClr val="phClr">
+            <a:tint val="90000"/>
+            <a:shade val="97000"/>
+            <a:satMod val="130000"/>
+          </a:schemeClr>
+        </a:solidFill>
         <a:gradFill rotWithShape="1">
           <a:gsLst>
             <a:gs pos="0">
               <a:schemeClr val="phClr">
-                <a:tint val="40000"/>
-                <a:satMod val="350000"/>
+                <a:tint val="96000"/>
+                <a:shade val="99000"/>
+                <a:satMod val="140000"/>
               </a:schemeClr>
             </a:gs>
-            <a:gs pos="40000">
+            <a:gs pos="65000">
               <a:schemeClr val="phClr">
-                <a:tint val="45000"/>
-                <a:shade val="99000"/>
-                <a:satMod val="350000"/>
+                <a:tint val="100000"/>
+                <a:shade val="80000"/>
+                <a:satMod val="130000"/>
               </a:schemeClr>
             </a:gs>
             <a:gs pos="100000">
               <a:schemeClr val="phClr">
-                <a:shade val="20000"/>
-                <a:satMod val="255000"/>
+                <a:tint val="100000"/>
+                <a:shade val="48000"/>
+                <a:satMod val="120000"/>
               </a:schemeClr>
             </a:gs>
           </a:gsLst>
-          <a:path path="circle">
-            <a:fillToRect l="50000" t="-80000" r="50000" b="180000"/>
-          </a:path>
-        </a:gradFill>
-        <a:gradFill rotWithShape="1">
-          <a:gsLst>
-            <a:gs pos="0">
-              <a:schemeClr val="phClr">
-                <a:tint val="80000"/>
-                <a:satMod val="300000"/>
-              </a:schemeClr>
-            </a:gs>
-            <a:gs pos="100000">
-              <a:schemeClr val="phClr">
-                <a:shade val="30000"/>
-                <a:satMod val="200000"/>
-              </a:schemeClr>
-            </a:gs>
-          </a:gsLst>
-          <a:path path="circle">
-            <a:fillToRect l="50000" t="50000" r="50000" b="50000"/>
-          </a:path>
+          <a:lin ang="16200000" scaled="0"/>
         </a:gradFill>
       </a:bgFillStyleLst>
     </a:fmtScheme>
   </a:themeElements>
-  <a:objectDefaults>
-    <a:spDef>
-      <a:spPr/>
-      <a:bodyPr/>
-      <a:lstStyle/>
-      <a:style>
-        <a:lnRef idx="1">
-          <a:schemeClr val="accent1"/>
-        </a:lnRef>
-        <a:fillRef idx="3">
-          <a:schemeClr val="accent1"/>
-        </a:fillRef>
-        <a:effectRef idx="2">
-          <a:schemeClr val="accent1"/>
-        </a:effectRef>
-        <a:fontRef idx="minor">
-          <a:schemeClr val="lt1"/>
-        </a:fontRef>
-      </a:style>
-    </a:spDef>
-    <a:lnDef>
-      <a:spPr/>
-      <a:bodyPr/>
-      <a:lstStyle/>
-      <a:style>
-        <a:lnRef idx="2">
-          <a:schemeClr val="accent1"/>
-        </a:lnRef>
-        <a:fillRef idx="0">
-          <a:schemeClr val="accent1"/>
-        </a:fillRef>
-        <a:effectRef idx="1">
-          <a:schemeClr val="accent1"/>
-        </a:effectRef>
-        <a:fontRef idx="minor">
-          <a:schemeClr val="tx1"/>
-        </a:fontRef>
-      </a:style>
-    </a:lnDef>
-  </a:objectDefaults>
+  <a:objectDefaults/>
   <a:extraClrSchemeLst/>
+  <a:extLst>
+    <a:ext uri="{05A4C25C-085E-4340-85A3-A5531E510DB2}">
+      <thm15:themeFamily xmlns:thm15="http://schemas.microsoft.com/office/thememl/2012/main" name="intermediatev2" id="{63F5E447-E8B5-4335-8726-12777BA731C5}" vid="{7C754D33-5435-4000-AB94-F54A58B2A981}"/>
+    </a:ext>
+  </a:extLst>
 </a:theme>
 </file>
 
@@ -15808,4 +19620,324 @@
   </a:objectDefaults>
   <a:extraClrSchemeLst/>
 </a:theme>
+</file>
+
+<file path=ppt/theme/theme4.xml><?xml version="1.0" encoding="utf-8"?>
+<a:theme xmlns:a="http://schemas.openxmlformats.org/drawingml/2006/main" name="Office Theme">
+  <a:themeElements>
+    <a:clrScheme name="Office">
+      <a:dk1>
+        <a:sysClr val="windowText" lastClr="000000"/>
+      </a:dk1>
+      <a:lt1>
+        <a:sysClr val="window" lastClr="FFFFFF"/>
+      </a:lt1>
+      <a:dk2>
+        <a:srgbClr val="1F497D"/>
+      </a:dk2>
+      <a:lt2>
+        <a:srgbClr val="EEECE1"/>
+      </a:lt2>
+      <a:accent1>
+        <a:srgbClr val="4F81BD"/>
+      </a:accent1>
+      <a:accent2>
+        <a:srgbClr val="C0504D"/>
+      </a:accent2>
+      <a:accent3>
+        <a:srgbClr val="9BBB59"/>
+      </a:accent3>
+      <a:accent4>
+        <a:srgbClr val="8064A2"/>
+      </a:accent4>
+      <a:accent5>
+        <a:srgbClr val="4BACC6"/>
+      </a:accent5>
+      <a:accent6>
+        <a:srgbClr val="F79646"/>
+      </a:accent6>
+      <a:hlink>
+        <a:srgbClr val="0000FF"/>
+      </a:hlink>
+      <a:folHlink>
+        <a:srgbClr val="800080"/>
+      </a:folHlink>
+    </a:clrScheme>
+    <a:fontScheme name="Office">
+      <a:majorFont>
+        <a:latin typeface="Calibri"/>
+        <a:ea typeface=""/>
+        <a:cs typeface=""/>
+        <a:font script="Jpan" typeface="ＭＳ Ｐゴシック"/>
+        <a:font script="Hang" typeface="맑은 고딕"/>
+        <a:font script="Hans" typeface="宋体"/>
+        <a:font script="Hant" typeface="新細明體"/>
+        <a:font script="Arab" typeface="Times New Roman"/>
+        <a:font script="Hebr" typeface="Times New Roman"/>
+        <a:font script="Thai" typeface="Angsana New"/>
+        <a:font script="Ethi" typeface="Nyala"/>
+        <a:font script="Beng" typeface="Vrinda"/>
+        <a:font script="Gujr" typeface="Shruti"/>
+        <a:font script="Khmr" typeface="MoolBoran"/>
+        <a:font script="Knda" typeface="Tunga"/>
+        <a:font script="Guru" typeface="Raavi"/>
+        <a:font script="Cans" typeface="Euphemia"/>
+        <a:font script="Cher" typeface="Plantagenet Cherokee"/>
+        <a:font script="Yiii" typeface="Microsoft Yi Baiti"/>
+        <a:font script="Tibt" typeface="Microsoft Himalaya"/>
+        <a:font script="Thaa" typeface="MV Boli"/>
+        <a:font script="Deva" typeface="Mangal"/>
+        <a:font script="Telu" typeface="Gautami"/>
+        <a:font script="Taml" typeface="Latha"/>
+        <a:font script="Syrc" typeface="Estrangelo Edessa"/>
+        <a:font script="Orya" typeface="Kalinga"/>
+        <a:font script="Mlym" typeface="Kartika"/>
+        <a:font script="Laoo" typeface="DokChampa"/>
+        <a:font script="Sinh" typeface="Iskoola Pota"/>
+        <a:font script="Mong" typeface="Mongolian Baiti"/>
+        <a:font script="Viet" typeface="Times New Roman"/>
+        <a:font script="Uigh" typeface="Microsoft Uighur"/>
+        <a:font script="Geor" typeface="Sylfaen"/>
+      </a:majorFont>
+      <a:minorFont>
+        <a:latin typeface="Calibri"/>
+        <a:ea typeface=""/>
+        <a:cs typeface=""/>
+        <a:font script="Jpan" typeface="ＭＳ Ｐゴシック"/>
+        <a:font script="Hang" typeface="맑은 고딕"/>
+        <a:font script="Hans" typeface="宋体"/>
+        <a:font script="Hant" typeface="新細明體"/>
+        <a:font script="Arab" typeface="Arial"/>
+        <a:font script="Hebr" typeface="Arial"/>
+        <a:font script="Thai" typeface="Cordia New"/>
+        <a:font script="Ethi" typeface="Nyala"/>
+        <a:font script="Beng" typeface="Vrinda"/>
+        <a:font script="Gujr" typeface="Shruti"/>
+        <a:font script="Khmr" typeface="DaunPenh"/>
+        <a:font script="Knda" typeface="Tunga"/>
+        <a:font script="Guru" typeface="Raavi"/>
+        <a:font script="Cans" typeface="Euphemia"/>
+        <a:font script="Cher" typeface="Plantagenet Cherokee"/>
+        <a:font script="Yiii" typeface="Microsoft Yi Baiti"/>
+        <a:font script="Tibt" typeface="Microsoft Himalaya"/>
+        <a:font script="Thaa" typeface="MV Boli"/>
+        <a:font script="Deva" typeface="Mangal"/>
+        <a:font script="Telu" typeface="Gautami"/>
+        <a:font script="Taml" typeface="Latha"/>
+        <a:font script="Syrc" typeface="Estrangelo Edessa"/>
+        <a:font script="Orya" typeface="Kalinga"/>
+        <a:font script="Mlym" typeface="Kartika"/>
+        <a:font script="Laoo" typeface="DokChampa"/>
+        <a:font script="Sinh" typeface="Iskoola Pota"/>
+        <a:font script="Mong" typeface="Mongolian Baiti"/>
+        <a:font script="Viet" typeface="Arial"/>
+        <a:font script="Uigh" typeface="Microsoft Uighur"/>
+        <a:font script="Geor" typeface="Sylfaen"/>
+      </a:minorFont>
+    </a:fontScheme>
+    <a:fmtScheme name="Office">
+      <a:fillStyleLst>
+        <a:solidFill>
+          <a:schemeClr val="phClr"/>
+        </a:solidFill>
+        <a:gradFill rotWithShape="1">
+          <a:gsLst>
+            <a:gs pos="0">
+              <a:schemeClr val="phClr">
+                <a:tint val="50000"/>
+                <a:satMod val="300000"/>
+              </a:schemeClr>
+            </a:gs>
+            <a:gs pos="35000">
+              <a:schemeClr val="phClr">
+                <a:tint val="37000"/>
+                <a:satMod val="300000"/>
+              </a:schemeClr>
+            </a:gs>
+            <a:gs pos="100000">
+              <a:schemeClr val="phClr">
+                <a:tint val="15000"/>
+                <a:satMod val="350000"/>
+              </a:schemeClr>
+            </a:gs>
+          </a:gsLst>
+          <a:lin ang="16200000" scaled="1"/>
+        </a:gradFill>
+        <a:gradFill rotWithShape="1">
+          <a:gsLst>
+            <a:gs pos="0">
+              <a:schemeClr val="phClr">
+                <a:tint val="100000"/>
+                <a:shade val="100000"/>
+                <a:satMod val="130000"/>
+              </a:schemeClr>
+            </a:gs>
+            <a:gs pos="100000">
+              <a:schemeClr val="phClr">
+                <a:tint val="50000"/>
+                <a:shade val="100000"/>
+                <a:satMod val="350000"/>
+              </a:schemeClr>
+            </a:gs>
+          </a:gsLst>
+          <a:lin ang="16200000" scaled="0"/>
+        </a:gradFill>
+      </a:fillStyleLst>
+      <a:lnStyleLst>
+        <a:ln w="9525" cap="flat" cmpd="sng" algn="ctr">
+          <a:solidFill>
+            <a:schemeClr val="phClr">
+              <a:shade val="95000"/>
+              <a:satMod val="105000"/>
+            </a:schemeClr>
+          </a:solidFill>
+          <a:prstDash val="solid"/>
+        </a:ln>
+        <a:ln w="25400" cap="flat" cmpd="sng" algn="ctr">
+          <a:solidFill>
+            <a:schemeClr val="phClr"/>
+          </a:solidFill>
+          <a:prstDash val="solid"/>
+        </a:ln>
+        <a:ln w="38100" cap="flat" cmpd="sng" algn="ctr">
+          <a:solidFill>
+            <a:schemeClr val="phClr"/>
+          </a:solidFill>
+          <a:prstDash val="solid"/>
+        </a:ln>
+      </a:lnStyleLst>
+      <a:effectStyleLst>
+        <a:effectStyle>
+          <a:effectLst>
+            <a:outerShdw blurRad="40000" dist="20000" dir="5400000" rotWithShape="0">
+              <a:srgbClr val="000000">
+                <a:alpha val="38000"/>
+              </a:srgbClr>
+            </a:outerShdw>
+          </a:effectLst>
+        </a:effectStyle>
+        <a:effectStyle>
+          <a:effectLst>
+            <a:outerShdw blurRad="40000" dist="23000" dir="5400000" rotWithShape="0">
+              <a:srgbClr val="000000">
+                <a:alpha val="35000"/>
+              </a:srgbClr>
+            </a:outerShdw>
+          </a:effectLst>
+        </a:effectStyle>
+        <a:effectStyle>
+          <a:effectLst>
+            <a:outerShdw blurRad="40000" dist="23000" dir="5400000" rotWithShape="0">
+              <a:srgbClr val="000000">
+                <a:alpha val="35000"/>
+              </a:srgbClr>
+            </a:outerShdw>
+          </a:effectLst>
+          <a:scene3d>
+            <a:camera prst="orthographicFront">
+              <a:rot lat="0" lon="0" rev="0"/>
+            </a:camera>
+            <a:lightRig rig="threePt" dir="t">
+              <a:rot lat="0" lon="0" rev="1200000"/>
+            </a:lightRig>
+          </a:scene3d>
+          <a:sp3d>
+            <a:bevelT w="63500" h="25400"/>
+          </a:sp3d>
+        </a:effectStyle>
+      </a:effectStyleLst>
+      <a:bgFillStyleLst>
+        <a:solidFill>
+          <a:schemeClr val="phClr"/>
+        </a:solidFill>
+        <a:gradFill rotWithShape="1">
+          <a:gsLst>
+            <a:gs pos="0">
+              <a:schemeClr val="phClr">
+                <a:tint val="40000"/>
+                <a:satMod val="350000"/>
+              </a:schemeClr>
+            </a:gs>
+            <a:gs pos="40000">
+              <a:schemeClr val="phClr">
+                <a:tint val="45000"/>
+                <a:shade val="99000"/>
+                <a:satMod val="350000"/>
+              </a:schemeClr>
+            </a:gs>
+            <a:gs pos="100000">
+              <a:schemeClr val="phClr">
+                <a:shade val="20000"/>
+                <a:satMod val="255000"/>
+              </a:schemeClr>
+            </a:gs>
+          </a:gsLst>
+          <a:path path="circle">
+            <a:fillToRect l="50000" t="-80000" r="50000" b="180000"/>
+          </a:path>
+        </a:gradFill>
+        <a:gradFill rotWithShape="1">
+          <a:gsLst>
+            <a:gs pos="0">
+              <a:schemeClr val="phClr">
+                <a:tint val="80000"/>
+                <a:satMod val="300000"/>
+              </a:schemeClr>
+            </a:gs>
+            <a:gs pos="100000">
+              <a:schemeClr val="phClr">
+                <a:shade val="30000"/>
+                <a:satMod val="200000"/>
+              </a:schemeClr>
+            </a:gs>
+          </a:gsLst>
+          <a:path path="circle">
+            <a:fillToRect l="50000" t="50000" r="50000" b="50000"/>
+          </a:path>
+        </a:gradFill>
+      </a:bgFillStyleLst>
+    </a:fmtScheme>
+  </a:themeElements>
+  <a:objectDefaults>
+    <a:spDef>
+      <a:spPr/>
+      <a:bodyPr/>
+      <a:lstStyle/>
+      <a:style>
+        <a:lnRef idx="1">
+          <a:schemeClr val="accent1"/>
+        </a:lnRef>
+        <a:fillRef idx="3">
+          <a:schemeClr val="accent1"/>
+        </a:fillRef>
+        <a:effectRef idx="2">
+          <a:schemeClr val="accent1"/>
+        </a:effectRef>
+        <a:fontRef idx="minor">
+          <a:schemeClr val="lt1"/>
+        </a:fontRef>
+      </a:style>
+    </a:spDef>
+    <a:lnDef>
+      <a:spPr/>
+      <a:bodyPr/>
+      <a:lstStyle/>
+      <a:style>
+        <a:lnRef idx="2">
+          <a:schemeClr val="accent1"/>
+        </a:lnRef>
+        <a:fillRef idx="0">
+          <a:schemeClr val="accent1"/>
+        </a:fillRef>
+        <a:effectRef idx="1">
+          <a:schemeClr val="accent1"/>
+        </a:effectRef>
+        <a:fontRef idx="minor">
+          <a:schemeClr val="tx1"/>
+        </a:fontRef>
+      </a:style>
+    </a:lnDef>
+  </a:objectDefaults>
+  <a:extraClrSchemeLst/>
+</a:theme>
 </file>
--- a/translations/en-us/intermediate/Variables.pptx
+++ b/translations/en-us/intermediate/Variables.pptx
@@ -223,7 +223,7 @@
           <a:p>
             <a:fld id="{E354B44E-40A3-0E46-B16A-9BF1250A248B}" type="datetimeFigureOut">
               <a:rPr lang="en-US" smtClean="0"/>
-              <a:t>7/7/2016</a:t>
+              <a:t>7/19/16</a:t>
             </a:fld>
             <a:endParaRPr lang="en-US"/>
           </a:p>
@@ -389,7 +389,7 @@
           <a:p>
             <a:fld id="{C86AD16C-2DB4-6642-BAD4-9ED973A087A0}" type="datetimeFigureOut">
               <a:rPr lang="en-US" smtClean="0"/>
-              <a:t>7/7/2016</a:t>
+              <a:t>7/19/16</a:t>
             </a:fld>
             <a:endParaRPr lang="en-US"/>
           </a:p>
@@ -1014,7 +1014,7 @@
           <a:p>
             <a:fld id="{1BE62708-2A86-4155-BDDA-029D7926A0E2}" type="datetime1">
               <a:rPr lang="en-US" smtClean="0"/>
-              <a:t>7/7/2016</a:t>
+              <a:t>7/19/16</a:t>
             </a:fld>
             <a:endParaRPr lang="en-US"/>
           </a:p>
@@ -1274,7 +1274,7 @@
           <a:noFill/>
           <a:extLst>
             <a:ext uri="{909E8E84-426E-40dd-AFC4-6F175D3DCCD1}">
-              <a14:hiddenFill xmlns:a14="http://schemas.microsoft.com/office/drawing/2010/main" xmlns="">
+              <a14:hiddenFill xmlns="" xmlns:a14="http://schemas.microsoft.com/office/drawing/2010/main">
                 <a:solidFill>
                   <a:srgbClr val="FFFFFF"/>
                 </a:solidFill>
@@ -1405,7 +1405,7 @@
           <a:p>
             <a:fld id="{A86BFB37-1743-45E1-813B-0F31EA7B52A2}" type="datetime1">
               <a:rPr lang="en-US" smtClean="0"/>
-              <a:t>7/7/2016</a:t>
+              <a:t>7/19/16</a:t>
             </a:fld>
             <a:endParaRPr lang="en-US"/>
           </a:p>
@@ -1664,7 +1664,7 @@
           <a:p>
             <a:fld id="{1BBB856E-918D-45A6-BA6E-083F2ADDC3D8}" type="datetime1">
               <a:rPr lang="en-US" smtClean="0"/>
-              <a:t>7/7/2016</a:t>
+              <a:t>7/19/16</a:t>
             </a:fld>
             <a:endParaRPr lang="en-US"/>
           </a:p>
@@ -1918,7 +1918,7 @@
           <a:p>
             <a:fld id="{75E358E2-630D-4490-AFF6-A338E784AFB6}" type="datetime1">
               <a:rPr lang="en-US" smtClean="0"/>
-              <a:t>7/7/2016</a:t>
+              <a:t>7/19/16</a:t>
             </a:fld>
             <a:endParaRPr lang="en-US"/>
           </a:p>
@@ -2363,7 +2363,7 @@
           <a:p>
             <a:fld id="{F8A4E8F5-B69D-4F37-AA8D-A01DF6E72580}" type="datetime1">
               <a:rPr lang="en-US" smtClean="0"/>
-              <a:t>7/7/2016</a:t>
+              <a:t>7/19/16</a:t>
             </a:fld>
             <a:endParaRPr lang="en-US"/>
           </a:p>
@@ -2709,7 +2709,7 @@
           <a:p>
             <a:fld id="{920650EC-8E2D-4E5C-9AB5-F1BBE4C2E30D}" type="datetime1">
               <a:rPr lang="en-US" smtClean="0"/>
-              <a:t>7/7/2016</a:t>
+              <a:t>7/19/16</a:t>
             </a:fld>
             <a:endParaRPr lang="en-US"/>
           </a:p>
@@ -2987,7 +2987,7 @@
           <a:p>
             <a:fld id="{F097E4E0-020C-42C0-B55B-32B3D8B542BA}" type="datetime1">
               <a:rPr lang="en-US" smtClean="0"/>
-              <a:t>7/7/2016</a:t>
+              <a:t>7/19/16</a:t>
             </a:fld>
             <a:endParaRPr lang="en-US"/>
           </a:p>
@@ -3370,7 +3370,7 @@
           <a:p>
             <a:fld id="{495FACAD-749A-4C16-A63D-02B0E4AE068C}" type="datetime1">
               <a:rPr lang="en-US" smtClean="0"/>
-              <a:t>7/7/2016</a:t>
+              <a:t>7/19/16</a:t>
             </a:fld>
             <a:endParaRPr lang="en-US"/>
           </a:p>
@@ -3491,7 +3491,7 @@
           <a:p>
             <a:fld id="{ED198FA7-E0B4-453D-846F-AD7AC3AB5919}" type="datetime1">
               <a:rPr lang="en-US" smtClean="0"/>
-              <a:t>7/7/2016</a:t>
+              <a:t>7/19/16</a:t>
             </a:fld>
             <a:endParaRPr lang="en-US"/>
           </a:p>
@@ -3665,7 +3665,7 @@
           <a:p>
             <a:fld id="{34581C0E-1620-40F7-9668-FD0AFAB934F2}" type="datetime1">
               <a:rPr lang="en-US" smtClean="0"/>
-              <a:t>7/7/2016</a:t>
+              <a:t>7/19/16</a:t>
             </a:fld>
             <a:endParaRPr lang="en-US"/>
           </a:p>
@@ -4022,7 +4022,7 @@
           <a:p>
             <a:fld id="{78839B90-7345-4DC3-B2CC-4D7B65442688}" type="datetime1">
               <a:rPr lang="en-US" smtClean="0"/>
-              <a:t>7/7/2016</a:t>
+              <a:t>7/19/16</a:t>
             </a:fld>
             <a:endParaRPr lang="en-US"/>
           </a:p>
@@ -4216,7 +4216,7 @@
           <a:p>
             <a:fld id="{108F86FF-760C-4025-81E3-3FE3BF771D15}" type="datetime1">
               <a:rPr lang="en-US" smtClean="0"/>
-              <a:t>7/7/2016</a:t>
+              <a:t>7/19/16</a:t>
             </a:fld>
             <a:endParaRPr lang="en-US"/>
           </a:p>
@@ -4580,7 +4580,7 @@
           <a:p>
             <a:fld id="{B0D194E6-C567-4CC2-9288-38345C40E2DF}" type="datetime1">
               <a:rPr lang="en-US" smtClean="0"/>
-              <a:t>7/7/2016</a:t>
+              <a:t>7/19/16</a:t>
             </a:fld>
             <a:endParaRPr lang="en-US"/>
           </a:p>
@@ -4753,7 +4753,7 @@
           <a:p>
             <a:fld id="{519B48D9-2FBA-4689-BEDC-11B5A6C603A5}" type="datetime1">
               <a:rPr lang="en-US" smtClean="0"/>
-              <a:t>7/7/2016</a:t>
+              <a:t>7/19/16</a:t>
             </a:fld>
             <a:endParaRPr lang="en-US"/>
           </a:p>
@@ -5012,7 +5012,7 @@
           <a:p>
             <a:fld id="{D60533F8-064E-430D-91C7-9D62252EBB2F}" type="datetime1">
               <a:rPr lang="en-US" smtClean="0"/>
-              <a:t>7/7/2016</a:t>
+              <a:t>7/19/16</a:t>
             </a:fld>
             <a:endParaRPr lang="en-US"/>
           </a:p>
@@ -5358,7 +5358,7 @@
           <a:p>
             <a:fld id="{ADEC8848-E2E0-45D4-BDFE-05A719DE03F5}" type="datetime1">
               <a:rPr lang="en-US" smtClean="0"/>
-              <a:t>7/7/2016</a:t>
+              <a:t>7/19/16</a:t>
             </a:fld>
             <a:endParaRPr lang="en-US"/>
           </a:p>
@@ -5636,7 +5636,7 @@
           <a:p>
             <a:fld id="{220B05B8-E255-4E34-8AEF-52E0081CE81B}" type="datetime1">
               <a:rPr lang="en-US" smtClean="0"/>
-              <a:t>7/7/2016</a:t>
+              <a:t>7/19/16</a:t>
             </a:fld>
             <a:endParaRPr lang="en-US"/>
           </a:p>
@@ -6019,7 +6019,7 @@
           <a:p>
             <a:fld id="{03003423-8130-4580-9EE0-45293D61E979}" type="datetime1">
               <a:rPr lang="en-US" smtClean="0"/>
-              <a:t>7/7/2016</a:t>
+              <a:t>7/19/16</a:t>
             </a:fld>
             <a:endParaRPr lang="en-US"/>
           </a:p>
@@ -6140,7 +6140,7 @@
           <a:p>
             <a:fld id="{BBCF2426-3456-4AA8-9F9E-3B6A1B4624B1}" type="datetime1">
               <a:rPr lang="en-US" smtClean="0"/>
-              <a:t>7/7/2016</a:t>
+              <a:t>7/19/16</a:t>
             </a:fld>
             <a:endParaRPr lang="en-US"/>
           </a:p>
@@ -6314,7 +6314,7 @@
           <a:p>
             <a:fld id="{A6BE05C9-0B84-4D0D-90DD-ADFFC030334A}" type="datetime1">
               <a:rPr lang="en-US" smtClean="0"/>
-              <a:t>7/7/2016</a:t>
+              <a:t>7/19/16</a:t>
             </a:fld>
             <a:endParaRPr lang="en-US"/>
           </a:p>
@@ -6671,7 +6671,7 @@
           <a:p>
             <a:fld id="{AFC16D11-3E2D-4A94-B872-9A66EAD039A0}" type="datetime1">
               <a:rPr lang="en-US" smtClean="0"/>
-              <a:t>7/7/2016</a:t>
+              <a:t>7/19/16</a:t>
             </a:fld>
             <a:endParaRPr lang="en-US"/>
           </a:p>
@@ -7056,7 +7056,7 @@
           <a:p>
             <a:fld id="{C5FD56A7-1793-4EE9-89A2-56412202B94F}" type="datetime1">
               <a:rPr lang="en-US" smtClean="0"/>
-              <a:t>7/7/2016</a:t>
+              <a:t>7/19/16</a:t>
             </a:fld>
             <a:endParaRPr lang="en-US"/>
           </a:p>
@@ -7348,7 +7348,7 @@
           <a:p>
             <a:fld id="{D502D15A-A923-4405-822D-3AC4F3AE88BE}" type="datetime1">
               <a:rPr lang="en-US" smtClean="0"/>
-              <a:t>7/7/2016</a:t>
+              <a:t>7/19/16</a:t>
             </a:fld>
             <a:endParaRPr lang="en-US" dirty="0"/>
           </a:p>
@@ -8126,7 +8126,7 @@
           <a:p>
             <a:fld id="{135143A4-9038-4F0D-BE3A-6A914001015C}" type="datetime1">
               <a:rPr lang="en-US" smtClean="0"/>
-              <a:t>7/7/2016</a:t>
+              <a:t>7/19/16</a:t>
             </a:fld>
             <a:endParaRPr lang="en-US" dirty="0"/>
           </a:p>
@@ -8779,6 +8779,35 @@
           </a:p>
         </p:txBody>
       </p:sp>
+      <p:pic>
+        <p:nvPicPr>
+          <p:cNvPr id="4" name="Picture 3"/>
+          <p:cNvPicPr>
+            <a:picLocks noChangeAspect="1"/>
+          </p:cNvPicPr>
+          <p:nvPr/>
+        </p:nvPicPr>
+        <p:blipFill rotWithShape="1">
+          <a:blip r:embed="rId2">
+            <a:extLst>
+              <a:ext uri="{28A0092B-C50C-407E-A947-70E740481C1C}">
+                <a14:useLocalDpi xmlns:a14="http://schemas.microsoft.com/office/drawing/2010/main" val="0"/>
+              </a:ext>
+            </a:extLst>
+          </a:blip>
+          <a:srcRect l="4523" t="17619" r="3095" b="25000"/>
+          <a:stretch/>
+        </p:blipFill>
+        <p:spPr>
+          <a:xfrm>
+            <a:off x="3711108" y="4592409"/>
+            <a:ext cx="1700816" cy="1056435"/>
+          </a:xfrm>
+          <a:prstGeom prst="rect">
+            <a:avLst/>
+          </a:prstGeom>
+        </p:spPr>
+      </p:pic>
     </p:spTree>
     <p:extLst>
       <p:ext uri="{BB962C8B-B14F-4D97-AF65-F5344CB8AC3E}">
@@ -9364,7 +9393,7 @@
           <a:effectLst/>
           <a:extLst>
             <a:ext uri="{91240B29-F687-4f45-9708-019B960494DF}">
-              <a14:hiddenLine xmlns="" xmlns:a14="http://schemas.microsoft.com/office/drawing/2010/main" w="9525">
+              <a14:hiddenLine xmlns:a14="http://schemas.microsoft.com/office/drawing/2010/main" xmlns="" w="9525">
                 <a:solidFill>
                   <a:schemeClr val="tx1"/>
                 </a:solidFill>
@@ -9374,7 +9403,7 @@
               </a14:hiddenLine>
             </a:ext>
             <a:ext uri="{AF507438-7753-43e0-B8FC-AC1667EBCBE1}">
-              <a14:hiddenEffects xmlns="" xmlns:a14="http://schemas.microsoft.com/office/drawing/2010/main">
+              <a14:hiddenEffects xmlns:a14="http://schemas.microsoft.com/office/drawing/2010/main" xmlns="">
                 <a:effectLst>
                   <a:outerShdw dist="35921" dir="2700000" algn="ctr" rotWithShape="0">
                     <a:schemeClr val="bg2"/>
@@ -9548,6 +9577,18 @@
                 <a:latin typeface="Helvetica Neue"/>
               </a:rPr>
               <a:t>                         </a:t>
+            </a:r>
+            <a:r>
+              <a:rPr kumimoji="0" lang="en-US" altLang="en-US" sz="1600" b="0" i="0" u="none" strike="noStrike" cap="none" normalizeH="0" baseline="0" dirty="0">
+                <a:ln>
+                  <a:noFill/>
+                </a:ln>
+                <a:solidFill>
+                  <a:schemeClr val="tx1"/>
+                </a:solidFill>
+                <a:effectLst/>
+              </a:rPr>
+              <a:t/>
             </a:r>
             <a:br>
               <a:rPr kumimoji="0" lang="en-US" altLang="en-US" sz="1600" b="0" i="0" u="none" strike="noStrike" cap="none" normalizeH="0" baseline="0" dirty="0">
@@ -9715,7 +9756,7 @@
           <a:noFill/>
           <a:extLst>
             <a:ext uri="{909E8E84-426E-40dd-AFC4-6F175D3DCCD1}">
-              <a14:hiddenFill xmlns="" xmlns:a14="http://schemas.microsoft.com/office/drawing/2010/main">
+              <a14:hiddenFill xmlns:a14="http://schemas.microsoft.com/office/drawing/2010/main" xmlns="">
                 <a:solidFill>
                   <a:srgbClr val="FFFFFF"/>
                 </a:solidFill>
@@ -10240,7 +10281,7 @@
           </a:ln>
           <a:extLst>
             <a:ext uri="{909E8E84-426E-40dd-AFC4-6F175D3DCCD1}">
-              <a14:hiddenFill xmlns="" xmlns:a14="http://schemas.microsoft.com/office/drawing/2010/main">
+              <a14:hiddenFill xmlns:a14="http://schemas.microsoft.com/office/drawing/2010/main" xmlns="">
                 <a:solidFill>
                   <a:srgbClr val="FFFFFF"/>
                 </a:solidFill>
@@ -10465,12 +10506,12 @@
           <a:effectLst/>
           <a:extLst>
             <a:ext uri="{909E8E84-426E-40dd-AFC4-6F175D3DCCD1}">
-              <a14:hiddenFill xmlns="" xmlns:a14="http://schemas.microsoft.com/office/drawing/2010/main">
+              <a14:hiddenFill xmlns:a14="http://schemas.microsoft.com/office/drawing/2010/main" xmlns="">
                 <a:noFill/>
               </a14:hiddenFill>
             </a:ext>
             <a:ext uri="{AF507438-7753-43e0-B8FC-AC1667EBCBE1}">
-              <a14:hiddenEffects xmlns="" xmlns:a14="http://schemas.microsoft.com/office/drawing/2010/main">
+              <a14:hiddenEffects xmlns:a14="http://schemas.microsoft.com/office/drawing/2010/main" xmlns="">
                 <a:effectLst>
                   <a:outerShdw dist="35921" dir="2700000" algn="ctr" rotWithShape="0">
                     <a:schemeClr val="bg2"/>
@@ -10724,12 +10765,12 @@
           <a:effectLst/>
           <a:extLst>
             <a:ext uri="{909E8E84-426E-40dd-AFC4-6F175D3DCCD1}">
-              <a14:hiddenFill xmlns="" xmlns:a14="http://schemas.microsoft.com/office/drawing/2010/main">
+              <a14:hiddenFill xmlns:a14="http://schemas.microsoft.com/office/drawing/2010/main" xmlns="">
                 <a:noFill/>
               </a14:hiddenFill>
             </a:ext>
             <a:ext uri="{AF507438-7753-43e0-B8FC-AC1667EBCBE1}">
-              <a14:hiddenEffects xmlns="" xmlns:a14="http://schemas.microsoft.com/office/drawing/2010/main">
+              <a14:hiddenEffects xmlns:a14="http://schemas.microsoft.com/office/drawing/2010/main" xmlns="">
                 <a:effectLst>
                   <a:outerShdw dist="35921" dir="2700000" algn="ctr" rotWithShape="0">
                     <a:schemeClr val="bg2"/>
@@ -10762,14 +10803,14 @@
           </a:ln>
           <a:extLst>
             <a:ext uri="{909E8E84-426E-40dd-AFC4-6F175D3DCCD1}">
-              <a14:hiddenFill xmlns="" xmlns:a14="http://schemas.microsoft.com/office/drawing/2010/main">
+              <a14:hiddenFill xmlns:a14="http://schemas.microsoft.com/office/drawing/2010/main" xmlns="">
                 <a:solidFill>
                   <a:srgbClr val="FFFFFF"/>
                 </a:solidFill>
               </a14:hiddenFill>
             </a:ext>
             <a:ext uri="{91240B29-F687-4f45-9708-019B960494DF}">
-              <a14:hiddenLine xmlns="" xmlns:a14="http://schemas.microsoft.com/office/drawing/2010/main" w="9525">
+              <a14:hiddenLine xmlns:a14="http://schemas.microsoft.com/office/drawing/2010/main" xmlns="" w="9525">
                 <a:solidFill>
                   <a:srgbClr val="000000"/>
                 </a:solidFill>
@@ -11118,12 +11159,12 @@
           <a:effectLst/>
           <a:extLst>
             <a:ext uri="{909E8E84-426E-40dd-AFC4-6F175D3DCCD1}">
-              <a14:hiddenFill xmlns="" xmlns:a14="http://schemas.microsoft.com/office/drawing/2010/main">
+              <a14:hiddenFill xmlns:a14="http://schemas.microsoft.com/office/drawing/2010/main" xmlns="">
                 <a:noFill/>
               </a14:hiddenFill>
             </a:ext>
             <a:ext uri="{AF507438-7753-43e0-B8FC-AC1667EBCBE1}">
-              <a14:hiddenEffects xmlns="" xmlns:a14="http://schemas.microsoft.com/office/drawing/2010/main">
+              <a14:hiddenEffects xmlns:a14="http://schemas.microsoft.com/office/drawing/2010/main" xmlns="">
                 <a:effectLst>
                   <a:outerShdw dist="35921" dir="2700000" algn="ctr" rotWithShape="0">
                     <a:schemeClr val="bg2"/>
@@ -11164,12 +11205,12 @@
           <a:effectLst/>
           <a:extLst>
             <a:ext uri="{909E8E84-426E-40dd-AFC4-6F175D3DCCD1}">
-              <a14:hiddenFill xmlns="" xmlns:a14="http://schemas.microsoft.com/office/drawing/2010/main">
+              <a14:hiddenFill xmlns:a14="http://schemas.microsoft.com/office/drawing/2010/main" xmlns="">
                 <a:noFill/>
               </a14:hiddenFill>
             </a:ext>
             <a:ext uri="{AF507438-7753-43e0-B8FC-AC1667EBCBE1}">
-              <a14:hiddenEffects xmlns="" xmlns:a14="http://schemas.microsoft.com/office/drawing/2010/main">
+              <a14:hiddenEffects xmlns:a14="http://schemas.microsoft.com/office/drawing/2010/main" xmlns="">
                 <a:effectLst>
                   <a:outerShdw dist="35921" dir="2700000" algn="ctr" rotWithShape="0">
                     <a:schemeClr val="bg2"/>
@@ -11210,12 +11251,12 @@
           <a:effectLst/>
           <a:extLst>
             <a:ext uri="{909E8E84-426E-40dd-AFC4-6F175D3DCCD1}">
-              <a14:hiddenFill xmlns="" xmlns:a14="http://schemas.microsoft.com/office/drawing/2010/main">
+              <a14:hiddenFill xmlns:a14="http://schemas.microsoft.com/office/drawing/2010/main" xmlns="">
                 <a:noFill/>
               </a14:hiddenFill>
             </a:ext>
             <a:ext uri="{AF507438-7753-43e0-B8FC-AC1667EBCBE1}">
-              <a14:hiddenEffects xmlns="" xmlns:a14="http://schemas.microsoft.com/office/drawing/2010/main">
+              <a14:hiddenEffects xmlns:a14="http://schemas.microsoft.com/office/drawing/2010/main" xmlns="">
                 <a:effectLst>
                   <a:outerShdw dist="35921" dir="2700000" algn="ctr" rotWithShape="0">
                     <a:schemeClr val="bg2"/>
@@ -11256,12 +11297,12 @@
           <a:effectLst/>
           <a:extLst>
             <a:ext uri="{909E8E84-426E-40dd-AFC4-6F175D3DCCD1}">
-              <a14:hiddenFill xmlns="" xmlns:a14="http://schemas.microsoft.com/office/drawing/2010/main">
+              <a14:hiddenFill xmlns:a14="http://schemas.microsoft.com/office/drawing/2010/main" xmlns="">
                 <a:noFill/>
               </a14:hiddenFill>
             </a:ext>
             <a:ext uri="{AF507438-7753-43e0-B8FC-AC1667EBCBE1}">
-              <a14:hiddenEffects xmlns="" xmlns:a14="http://schemas.microsoft.com/office/drawing/2010/main">
+              <a14:hiddenEffects xmlns:a14="http://schemas.microsoft.com/office/drawing/2010/main" xmlns="">
                 <a:effectLst>
                   <a:outerShdw dist="35921" dir="2700000" algn="ctr" rotWithShape="0">
                     <a:schemeClr val="bg2"/>
@@ -11302,12 +11343,12 @@
           <a:effectLst/>
           <a:extLst>
             <a:ext uri="{909E8E84-426E-40dd-AFC4-6F175D3DCCD1}">
-              <a14:hiddenFill xmlns="" xmlns:a14="http://schemas.microsoft.com/office/drawing/2010/main">
+              <a14:hiddenFill xmlns:a14="http://schemas.microsoft.com/office/drawing/2010/main" xmlns="">
                 <a:noFill/>
               </a14:hiddenFill>
             </a:ext>
             <a:ext uri="{AF507438-7753-43e0-B8FC-AC1667EBCBE1}">
-              <a14:hiddenEffects xmlns="" xmlns:a14="http://schemas.microsoft.com/office/drawing/2010/main">
+              <a14:hiddenEffects xmlns:a14="http://schemas.microsoft.com/office/drawing/2010/main" xmlns="">
                 <a:effectLst>
                   <a:outerShdw dist="35921" dir="2700000" algn="ctr" rotWithShape="0">
                     <a:schemeClr val="bg2"/>
@@ -11348,12 +11389,12 @@
           <a:effectLst/>
           <a:extLst>
             <a:ext uri="{909E8E84-426E-40dd-AFC4-6F175D3DCCD1}">
-              <a14:hiddenFill xmlns="" xmlns:a14="http://schemas.microsoft.com/office/drawing/2010/main">
+              <a14:hiddenFill xmlns:a14="http://schemas.microsoft.com/office/drawing/2010/main" xmlns="">
                 <a:noFill/>
               </a14:hiddenFill>
             </a:ext>
             <a:ext uri="{AF507438-7753-43e0-B8FC-AC1667EBCBE1}">
-              <a14:hiddenEffects xmlns="" xmlns:a14="http://schemas.microsoft.com/office/drawing/2010/main">
+              <a14:hiddenEffects xmlns:a14="http://schemas.microsoft.com/office/drawing/2010/main" xmlns="">
                 <a:effectLst>
                   <a:outerShdw dist="35921" dir="2700000" algn="ctr" rotWithShape="0">
                     <a:schemeClr val="bg2"/>
@@ -12233,14 +12274,14 @@
           </a:ln>
           <a:extLst>
             <a:ext uri="{909E8E84-426E-40dd-AFC4-6F175D3DCCD1}">
-              <a14:hiddenFill xmlns="" xmlns:a14="http://schemas.microsoft.com/office/drawing/2010/main">
+              <a14:hiddenFill xmlns:a14="http://schemas.microsoft.com/office/drawing/2010/main" xmlns="">
                 <a:solidFill>
                   <a:srgbClr val="FFFFFF"/>
                 </a:solidFill>
               </a14:hiddenFill>
             </a:ext>
             <a:ext uri="{91240B29-F687-4f45-9708-019B960494DF}">
-              <a14:hiddenLine xmlns="" xmlns:a14="http://schemas.microsoft.com/office/drawing/2010/main" w="9525">
+              <a14:hiddenLine xmlns:a14="http://schemas.microsoft.com/office/drawing/2010/main" xmlns="" w="9525">
                 <a:solidFill>
                   <a:srgbClr val="000000"/>
                 </a:solidFill>
@@ -12461,14 +12502,14 @@
           </a:ln>
           <a:extLst>
             <a:ext uri="{909E8E84-426E-40dd-AFC4-6F175D3DCCD1}">
-              <a14:hiddenFill xmlns="" xmlns:a14="http://schemas.microsoft.com/office/drawing/2010/main">
+              <a14:hiddenFill xmlns:a14="http://schemas.microsoft.com/office/drawing/2010/main" xmlns="">
                 <a:solidFill>
                   <a:srgbClr val="FFFFFF"/>
                 </a:solidFill>
               </a14:hiddenFill>
             </a:ext>
             <a:ext uri="{91240B29-F687-4f45-9708-019B960494DF}">
-              <a14:hiddenLine xmlns="" xmlns:a14="http://schemas.microsoft.com/office/drawing/2010/main" w="9525">
+              <a14:hiddenLine xmlns:a14="http://schemas.microsoft.com/office/drawing/2010/main" xmlns="" w="9525">
                 <a:solidFill>
                   <a:srgbClr val="000000"/>
                 </a:solidFill>
@@ -12689,14 +12730,14 @@
           </a:ln>
           <a:extLst>
             <a:ext uri="{909E8E84-426E-40dd-AFC4-6F175D3DCCD1}">
-              <a14:hiddenFill xmlns="" xmlns:a14="http://schemas.microsoft.com/office/drawing/2010/main">
+              <a14:hiddenFill xmlns:a14="http://schemas.microsoft.com/office/drawing/2010/main" xmlns="">
                 <a:solidFill>
                   <a:srgbClr val="FFFFFF"/>
                 </a:solidFill>
               </a14:hiddenFill>
             </a:ext>
             <a:ext uri="{91240B29-F687-4f45-9708-019B960494DF}">
-              <a14:hiddenLine xmlns="" xmlns:a14="http://schemas.microsoft.com/office/drawing/2010/main" w="9525">
+              <a14:hiddenLine xmlns:a14="http://schemas.microsoft.com/office/drawing/2010/main" xmlns="" w="9525">
                 <a:solidFill>
                   <a:srgbClr val="000000"/>
                 </a:solidFill>
@@ -12917,14 +12958,14 @@
           </a:ln>
           <a:extLst>
             <a:ext uri="{909E8E84-426E-40dd-AFC4-6F175D3DCCD1}">
-              <a14:hiddenFill xmlns="" xmlns:a14="http://schemas.microsoft.com/office/drawing/2010/main">
+              <a14:hiddenFill xmlns:a14="http://schemas.microsoft.com/office/drawing/2010/main" xmlns="">
                 <a:solidFill>
                   <a:srgbClr val="FFFFFF"/>
                 </a:solidFill>
               </a14:hiddenFill>
             </a:ext>
             <a:ext uri="{91240B29-F687-4f45-9708-019B960494DF}">
-              <a14:hiddenLine xmlns="" xmlns:a14="http://schemas.microsoft.com/office/drawing/2010/main" w="9525">
+              <a14:hiddenLine xmlns:a14="http://schemas.microsoft.com/office/drawing/2010/main" xmlns="" w="9525">
                 <a:solidFill>
                   <a:srgbClr val="000000"/>
                 </a:solidFill>
@@ -13145,14 +13186,14 @@
           </a:ln>
           <a:extLst>
             <a:ext uri="{909E8E84-426E-40dd-AFC4-6F175D3DCCD1}">
-              <a14:hiddenFill xmlns="" xmlns:a14="http://schemas.microsoft.com/office/drawing/2010/main">
+              <a14:hiddenFill xmlns:a14="http://schemas.microsoft.com/office/drawing/2010/main" xmlns="">
                 <a:solidFill>
                   <a:srgbClr val="FFFFFF"/>
                 </a:solidFill>
               </a14:hiddenFill>
             </a:ext>
             <a:ext uri="{91240B29-F687-4f45-9708-019B960494DF}">
-              <a14:hiddenLine xmlns="" xmlns:a14="http://schemas.microsoft.com/office/drawing/2010/main" w="9525">
+              <a14:hiddenLine xmlns:a14="http://schemas.microsoft.com/office/drawing/2010/main" xmlns="" w="9525">
                 <a:solidFill>
                   <a:srgbClr val="000000"/>
                 </a:solidFill>
@@ -13387,14 +13428,14 @@
           <a:effectLst/>
           <a:extLst>
             <a:ext uri="{909E8E84-426E-40dd-AFC4-6F175D3DCCD1}">
-              <a14:hiddenFill xmlns="" xmlns:a14="http://schemas.microsoft.com/office/drawing/2010/main">
+              <a14:hiddenFill xmlns:a14="http://schemas.microsoft.com/office/drawing/2010/main" xmlns="">
                 <a:solidFill>
                   <a:schemeClr val="accent1"/>
                 </a:solidFill>
               </a14:hiddenFill>
             </a:ext>
             <a:ext uri="{91240B29-F687-4f45-9708-019B960494DF}">
-              <a14:hiddenLine xmlns="" xmlns:a14="http://schemas.microsoft.com/office/drawing/2010/main" w="9525">
+              <a14:hiddenLine xmlns:a14="http://schemas.microsoft.com/office/drawing/2010/main" xmlns="" w="9525">
                 <a:solidFill>
                   <a:schemeClr val="tx1"/>
                 </a:solidFill>
@@ -13404,7 +13445,7 @@
               </a14:hiddenLine>
             </a:ext>
             <a:ext uri="{AF507438-7753-43e0-B8FC-AC1667EBCBE1}">
-              <a14:hiddenEffects xmlns="" xmlns:a14="http://schemas.microsoft.com/office/drawing/2010/main">
+              <a14:hiddenEffects xmlns:a14="http://schemas.microsoft.com/office/drawing/2010/main" xmlns="">
                 <a:effectLst>
                   <a:outerShdw dist="35921" dir="2700000" algn="ctr" rotWithShape="0">
                     <a:schemeClr val="bg2"/>
@@ -13451,14 +13492,14 @@
           <a:effectLst/>
           <a:extLst>
             <a:ext uri="{909E8E84-426E-40dd-AFC4-6F175D3DCCD1}">
-              <a14:hiddenFill xmlns="" xmlns:a14="http://schemas.microsoft.com/office/drawing/2010/main">
+              <a14:hiddenFill xmlns:a14="http://schemas.microsoft.com/office/drawing/2010/main" xmlns="">
                 <a:solidFill>
                   <a:schemeClr val="accent1"/>
                 </a:solidFill>
               </a14:hiddenFill>
             </a:ext>
             <a:ext uri="{91240B29-F687-4f45-9708-019B960494DF}">
-              <a14:hiddenLine xmlns="" xmlns:a14="http://schemas.microsoft.com/office/drawing/2010/main" w="9525">
+              <a14:hiddenLine xmlns:a14="http://schemas.microsoft.com/office/drawing/2010/main" xmlns="" w="9525">
                 <a:solidFill>
                   <a:schemeClr val="tx1"/>
                 </a:solidFill>
@@ -13468,7 +13509,7 @@
               </a14:hiddenLine>
             </a:ext>
             <a:ext uri="{AF507438-7753-43e0-B8FC-AC1667EBCBE1}">
-              <a14:hiddenEffects xmlns="" xmlns:a14="http://schemas.microsoft.com/office/drawing/2010/main">
+              <a14:hiddenEffects xmlns:a14="http://schemas.microsoft.com/office/drawing/2010/main" xmlns="">
                 <a:effectLst>
                   <a:outerShdw dist="35921" dir="2700000" algn="ctr" rotWithShape="0">
                     <a:schemeClr val="bg2"/>
@@ -13515,14 +13556,14 @@
           <a:effectLst/>
           <a:extLst>
             <a:ext uri="{909E8E84-426E-40dd-AFC4-6F175D3DCCD1}">
-              <a14:hiddenFill xmlns="" xmlns:a14="http://schemas.microsoft.com/office/drawing/2010/main">
+              <a14:hiddenFill xmlns:a14="http://schemas.microsoft.com/office/drawing/2010/main" xmlns="">
                 <a:solidFill>
                   <a:schemeClr val="accent1"/>
                 </a:solidFill>
               </a14:hiddenFill>
             </a:ext>
             <a:ext uri="{91240B29-F687-4f45-9708-019B960494DF}">
-              <a14:hiddenLine xmlns="" xmlns:a14="http://schemas.microsoft.com/office/drawing/2010/main" w="9525">
+              <a14:hiddenLine xmlns:a14="http://schemas.microsoft.com/office/drawing/2010/main" xmlns="" w="9525">
                 <a:solidFill>
                   <a:schemeClr val="tx1"/>
                 </a:solidFill>
@@ -13532,7 +13573,7 @@
               </a14:hiddenLine>
             </a:ext>
             <a:ext uri="{AF507438-7753-43e0-B8FC-AC1667EBCBE1}">
-              <a14:hiddenEffects xmlns="" xmlns:a14="http://schemas.microsoft.com/office/drawing/2010/main">
+              <a14:hiddenEffects xmlns:a14="http://schemas.microsoft.com/office/drawing/2010/main" xmlns="">
                 <a:effectLst>
                   <a:outerShdw dist="35921" dir="2700000" algn="ctr" rotWithShape="0">
                     <a:schemeClr val="bg2"/>
@@ -13579,14 +13620,14 @@
           <a:effectLst/>
           <a:extLst>
             <a:ext uri="{909E8E84-426E-40dd-AFC4-6F175D3DCCD1}">
-              <a14:hiddenFill xmlns="" xmlns:a14="http://schemas.microsoft.com/office/drawing/2010/main">
+              <a14:hiddenFill xmlns:a14="http://schemas.microsoft.com/office/drawing/2010/main" xmlns="">
                 <a:solidFill>
                   <a:schemeClr val="accent1"/>
                 </a:solidFill>
               </a14:hiddenFill>
             </a:ext>
             <a:ext uri="{91240B29-F687-4f45-9708-019B960494DF}">
-              <a14:hiddenLine xmlns="" xmlns:a14="http://schemas.microsoft.com/office/drawing/2010/main" w="9525">
+              <a14:hiddenLine xmlns:a14="http://schemas.microsoft.com/office/drawing/2010/main" xmlns="" w="9525">
                 <a:solidFill>
                   <a:schemeClr val="tx1"/>
                 </a:solidFill>
@@ -13596,7 +13637,7 @@
               </a14:hiddenLine>
             </a:ext>
             <a:ext uri="{AF507438-7753-43e0-B8FC-AC1667EBCBE1}">
-              <a14:hiddenEffects xmlns="" xmlns:a14="http://schemas.microsoft.com/office/drawing/2010/main">
+              <a14:hiddenEffects xmlns:a14="http://schemas.microsoft.com/office/drawing/2010/main" xmlns="">
                 <a:effectLst>
                   <a:outerShdw dist="35921" dir="2700000" algn="ctr" rotWithShape="0">
                     <a:schemeClr val="bg2"/>
@@ -13643,14 +13684,14 @@
           <a:effectLst/>
           <a:extLst>
             <a:ext uri="{909E8E84-426E-40dd-AFC4-6F175D3DCCD1}">
-              <a14:hiddenFill xmlns="" xmlns:a14="http://schemas.microsoft.com/office/drawing/2010/main">
+              <a14:hiddenFill xmlns:a14="http://schemas.microsoft.com/office/drawing/2010/main" xmlns="">
                 <a:solidFill>
                   <a:schemeClr val="accent1"/>
                 </a:solidFill>
               </a14:hiddenFill>
             </a:ext>
             <a:ext uri="{91240B29-F687-4f45-9708-019B960494DF}">
-              <a14:hiddenLine xmlns="" xmlns:a14="http://schemas.microsoft.com/office/drawing/2010/main" w="9525">
+              <a14:hiddenLine xmlns:a14="http://schemas.microsoft.com/office/drawing/2010/main" xmlns="" w="9525">
                 <a:solidFill>
                   <a:schemeClr val="tx1"/>
                 </a:solidFill>
@@ -13660,7 +13701,7 @@
               </a14:hiddenLine>
             </a:ext>
             <a:ext uri="{AF507438-7753-43e0-B8FC-AC1667EBCBE1}">
-              <a14:hiddenEffects xmlns="" xmlns:a14="http://schemas.microsoft.com/office/drawing/2010/main">
+              <a14:hiddenEffects xmlns:a14="http://schemas.microsoft.com/office/drawing/2010/main" xmlns="">
                 <a:effectLst>
                   <a:outerShdw dist="35921" dir="2700000" algn="ctr" rotWithShape="0">
                     <a:schemeClr val="bg2"/>
@@ -13707,14 +13748,14 @@
           <a:effectLst/>
           <a:extLst>
             <a:ext uri="{909E8E84-426E-40dd-AFC4-6F175D3DCCD1}">
-              <a14:hiddenFill xmlns="" xmlns:a14="http://schemas.microsoft.com/office/drawing/2010/main">
+              <a14:hiddenFill xmlns:a14="http://schemas.microsoft.com/office/drawing/2010/main" xmlns="">
                 <a:solidFill>
                   <a:schemeClr val="accent1"/>
                 </a:solidFill>
               </a14:hiddenFill>
             </a:ext>
             <a:ext uri="{91240B29-F687-4f45-9708-019B960494DF}">
-              <a14:hiddenLine xmlns="" xmlns:a14="http://schemas.microsoft.com/office/drawing/2010/main" w="9525">
+              <a14:hiddenLine xmlns:a14="http://schemas.microsoft.com/office/drawing/2010/main" xmlns="" w="9525">
                 <a:solidFill>
                   <a:schemeClr val="tx1"/>
                 </a:solidFill>
@@ -13724,7 +13765,7 @@
               </a14:hiddenLine>
             </a:ext>
             <a:ext uri="{AF507438-7753-43e0-B8FC-AC1667EBCBE1}">
-              <a14:hiddenEffects xmlns="" xmlns:a14="http://schemas.microsoft.com/office/drawing/2010/main">
+              <a14:hiddenEffects xmlns:a14="http://schemas.microsoft.com/office/drawing/2010/main" xmlns="">
                 <a:effectLst>
                   <a:outerShdw dist="35921" dir="2700000" algn="ctr" rotWithShape="0">
                     <a:schemeClr val="bg2"/>
@@ -13757,14 +13798,14 @@
           </a:ln>
           <a:extLst>
             <a:ext uri="{909E8E84-426E-40dd-AFC4-6F175D3DCCD1}">
-              <a14:hiddenFill xmlns="" xmlns:a14="http://schemas.microsoft.com/office/drawing/2010/main">
+              <a14:hiddenFill xmlns:a14="http://schemas.microsoft.com/office/drawing/2010/main" xmlns="">
                 <a:solidFill>
                   <a:srgbClr val="FFFFFF"/>
                 </a:solidFill>
               </a14:hiddenFill>
             </a:ext>
             <a:ext uri="{91240B29-F687-4f45-9708-019B960494DF}">
-              <a14:hiddenLine xmlns="" xmlns:a14="http://schemas.microsoft.com/office/drawing/2010/main" w="9525">
+              <a14:hiddenLine xmlns:a14="http://schemas.microsoft.com/office/drawing/2010/main" xmlns="" w="9525">
                 <a:solidFill>
                   <a:srgbClr val="000000"/>
                 </a:solidFill>
@@ -13985,14 +14026,14 @@
           </a:ln>
           <a:extLst>
             <a:ext uri="{909E8E84-426E-40dd-AFC4-6F175D3DCCD1}">
-              <a14:hiddenFill xmlns="" xmlns:a14="http://schemas.microsoft.com/office/drawing/2010/main">
+              <a14:hiddenFill xmlns:a14="http://schemas.microsoft.com/office/drawing/2010/main" xmlns="">
                 <a:solidFill>
                   <a:srgbClr val="FFFFFF"/>
                 </a:solidFill>
               </a14:hiddenFill>
             </a:ext>
             <a:ext uri="{91240B29-F687-4f45-9708-019B960494DF}">
-              <a14:hiddenLine xmlns="" xmlns:a14="http://schemas.microsoft.com/office/drawing/2010/main" w="9525">
+              <a14:hiddenLine xmlns:a14="http://schemas.microsoft.com/office/drawing/2010/main" xmlns="" w="9525">
                 <a:solidFill>
                   <a:srgbClr val="000000"/>
                 </a:solidFill>
@@ -14213,14 +14254,14 @@
           </a:ln>
           <a:extLst>
             <a:ext uri="{909E8E84-426E-40dd-AFC4-6F175D3DCCD1}">
-              <a14:hiddenFill xmlns="" xmlns:a14="http://schemas.microsoft.com/office/drawing/2010/main">
+              <a14:hiddenFill xmlns:a14="http://schemas.microsoft.com/office/drawing/2010/main" xmlns="">
                 <a:solidFill>
                   <a:srgbClr val="FFFFFF"/>
                 </a:solidFill>
               </a14:hiddenFill>
             </a:ext>
             <a:ext uri="{91240B29-F687-4f45-9708-019B960494DF}">
-              <a14:hiddenLine xmlns="" xmlns:a14="http://schemas.microsoft.com/office/drawing/2010/main" w="9525">
+              <a14:hiddenLine xmlns:a14="http://schemas.microsoft.com/office/drawing/2010/main" xmlns="" w="9525">
                 <a:solidFill>
                   <a:srgbClr val="000000"/>
                 </a:solidFill>
@@ -14441,14 +14482,14 @@
           </a:ln>
           <a:extLst>
             <a:ext uri="{909E8E84-426E-40dd-AFC4-6F175D3DCCD1}">
-              <a14:hiddenFill xmlns="" xmlns:a14="http://schemas.microsoft.com/office/drawing/2010/main">
+              <a14:hiddenFill xmlns:a14="http://schemas.microsoft.com/office/drawing/2010/main" xmlns="">
                 <a:solidFill>
                   <a:srgbClr val="FFFFFF"/>
                 </a:solidFill>
               </a14:hiddenFill>
             </a:ext>
             <a:ext uri="{91240B29-F687-4f45-9708-019B960494DF}">
-              <a14:hiddenLine xmlns="" xmlns:a14="http://schemas.microsoft.com/office/drawing/2010/main" w="9525">
+              <a14:hiddenLine xmlns:a14="http://schemas.microsoft.com/office/drawing/2010/main" xmlns="" w="9525">
                 <a:solidFill>
                   <a:srgbClr val="000000"/>
                 </a:solidFill>
@@ -14669,14 +14710,14 @@
           </a:ln>
           <a:extLst>
             <a:ext uri="{909E8E84-426E-40dd-AFC4-6F175D3DCCD1}">
-              <a14:hiddenFill xmlns="" xmlns:a14="http://schemas.microsoft.com/office/drawing/2010/main">
+              <a14:hiddenFill xmlns:a14="http://schemas.microsoft.com/office/drawing/2010/main" xmlns="">
                 <a:solidFill>
                   <a:srgbClr val="FFFFFF"/>
                 </a:solidFill>
               </a14:hiddenFill>
             </a:ext>
             <a:ext uri="{91240B29-F687-4f45-9708-019B960494DF}">
-              <a14:hiddenLine xmlns="" xmlns:a14="http://schemas.microsoft.com/office/drawing/2010/main" w="9525">
+              <a14:hiddenLine xmlns:a14="http://schemas.microsoft.com/office/drawing/2010/main" xmlns="" w="9525">
                 <a:solidFill>
                   <a:srgbClr val="000000"/>
                 </a:solidFill>
@@ -14926,14 +14967,14 @@
           </a:ln>
           <a:extLst>
             <a:ext uri="{909E8E84-426E-40dd-AFC4-6F175D3DCCD1}">
-              <a14:hiddenFill xmlns="" xmlns:a14="http://schemas.microsoft.com/office/drawing/2010/main">
+              <a14:hiddenFill xmlns:a14="http://schemas.microsoft.com/office/drawing/2010/main" xmlns="">
                 <a:solidFill>
                   <a:srgbClr val="FFFFFF"/>
                 </a:solidFill>
               </a14:hiddenFill>
             </a:ext>
             <a:ext uri="{91240B29-F687-4f45-9708-019B960494DF}">
-              <a14:hiddenLine xmlns="" xmlns:a14="http://schemas.microsoft.com/office/drawing/2010/main" w="9525">
+              <a14:hiddenLine xmlns:a14="http://schemas.microsoft.com/office/drawing/2010/main" xmlns="" w="9525">
                 <a:solidFill>
                   <a:srgbClr val="000000"/>
                 </a:solidFill>
